--- a/시스템분석설계ppt.pptx
+++ b/시스템분석설계ppt.pptx
@@ -132,7 +132,7 @@
   </p:defaultTextStyle>
   <p:extLst>
     <p:ext uri="{EFAFB233-063F-42B5-8137-9DF3F51BA10A}">
-      <p15:sldGuideLst xmlns="" xmlns:p15="http://schemas.microsoft.com/office/powerpoint/2012/main">
+      <p15:sldGuideLst xmlns:p15="http://schemas.microsoft.com/office/powerpoint/2012/main" xmlns="">
         <p15:guide id="1" orient="horz" pos="2160">
           <p15:clr>
             <a:srgbClr val="A4A3A4"/>
@@ -4212,42 +4212,42 @@
                 <a:gridCol w="1589541">
                   <a:extLst>
                     <a:ext uri="{9D8B030D-6E8A-4147-A177-3AD203B41FA5}">
-                      <a16:colId xmlns="" xmlns:a16="http://schemas.microsoft.com/office/drawing/2014/main" val="20000"/>
+                      <a16:colId xmlns:a16="http://schemas.microsoft.com/office/drawing/2014/main" xmlns="" val="20000"/>
                     </a:ext>
                   </a:extLst>
                 </a:gridCol>
                 <a:gridCol w="1589541">
                   <a:extLst>
                     <a:ext uri="{9D8B030D-6E8A-4147-A177-3AD203B41FA5}">
-                      <a16:colId xmlns="" xmlns:a16="http://schemas.microsoft.com/office/drawing/2014/main" val="20001"/>
+                      <a16:colId xmlns:a16="http://schemas.microsoft.com/office/drawing/2014/main" xmlns="" val="20001"/>
                     </a:ext>
                   </a:extLst>
                 </a:gridCol>
                 <a:gridCol w="1589541">
                   <a:extLst>
                     <a:ext uri="{9D8B030D-6E8A-4147-A177-3AD203B41FA5}">
-                      <a16:colId xmlns="" xmlns:a16="http://schemas.microsoft.com/office/drawing/2014/main" val="20003"/>
+                      <a16:colId xmlns:a16="http://schemas.microsoft.com/office/drawing/2014/main" xmlns="" val="20003"/>
                     </a:ext>
                   </a:extLst>
                 </a:gridCol>
                 <a:gridCol w="1677487">
                   <a:extLst>
                     <a:ext uri="{9D8B030D-6E8A-4147-A177-3AD203B41FA5}">
-                      <a16:colId xmlns="" xmlns:a16="http://schemas.microsoft.com/office/drawing/2014/main" val="20004"/>
+                      <a16:colId xmlns:a16="http://schemas.microsoft.com/office/drawing/2014/main" xmlns="" val="20004"/>
                     </a:ext>
                   </a:extLst>
                 </a:gridCol>
                 <a:gridCol w="1501594">
                   <a:extLst>
                     <a:ext uri="{9D8B030D-6E8A-4147-A177-3AD203B41FA5}">
-                      <a16:colId xmlns="" xmlns:a16="http://schemas.microsoft.com/office/drawing/2014/main" val="20005"/>
+                      <a16:colId xmlns:a16="http://schemas.microsoft.com/office/drawing/2014/main" xmlns="" val="20005"/>
                     </a:ext>
                   </a:extLst>
                 </a:gridCol>
                 <a:gridCol w="1924180">
                   <a:extLst>
                     <a:ext uri="{9D8B030D-6E8A-4147-A177-3AD203B41FA5}">
-                      <a16:colId xmlns="" xmlns:a16="http://schemas.microsoft.com/office/drawing/2014/main" val="20007"/>
+                      <a16:colId xmlns:a16="http://schemas.microsoft.com/office/drawing/2014/main" xmlns="" val="20007"/>
                     </a:ext>
                   </a:extLst>
                 </a:gridCol>
@@ -4511,7 +4511,7 @@
                             <a:schemeClr val="tx1"/>
                           </a:solidFill>
                         </a:rPr>
-                        <a:t>차별성 및 지향점</a:t>
+                        <a:t>시장조사 및 차별성</a:t>
                       </a:r>
                       <a:endParaRPr lang="ko-KR" altLang="en-US" sz="1000" dirty="0">
                         <a:solidFill>
@@ -4605,7 +4605,7 @@
                 </a:tc>
                 <a:extLst>
                   <a:ext uri="{0D108BD9-81ED-4DB2-BD59-A6C34878D82A}">
-                    <a16:rowId xmlns="" xmlns:a16="http://schemas.microsoft.com/office/drawing/2014/main" val="10000"/>
+                    <a16:rowId xmlns:a16="http://schemas.microsoft.com/office/drawing/2014/main" xmlns="" val="10000"/>
                   </a:ext>
                 </a:extLst>
               </a:tr>
@@ -5625,42 +5625,42 @@
                 <a:gridCol w="1589541">
                   <a:extLst>
                     <a:ext uri="{9D8B030D-6E8A-4147-A177-3AD203B41FA5}">
-                      <a16:colId xmlns="" xmlns:a16="http://schemas.microsoft.com/office/drawing/2014/main" val="20000"/>
+                      <a16:colId xmlns:a16="http://schemas.microsoft.com/office/drawing/2014/main" xmlns="" val="20000"/>
                     </a:ext>
                   </a:extLst>
                 </a:gridCol>
                 <a:gridCol w="1589541">
                   <a:extLst>
                     <a:ext uri="{9D8B030D-6E8A-4147-A177-3AD203B41FA5}">
-                      <a16:colId xmlns="" xmlns:a16="http://schemas.microsoft.com/office/drawing/2014/main" val="20001"/>
+                      <a16:colId xmlns:a16="http://schemas.microsoft.com/office/drawing/2014/main" xmlns="" val="20001"/>
                     </a:ext>
                   </a:extLst>
                 </a:gridCol>
                 <a:gridCol w="1589541">
                   <a:extLst>
                     <a:ext uri="{9D8B030D-6E8A-4147-A177-3AD203B41FA5}">
-                      <a16:colId xmlns="" xmlns:a16="http://schemas.microsoft.com/office/drawing/2014/main" val="20003"/>
+                      <a16:colId xmlns:a16="http://schemas.microsoft.com/office/drawing/2014/main" xmlns="" val="20003"/>
                     </a:ext>
                   </a:extLst>
                 </a:gridCol>
                 <a:gridCol w="1677487">
                   <a:extLst>
                     <a:ext uri="{9D8B030D-6E8A-4147-A177-3AD203B41FA5}">
-                      <a16:colId xmlns="" xmlns:a16="http://schemas.microsoft.com/office/drawing/2014/main" val="20004"/>
+                      <a16:colId xmlns:a16="http://schemas.microsoft.com/office/drawing/2014/main" xmlns="" val="20004"/>
                     </a:ext>
                   </a:extLst>
                 </a:gridCol>
                 <a:gridCol w="1501594">
                   <a:extLst>
                     <a:ext uri="{9D8B030D-6E8A-4147-A177-3AD203B41FA5}">
-                      <a16:colId xmlns="" xmlns:a16="http://schemas.microsoft.com/office/drawing/2014/main" val="20005"/>
+                      <a16:colId xmlns:a16="http://schemas.microsoft.com/office/drawing/2014/main" xmlns="" val="20005"/>
                     </a:ext>
                   </a:extLst>
                 </a:gridCol>
                 <a:gridCol w="1924180">
                   <a:extLst>
                     <a:ext uri="{9D8B030D-6E8A-4147-A177-3AD203B41FA5}">
-                      <a16:colId xmlns="" xmlns:a16="http://schemas.microsoft.com/office/drawing/2014/main" val="20007"/>
+                      <a16:colId xmlns:a16="http://schemas.microsoft.com/office/drawing/2014/main" xmlns="" val="20007"/>
                     </a:ext>
                   </a:extLst>
                 </a:gridCol>
@@ -5924,7 +5924,7 @@
                             <a:schemeClr val="tx1"/>
                           </a:solidFill>
                         </a:rPr>
-                        <a:t>차별성 및 지향점</a:t>
+                        <a:t>시장조사 및 차별성</a:t>
                       </a:r>
                       <a:endParaRPr lang="ko-KR" altLang="en-US" sz="1000" dirty="0">
                         <a:solidFill>
@@ -6018,7 +6018,7 @@
                 </a:tc>
                 <a:extLst>
                   <a:ext uri="{0D108BD9-81ED-4DB2-BD59-A6C34878D82A}">
-                    <a16:rowId xmlns="" xmlns:a16="http://schemas.microsoft.com/office/drawing/2014/main" val="10000"/>
+                    <a16:rowId xmlns:a16="http://schemas.microsoft.com/office/drawing/2014/main" xmlns="" val="10000"/>
                   </a:ext>
                 </a:extLst>
               </a:tr>
@@ -6917,42 +6917,42 @@
                 <a:gridCol w="1589541">
                   <a:extLst>
                     <a:ext uri="{9D8B030D-6E8A-4147-A177-3AD203B41FA5}">
-                      <a16:colId xmlns="" xmlns:a16="http://schemas.microsoft.com/office/drawing/2014/main" val="20000"/>
+                      <a16:colId xmlns:a16="http://schemas.microsoft.com/office/drawing/2014/main" xmlns="" val="20000"/>
                     </a:ext>
                   </a:extLst>
                 </a:gridCol>
                 <a:gridCol w="1589541">
                   <a:extLst>
                     <a:ext uri="{9D8B030D-6E8A-4147-A177-3AD203B41FA5}">
-                      <a16:colId xmlns="" xmlns:a16="http://schemas.microsoft.com/office/drawing/2014/main" val="20001"/>
+                      <a16:colId xmlns:a16="http://schemas.microsoft.com/office/drawing/2014/main" xmlns="" val="20001"/>
                     </a:ext>
                   </a:extLst>
                 </a:gridCol>
                 <a:gridCol w="1589541">
                   <a:extLst>
                     <a:ext uri="{9D8B030D-6E8A-4147-A177-3AD203B41FA5}">
-                      <a16:colId xmlns="" xmlns:a16="http://schemas.microsoft.com/office/drawing/2014/main" val="20003"/>
+                      <a16:colId xmlns:a16="http://schemas.microsoft.com/office/drawing/2014/main" xmlns="" val="20003"/>
                     </a:ext>
                   </a:extLst>
                 </a:gridCol>
                 <a:gridCol w="1677487">
                   <a:extLst>
                     <a:ext uri="{9D8B030D-6E8A-4147-A177-3AD203B41FA5}">
-                      <a16:colId xmlns="" xmlns:a16="http://schemas.microsoft.com/office/drawing/2014/main" val="20004"/>
+                      <a16:colId xmlns:a16="http://schemas.microsoft.com/office/drawing/2014/main" xmlns="" val="20004"/>
                     </a:ext>
                   </a:extLst>
                 </a:gridCol>
                 <a:gridCol w="1501594">
                   <a:extLst>
                     <a:ext uri="{9D8B030D-6E8A-4147-A177-3AD203B41FA5}">
-                      <a16:colId xmlns="" xmlns:a16="http://schemas.microsoft.com/office/drawing/2014/main" val="20005"/>
+                      <a16:colId xmlns:a16="http://schemas.microsoft.com/office/drawing/2014/main" xmlns="" val="20005"/>
                     </a:ext>
                   </a:extLst>
                 </a:gridCol>
                 <a:gridCol w="1924180">
                   <a:extLst>
                     <a:ext uri="{9D8B030D-6E8A-4147-A177-3AD203B41FA5}">
-                      <a16:colId xmlns="" xmlns:a16="http://schemas.microsoft.com/office/drawing/2014/main" val="20007"/>
+                      <a16:colId xmlns:a16="http://schemas.microsoft.com/office/drawing/2014/main" xmlns="" val="20007"/>
                     </a:ext>
                   </a:extLst>
                 </a:gridCol>
@@ -7216,7 +7216,7 @@
                             <a:schemeClr val="tx1"/>
                           </a:solidFill>
                         </a:rPr>
-                        <a:t>차별성 및 지향점</a:t>
+                        <a:t>시장조사 및 차별성</a:t>
                       </a:r>
                       <a:endParaRPr lang="ko-KR" altLang="en-US" sz="1000" dirty="0">
                         <a:solidFill>
@@ -7310,7 +7310,7 @@
                 </a:tc>
                 <a:extLst>
                   <a:ext uri="{0D108BD9-81ED-4DB2-BD59-A6C34878D82A}">
-                    <a16:rowId xmlns="" xmlns:a16="http://schemas.microsoft.com/office/drawing/2014/main" val="10000"/>
+                    <a16:rowId xmlns:a16="http://schemas.microsoft.com/office/drawing/2014/main" xmlns="" val="10000"/>
                   </a:ext>
                 </a:extLst>
               </a:tr>
@@ -8075,42 +8075,42 @@
                 <a:gridCol w="1589541">
                   <a:extLst>
                     <a:ext uri="{9D8B030D-6E8A-4147-A177-3AD203B41FA5}">
-                      <a16:colId xmlns="" xmlns:a16="http://schemas.microsoft.com/office/drawing/2014/main" val="20000"/>
+                      <a16:colId xmlns:a16="http://schemas.microsoft.com/office/drawing/2014/main" xmlns="" val="20000"/>
                     </a:ext>
                   </a:extLst>
                 </a:gridCol>
                 <a:gridCol w="1589541">
                   <a:extLst>
                     <a:ext uri="{9D8B030D-6E8A-4147-A177-3AD203B41FA5}">
-                      <a16:colId xmlns="" xmlns:a16="http://schemas.microsoft.com/office/drawing/2014/main" val="20001"/>
+                      <a16:colId xmlns:a16="http://schemas.microsoft.com/office/drawing/2014/main" xmlns="" val="20001"/>
                     </a:ext>
                   </a:extLst>
                 </a:gridCol>
                 <a:gridCol w="1589541">
                   <a:extLst>
                     <a:ext uri="{9D8B030D-6E8A-4147-A177-3AD203B41FA5}">
-                      <a16:colId xmlns="" xmlns:a16="http://schemas.microsoft.com/office/drawing/2014/main" val="20003"/>
+                      <a16:colId xmlns:a16="http://schemas.microsoft.com/office/drawing/2014/main" xmlns="" val="20003"/>
                     </a:ext>
                   </a:extLst>
                 </a:gridCol>
                 <a:gridCol w="1677487">
                   <a:extLst>
                     <a:ext uri="{9D8B030D-6E8A-4147-A177-3AD203B41FA5}">
-                      <a16:colId xmlns="" xmlns:a16="http://schemas.microsoft.com/office/drawing/2014/main" val="20004"/>
+                      <a16:colId xmlns:a16="http://schemas.microsoft.com/office/drawing/2014/main" xmlns="" val="20004"/>
                     </a:ext>
                   </a:extLst>
                 </a:gridCol>
                 <a:gridCol w="1501594">
                   <a:extLst>
                     <a:ext uri="{9D8B030D-6E8A-4147-A177-3AD203B41FA5}">
-                      <a16:colId xmlns="" xmlns:a16="http://schemas.microsoft.com/office/drawing/2014/main" val="20005"/>
+                      <a16:colId xmlns:a16="http://schemas.microsoft.com/office/drawing/2014/main" xmlns="" val="20005"/>
                     </a:ext>
                   </a:extLst>
                 </a:gridCol>
                 <a:gridCol w="1924180">
                   <a:extLst>
                     <a:ext uri="{9D8B030D-6E8A-4147-A177-3AD203B41FA5}">
-                      <a16:colId xmlns="" xmlns:a16="http://schemas.microsoft.com/office/drawing/2014/main" val="20007"/>
+                      <a16:colId xmlns:a16="http://schemas.microsoft.com/office/drawing/2014/main" xmlns="" val="20007"/>
                     </a:ext>
                   </a:extLst>
                 </a:gridCol>
@@ -8374,7 +8374,7 @@
                             <a:schemeClr val="tx1"/>
                           </a:solidFill>
                         </a:rPr>
-                        <a:t>차별성 및 지향점</a:t>
+                        <a:t>시장조사 및 차별성</a:t>
                       </a:r>
                       <a:endParaRPr lang="ko-KR" altLang="en-US" sz="1000" dirty="0">
                         <a:solidFill>
@@ -8468,7 +8468,7 @@
                 </a:tc>
                 <a:extLst>
                   <a:ext uri="{0D108BD9-81ED-4DB2-BD59-A6C34878D82A}">
-                    <a16:rowId xmlns="" xmlns:a16="http://schemas.microsoft.com/office/drawing/2014/main" val="10000"/>
+                    <a16:rowId xmlns:a16="http://schemas.microsoft.com/office/drawing/2014/main" xmlns="" val="10000"/>
                   </a:ext>
                 </a:extLst>
               </a:tr>
@@ -9382,42 +9382,42 @@
                 <a:gridCol w="1589541">
                   <a:extLst>
                     <a:ext uri="{9D8B030D-6E8A-4147-A177-3AD203B41FA5}">
-                      <a16:colId xmlns="" xmlns:a16="http://schemas.microsoft.com/office/drawing/2014/main" val="20000"/>
+                      <a16:colId xmlns:a16="http://schemas.microsoft.com/office/drawing/2014/main" xmlns="" val="20000"/>
                     </a:ext>
                   </a:extLst>
                 </a:gridCol>
                 <a:gridCol w="1589541">
                   <a:extLst>
                     <a:ext uri="{9D8B030D-6E8A-4147-A177-3AD203B41FA5}">
-                      <a16:colId xmlns="" xmlns:a16="http://schemas.microsoft.com/office/drawing/2014/main" val="20001"/>
+                      <a16:colId xmlns:a16="http://schemas.microsoft.com/office/drawing/2014/main" xmlns="" val="20001"/>
                     </a:ext>
                   </a:extLst>
                 </a:gridCol>
                 <a:gridCol w="1589541">
                   <a:extLst>
                     <a:ext uri="{9D8B030D-6E8A-4147-A177-3AD203B41FA5}">
-                      <a16:colId xmlns="" xmlns:a16="http://schemas.microsoft.com/office/drawing/2014/main" val="20003"/>
+                      <a16:colId xmlns:a16="http://schemas.microsoft.com/office/drawing/2014/main" xmlns="" val="20003"/>
                     </a:ext>
                   </a:extLst>
                 </a:gridCol>
                 <a:gridCol w="1677487">
                   <a:extLst>
                     <a:ext uri="{9D8B030D-6E8A-4147-A177-3AD203B41FA5}">
-                      <a16:colId xmlns="" xmlns:a16="http://schemas.microsoft.com/office/drawing/2014/main" val="20004"/>
+                      <a16:colId xmlns:a16="http://schemas.microsoft.com/office/drawing/2014/main" xmlns="" val="20004"/>
                     </a:ext>
                   </a:extLst>
                 </a:gridCol>
                 <a:gridCol w="1501594">
                   <a:extLst>
                     <a:ext uri="{9D8B030D-6E8A-4147-A177-3AD203B41FA5}">
-                      <a16:colId xmlns="" xmlns:a16="http://schemas.microsoft.com/office/drawing/2014/main" val="20005"/>
+                      <a16:colId xmlns:a16="http://schemas.microsoft.com/office/drawing/2014/main" xmlns="" val="20005"/>
                     </a:ext>
                   </a:extLst>
                 </a:gridCol>
                 <a:gridCol w="1924180">
                   <a:extLst>
                     <a:ext uri="{9D8B030D-6E8A-4147-A177-3AD203B41FA5}">
-                      <a16:colId xmlns="" xmlns:a16="http://schemas.microsoft.com/office/drawing/2014/main" val="20007"/>
+                      <a16:colId xmlns:a16="http://schemas.microsoft.com/office/drawing/2014/main" xmlns="" val="20007"/>
                     </a:ext>
                   </a:extLst>
                 </a:gridCol>
@@ -9681,7 +9681,7 @@
                             <a:schemeClr val="tx1"/>
                           </a:solidFill>
                         </a:rPr>
-                        <a:t>차별성 및 지향점</a:t>
+                        <a:t>시장조사 및 차별성</a:t>
                       </a:r>
                       <a:endParaRPr lang="ko-KR" altLang="en-US" sz="1000" dirty="0">
                         <a:solidFill>
@@ -9775,7 +9775,7 @@
                 </a:tc>
                 <a:extLst>
                   <a:ext uri="{0D108BD9-81ED-4DB2-BD59-A6C34878D82A}">
-                    <a16:rowId xmlns="" xmlns:a16="http://schemas.microsoft.com/office/drawing/2014/main" val="10000"/>
+                    <a16:rowId xmlns:a16="http://schemas.microsoft.com/office/drawing/2014/main" xmlns="" val="10000"/>
                   </a:ext>
                 </a:extLst>
               </a:tr>
@@ -10560,42 +10560,42 @@
                 <a:gridCol w="1589541">
                   <a:extLst>
                     <a:ext uri="{9D8B030D-6E8A-4147-A177-3AD203B41FA5}">
-                      <a16:colId xmlns="" xmlns:a16="http://schemas.microsoft.com/office/drawing/2014/main" val="20000"/>
+                      <a16:colId xmlns:a16="http://schemas.microsoft.com/office/drawing/2014/main" xmlns="" val="20000"/>
                     </a:ext>
                   </a:extLst>
                 </a:gridCol>
                 <a:gridCol w="1589541">
                   <a:extLst>
                     <a:ext uri="{9D8B030D-6E8A-4147-A177-3AD203B41FA5}">
-                      <a16:colId xmlns="" xmlns:a16="http://schemas.microsoft.com/office/drawing/2014/main" val="20001"/>
+                      <a16:colId xmlns:a16="http://schemas.microsoft.com/office/drawing/2014/main" xmlns="" val="20001"/>
                     </a:ext>
                   </a:extLst>
                 </a:gridCol>
                 <a:gridCol w="1589541">
                   <a:extLst>
                     <a:ext uri="{9D8B030D-6E8A-4147-A177-3AD203B41FA5}">
-                      <a16:colId xmlns="" xmlns:a16="http://schemas.microsoft.com/office/drawing/2014/main" val="20003"/>
+                      <a16:colId xmlns:a16="http://schemas.microsoft.com/office/drawing/2014/main" xmlns="" val="20003"/>
                     </a:ext>
                   </a:extLst>
                 </a:gridCol>
                 <a:gridCol w="1677487">
                   <a:extLst>
                     <a:ext uri="{9D8B030D-6E8A-4147-A177-3AD203B41FA5}">
-                      <a16:colId xmlns="" xmlns:a16="http://schemas.microsoft.com/office/drawing/2014/main" val="20004"/>
+                      <a16:colId xmlns:a16="http://schemas.microsoft.com/office/drawing/2014/main" xmlns="" val="20004"/>
                     </a:ext>
                   </a:extLst>
                 </a:gridCol>
                 <a:gridCol w="1501594">
                   <a:extLst>
                     <a:ext uri="{9D8B030D-6E8A-4147-A177-3AD203B41FA5}">
-                      <a16:colId xmlns="" xmlns:a16="http://schemas.microsoft.com/office/drawing/2014/main" val="20005"/>
+                      <a16:colId xmlns:a16="http://schemas.microsoft.com/office/drawing/2014/main" xmlns="" val="20005"/>
                     </a:ext>
                   </a:extLst>
                 </a:gridCol>
                 <a:gridCol w="1924180">
                   <a:extLst>
                     <a:ext uri="{9D8B030D-6E8A-4147-A177-3AD203B41FA5}">
-                      <a16:colId xmlns="" xmlns:a16="http://schemas.microsoft.com/office/drawing/2014/main" val="20007"/>
+                      <a16:colId xmlns:a16="http://schemas.microsoft.com/office/drawing/2014/main" xmlns="" val="20007"/>
                     </a:ext>
                   </a:extLst>
                 </a:gridCol>
@@ -10859,7 +10859,7 @@
                             <a:schemeClr val="tx1"/>
                           </a:solidFill>
                         </a:rPr>
-                        <a:t>차별성 및 지향점</a:t>
+                        <a:t>시장조사 및 차별성</a:t>
                       </a:r>
                       <a:endParaRPr lang="ko-KR" altLang="en-US" sz="1000" dirty="0">
                         <a:solidFill>
@@ -10953,7 +10953,7 @@
                 </a:tc>
                 <a:extLst>
                   <a:ext uri="{0D108BD9-81ED-4DB2-BD59-A6C34878D82A}">
-                    <a16:rowId xmlns="" xmlns:a16="http://schemas.microsoft.com/office/drawing/2014/main" val="10000"/>
+                    <a16:rowId xmlns:a16="http://schemas.microsoft.com/office/drawing/2014/main" xmlns="" val="10000"/>
                   </a:ext>
                 </a:extLst>
               </a:tr>
@@ -11773,42 +11773,42 @@
                 <a:gridCol w="1589541">
                   <a:extLst>
                     <a:ext uri="{9D8B030D-6E8A-4147-A177-3AD203B41FA5}">
-                      <a16:colId xmlns="" xmlns:a16="http://schemas.microsoft.com/office/drawing/2014/main" val="20000"/>
+                      <a16:colId xmlns:a16="http://schemas.microsoft.com/office/drawing/2014/main" xmlns="" val="20000"/>
                     </a:ext>
                   </a:extLst>
                 </a:gridCol>
                 <a:gridCol w="1589541">
                   <a:extLst>
                     <a:ext uri="{9D8B030D-6E8A-4147-A177-3AD203B41FA5}">
-                      <a16:colId xmlns="" xmlns:a16="http://schemas.microsoft.com/office/drawing/2014/main" val="20001"/>
+                      <a16:colId xmlns:a16="http://schemas.microsoft.com/office/drawing/2014/main" xmlns="" val="20001"/>
                     </a:ext>
                   </a:extLst>
                 </a:gridCol>
                 <a:gridCol w="1589541">
                   <a:extLst>
                     <a:ext uri="{9D8B030D-6E8A-4147-A177-3AD203B41FA5}">
-                      <a16:colId xmlns="" xmlns:a16="http://schemas.microsoft.com/office/drawing/2014/main" val="20003"/>
+                      <a16:colId xmlns:a16="http://schemas.microsoft.com/office/drawing/2014/main" xmlns="" val="20003"/>
                     </a:ext>
                   </a:extLst>
                 </a:gridCol>
                 <a:gridCol w="1677487">
                   <a:extLst>
                     <a:ext uri="{9D8B030D-6E8A-4147-A177-3AD203B41FA5}">
-                      <a16:colId xmlns="" xmlns:a16="http://schemas.microsoft.com/office/drawing/2014/main" val="20004"/>
+                      <a16:colId xmlns:a16="http://schemas.microsoft.com/office/drawing/2014/main" xmlns="" val="20004"/>
                     </a:ext>
                   </a:extLst>
                 </a:gridCol>
                 <a:gridCol w="1501594">
                   <a:extLst>
                     <a:ext uri="{9D8B030D-6E8A-4147-A177-3AD203B41FA5}">
-                      <a16:colId xmlns="" xmlns:a16="http://schemas.microsoft.com/office/drawing/2014/main" val="20005"/>
+                      <a16:colId xmlns:a16="http://schemas.microsoft.com/office/drawing/2014/main" xmlns="" val="20005"/>
                     </a:ext>
                   </a:extLst>
                 </a:gridCol>
                 <a:gridCol w="1924180">
                   <a:extLst>
                     <a:ext uri="{9D8B030D-6E8A-4147-A177-3AD203B41FA5}">
-                      <a16:colId xmlns="" xmlns:a16="http://schemas.microsoft.com/office/drawing/2014/main" val="20007"/>
+                      <a16:colId xmlns:a16="http://schemas.microsoft.com/office/drawing/2014/main" xmlns="" val="20007"/>
                     </a:ext>
                   </a:extLst>
                 </a:gridCol>
@@ -12072,7 +12072,7 @@
                             <a:schemeClr val="tx1"/>
                           </a:solidFill>
                         </a:rPr>
-                        <a:t>차별성 및 지향점</a:t>
+                        <a:t>시장조사 및 차별성</a:t>
                       </a:r>
                       <a:endParaRPr lang="ko-KR" altLang="en-US" sz="1000" dirty="0">
                         <a:solidFill>
@@ -12166,7 +12166,7 @@
                 </a:tc>
                 <a:extLst>
                   <a:ext uri="{0D108BD9-81ED-4DB2-BD59-A6C34878D82A}">
-                    <a16:rowId xmlns="" xmlns:a16="http://schemas.microsoft.com/office/drawing/2014/main" val="10000"/>
+                    <a16:rowId xmlns:a16="http://schemas.microsoft.com/office/drawing/2014/main" xmlns="" val="10000"/>
                   </a:ext>
                 </a:extLst>
               </a:tr>
@@ -13763,42 +13763,42 @@
                 <a:gridCol w="1589541">
                   <a:extLst>
                     <a:ext uri="{9D8B030D-6E8A-4147-A177-3AD203B41FA5}">
-                      <a16:colId xmlns="" xmlns:a16="http://schemas.microsoft.com/office/drawing/2014/main" val="20000"/>
+                      <a16:colId xmlns:a16="http://schemas.microsoft.com/office/drawing/2014/main" xmlns="" val="20000"/>
                     </a:ext>
                   </a:extLst>
                 </a:gridCol>
                 <a:gridCol w="1589541">
                   <a:extLst>
                     <a:ext uri="{9D8B030D-6E8A-4147-A177-3AD203B41FA5}">
-                      <a16:colId xmlns="" xmlns:a16="http://schemas.microsoft.com/office/drawing/2014/main" val="20001"/>
+                      <a16:colId xmlns:a16="http://schemas.microsoft.com/office/drawing/2014/main" xmlns="" val="20001"/>
                     </a:ext>
                   </a:extLst>
                 </a:gridCol>
                 <a:gridCol w="1589541">
                   <a:extLst>
                     <a:ext uri="{9D8B030D-6E8A-4147-A177-3AD203B41FA5}">
-                      <a16:colId xmlns="" xmlns:a16="http://schemas.microsoft.com/office/drawing/2014/main" val="20003"/>
+                      <a16:colId xmlns:a16="http://schemas.microsoft.com/office/drawing/2014/main" xmlns="" val="20003"/>
                     </a:ext>
                   </a:extLst>
                 </a:gridCol>
                 <a:gridCol w="1677487">
                   <a:extLst>
                     <a:ext uri="{9D8B030D-6E8A-4147-A177-3AD203B41FA5}">
-                      <a16:colId xmlns="" xmlns:a16="http://schemas.microsoft.com/office/drawing/2014/main" val="20004"/>
+                      <a16:colId xmlns:a16="http://schemas.microsoft.com/office/drawing/2014/main" xmlns="" val="20004"/>
                     </a:ext>
                   </a:extLst>
                 </a:gridCol>
                 <a:gridCol w="1501594">
                   <a:extLst>
                     <a:ext uri="{9D8B030D-6E8A-4147-A177-3AD203B41FA5}">
-                      <a16:colId xmlns="" xmlns:a16="http://schemas.microsoft.com/office/drawing/2014/main" val="20005"/>
+                      <a16:colId xmlns:a16="http://schemas.microsoft.com/office/drawing/2014/main" xmlns="" val="20005"/>
                     </a:ext>
                   </a:extLst>
                 </a:gridCol>
                 <a:gridCol w="1924180">
                   <a:extLst>
                     <a:ext uri="{9D8B030D-6E8A-4147-A177-3AD203B41FA5}">
-                      <a16:colId xmlns="" xmlns:a16="http://schemas.microsoft.com/office/drawing/2014/main" val="20007"/>
+                      <a16:colId xmlns:a16="http://schemas.microsoft.com/office/drawing/2014/main" xmlns="" val="20007"/>
                     </a:ext>
                   </a:extLst>
                 </a:gridCol>
@@ -14062,7 +14062,7 @@
                             <a:schemeClr val="tx1"/>
                           </a:solidFill>
                         </a:rPr>
-                        <a:t>차별성 및 지향점</a:t>
+                        <a:t>시장조사 및 차별성</a:t>
                       </a:r>
                       <a:endParaRPr lang="ko-KR" altLang="en-US" sz="1000" dirty="0">
                         <a:solidFill>
@@ -14156,7 +14156,7 @@
                 </a:tc>
                 <a:extLst>
                   <a:ext uri="{0D108BD9-81ED-4DB2-BD59-A6C34878D82A}">
-                    <a16:rowId xmlns="" xmlns:a16="http://schemas.microsoft.com/office/drawing/2014/main" val="10000"/>
+                    <a16:rowId xmlns:a16="http://schemas.microsoft.com/office/drawing/2014/main" xmlns="" val="10000"/>
                   </a:ext>
                 </a:extLst>
               </a:tr>
@@ -15654,42 +15654,42 @@
                 <a:gridCol w="1589541">
                   <a:extLst>
                     <a:ext uri="{9D8B030D-6E8A-4147-A177-3AD203B41FA5}">
-                      <a16:colId xmlns="" xmlns:a16="http://schemas.microsoft.com/office/drawing/2014/main" val="20000"/>
+                      <a16:colId xmlns:a16="http://schemas.microsoft.com/office/drawing/2014/main" xmlns="" val="20000"/>
                     </a:ext>
                   </a:extLst>
                 </a:gridCol>
                 <a:gridCol w="1589541">
                   <a:extLst>
                     <a:ext uri="{9D8B030D-6E8A-4147-A177-3AD203B41FA5}">
-                      <a16:colId xmlns="" xmlns:a16="http://schemas.microsoft.com/office/drawing/2014/main" val="20001"/>
+                      <a16:colId xmlns:a16="http://schemas.microsoft.com/office/drawing/2014/main" xmlns="" val="20001"/>
                     </a:ext>
                   </a:extLst>
                 </a:gridCol>
                 <a:gridCol w="1589541">
                   <a:extLst>
                     <a:ext uri="{9D8B030D-6E8A-4147-A177-3AD203B41FA5}">
-                      <a16:colId xmlns="" xmlns:a16="http://schemas.microsoft.com/office/drawing/2014/main" val="20003"/>
+                      <a16:colId xmlns:a16="http://schemas.microsoft.com/office/drawing/2014/main" xmlns="" val="20003"/>
                     </a:ext>
                   </a:extLst>
                 </a:gridCol>
                 <a:gridCol w="1677487">
                   <a:extLst>
                     <a:ext uri="{9D8B030D-6E8A-4147-A177-3AD203B41FA5}">
-                      <a16:colId xmlns="" xmlns:a16="http://schemas.microsoft.com/office/drawing/2014/main" val="20004"/>
+                      <a16:colId xmlns:a16="http://schemas.microsoft.com/office/drawing/2014/main" xmlns="" val="20004"/>
                     </a:ext>
                   </a:extLst>
                 </a:gridCol>
                 <a:gridCol w="1501594">
                   <a:extLst>
                     <a:ext uri="{9D8B030D-6E8A-4147-A177-3AD203B41FA5}">
-                      <a16:colId xmlns="" xmlns:a16="http://schemas.microsoft.com/office/drawing/2014/main" val="20005"/>
+                      <a16:colId xmlns:a16="http://schemas.microsoft.com/office/drawing/2014/main" xmlns="" val="20005"/>
                     </a:ext>
                   </a:extLst>
                 </a:gridCol>
                 <a:gridCol w="1924180">
                   <a:extLst>
                     <a:ext uri="{9D8B030D-6E8A-4147-A177-3AD203B41FA5}">
-                      <a16:colId xmlns="" xmlns:a16="http://schemas.microsoft.com/office/drawing/2014/main" val="20007"/>
+                      <a16:colId xmlns:a16="http://schemas.microsoft.com/office/drawing/2014/main" xmlns="" val="20007"/>
                     </a:ext>
                   </a:extLst>
                 </a:gridCol>
@@ -15953,7 +15953,7 @@
                             <a:schemeClr val="tx1"/>
                           </a:solidFill>
                         </a:rPr>
-                        <a:t>차별성 및 지향점</a:t>
+                        <a:t>시장조사 및 차별성</a:t>
                       </a:r>
                       <a:endParaRPr lang="ko-KR" altLang="en-US" sz="1000" dirty="0">
                         <a:solidFill>
@@ -16047,7 +16047,7 @@
                 </a:tc>
                 <a:extLst>
                   <a:ext uri="{0D108BD9-81ED-4DB2-BD59-A6C34878D82A}">
-                    <a16:rowId xmlns="" xmlns:a16="http://schemas.microsoft.com/office/drawing/2014/main" val="10000"/>
+                    <a16:rowId xmlns:a16="http://schemas.microsoft.com/office/drawing/2014/main" xmlns="" val="10000"/>
                   </a:ext>
                 </a:extLst>
               </a:tr>
@@ -16312,42 +16312,42 @@
                 <a:gridCol w="1589541">
                   <a:extLst>
                     <a:ext uri="{9D8B030D-6E8A-4147-A177-3AD203B41FA5}">
-                      <a16:colId xmlns="" xmlns:a16="http://schemas.microsoft.com/office/drawing/2014/main" val="20000"/>
+                      <a16:colId xmlns:a16="http://schemas.microsoft.com/office/drawing/2014/main" xmlns="" val="20000"/>
                     </a:ext>
                   </a:extLst>
                 </a:gridCol>
                 <a:gridCol w="1589541">
                   <a:extLst>
                     <a:ext uri="{9D8B030D-6E8A-4147-A177-3AD203B41FA5}">
-                      <a16:colId xmlns="" xmlns:a16="http://schemas.microsoft.com/office/drawing/2014/main" val="20001"/>
+                      <a16:colId xmlns:a16="http://schemas.microsoft.com/office/drawing/2014/main" xmlns="" val="20001"/>
                     </a:ext>
                   </a:extLst>
                 </a:gridCol>
                 <a:gridCol w="1589541">
                   <a:extLst>
                     <a:ext uri="{9D8B030D-6E8A-4147-A177-3AD203B41FA5}">
-                      <a16:colId xmlns="" xmlns:a16="http://schemas.microsoft.com/office/drawing/2014/main" val="20003"/>
+                      <a16:colId xmlns:a16="http://schemas.microsoft.com/office/drawing/2014/main" xmlns="" val="20003"/>
                     </a:ext>
                   </a:extLst>
                 </a:gridCol>
                 <a:gridCol w="1677487">
                   <a:extLst>
                     <a:ext uri="{9D8B030D-6E8A-4147-A177-3AD203B41FA5}">
-                      <a16:colId xmlns="" xmlns:a16="http://schemas.microsoft.com/office/drawing/2014/main" val="20004"/>
+                      <a16:colId xmlns:a16="http://schemas.microsoft.com/office/drawing/2014/main" xmlns="" val="20004"/>
                     </a:ext>
                   </a:extLst>
                 </a:gridCol>
                 <a:gridCol w="1501594">
                   <a:extLst>
                     <a:ext uri="{9D8B030D-6E8A-4147-A177-3AD203B41FA5}">
-                      <a16:colId xmlns="" xmlns:a16="http://schemas.microsoft.com/office/drawing/2014/main" val="20005"/>
+                      <a16:colId xmlns:a16="http://schemas.microsoft.com/office/drawing/2014/main" xmlns="" val="20005"/>
                     </a:ext>
                   </a:extLst>
                 </a:gridCol>
                 <a:gridCol w="1924180">
                   <a:extLst>
                     <a:ext uri="{9D8B030D-6E8A-4147-A177-3AD203B41FA5}">
-                      <a16:colId xmlns="" xmlns:a16="http://schemas.microsoft.com/office/drawing/2014/main" val="20007"/>
+                      <a16:colId xmlns:a16="http://schemas.microsoft.com/office/drawing/2014/main" xmlns="" val="20007"/>
                     </a:ext>
                   </a:extLst>
                 </a:gridCol>
@@ -16611,7 +16611,7 @@
                             <a:schemeClr val="tx1"/>
                           </a:solidFill>
                         </a:rPr>
-                        <a:t>차별성 및 지향점</a:t>
+                        <a:t>시장조사 및 차별성</a:t>
                       </a:r>
                       <a:endParaRPr lang="ko-KR" altLang="en-US" sz="1000" dirty="0">
                         <a:solidFill>
@@ -16705,7 +16705,7 @@
                 </a:tc>
                 <a:extLst>
                   <a:ext uri="{0D108BD9-81ED-4DB2-BD59-A6C34878D82A}">
-                    <a16:rowId xmlns="" xmlns:a16="http://schemas.microsoft.com/office/drawing/2014/main" val="10000"/>
+                    <a16:rowId xmlns:a16="http://schemas.microsoft.com/office/drawing/2014/main" xmlns="" val="10000"/>
                   </a:ext>
                 </a:extLst>
               </a:tr>
@@ -17684,17 +17684,6 @@
           <a:lstStyle/>
           <a:p>
             <a:r>
-              <a:rPr lang="ko-KR" altLang="en-US" sz="1600" b="1" dirty="0">
-                <a:solidFill>
-                  <a:schemeClr val="tx1">
-                    <a:lumMod val="50000"/>
-                    <a:lumOff val="50000"/>
-                  </a:schemeClr>
-                </a:solidFill>
-              </a:rPr>
-              <a:t>차</a:t>
-            </a:r>
-            <a:r>
               <a:rPr lang="ko-KR" altLang="en-US" sz="1600" b="1" dirty="0" smtClean="0">
                 <a:solidFill>
                   <a:schemeClr val="tx1">
@@ -17703,7 +17692,7 @@
                   </a:schemeClr>
                 </a:solidFill>
               </a:rPr>
-              <a:t>별성 및 지향점</a:t>
+              <a:t>시장조사 및 차별성</a:t>
             </a:r>
             <a:endParaRPr lang="ko-KR" altLang="en-US" sz="1600" b="1" dirty="0">
               <a:solidFill>
@@ -19107,42 +19096,42 @@
                 <a:gridCol w="1589541">
                   <a:extLst>
                     <a:ext uri="{9D8B030D-6E8A-4147-A177-3AD203B41FA5}">
-                      <a16:colId xmlns="" xmlns:a16="http://schemas.microsoft.com/office/drawing/2014/main" val="20000"/>
+                      <a16:colId xmlns:a16="http://schemas.microsoft.com/office/drawing/2014/main" xmlns="" val="20000"/>
                     </a:ext>
                   </a:extLst>
                 </a:gridCol>
                 <a:gridCol w="1589541">
                   <a:extLst>
                     <a:ext uri="{9D8B030D-6E8A-4147-A177-3AD203B41FA5}">
-                      <a16:colId xmlns="" xmlns:a16="http://schemas.microsoft.com/office/drawing/2014/main" val="20001"/>
+                      <a16:colId xmlns:a16="http://schemas.microsoft.com/office/drawing/2014/main" xmlns="" val="20001"/>
                     </a:ext>
                   </a:extLst>
                 </a:gridCol>
                 <a:gridCol w="1589541">
                   <a:extLst>
                     <a:ext uri="{9D8B030D-6E8A-4147-A177-3AD203B41FA5}">
-                      <a16:colId xmlns="" xmlns:a16="http://schemas.microsoft.com/office/drawing/2014/main" val="20003"/>
+                      <a16:colId xmlns:a16="http://schemas.microsoft.com/office/drawing/2014/main" xmlns="" val="20003"/>
                     </a:ext>
                   </a:extLst>
                 </a:gridCol>
                 <a:gridCol w="1677487">
                   <a:extLst>
                     <a:ext uri="{9D8B030D-6E8A-4147-A177-3AD203B41FA5}">
-                      <a16:colId xmlns="" xmlns:a16="http://schemas.microsoft.com/office/drawing/2014/main" val="20004"/>
+                      <a16:colId xmlns:a16="http://schemas.microsoft.com/office/drawing/2014/main" xmlns="" val="20004"/>
                     </a:ext>
                   </a:extLst>
                 </a:gridCol>
                 <a:gridCol w="1501594">
                   <a:extLst>
                     <a:ext uri="{9D8B030D-6E8A-4147-A177-3AD203B41FA5}">
-                      <a16:colId xmlns="" xmlns:a16="http://schemas.microsoft.com/office/drawing/2014/main" val="20005"/>
+                      <a16:colId xmlns:a16="http://schemas.microsoft.com/office/drawing/2014/main" xmlns="" val="20005"/>
                     </a:ext>
                   </a:extLst>
                 </a:gridCol>
                 <a:gridCol w="1924180">
                   <a:extLst>
                     <a:ext uri="{9D8B030D-6E8A-4147-A177-3AD203B41FA5}">
-                      <a16:colId xmlns="" xmlns:a16="http://schemas.microsoft.com/office/drawing/2014/main" val="20007"/>
+                      <a16:colId xmlns:a16="http://schemas.microsoft.com/office/drawing/2014/main" xmlns="" val="20007"/>
                     </a:ext>
                   </a:extLst>
                 </a:gridCol>
@@ -19406,7 +19395,7 @@
                             <a:schemeClr val="tx1"/>
                           </a:solidFill>
                         </a:rPr>
-                        <a:t>차별성 및 지향점</a:t>
+                        <a:t>시장조사 및 차별성</a:t>
                       </a:r>
                       <a:endParaRPr lang="ko-KR" altLang="en-US" sz="1000" dirty="0">
                         <a:solidFill>
@@ -19500,7 +19489,7 @@
                 </a:tc>
                 <a:extLst>
                   <a:ext uri="{0D108BD9-81ED-4DB2-BD59-A6C34878D82A}">
-                    <a16:rowId xmlns="" xmlns:a16="http://schemas.microsoft.com/office/drawing/2014/main" val="10000"/>
+                    <a16:rowId xmlns:a16="http://schemas.microsoft.com/office/drawing/2014/main" xmlns="" val="10000"/>
                   </a:ext>
                 </a:extLst>
               </a:tr>
@@ -21120,42 +21109,42 @@
                 <a:gridCol w="1589541">
                   <a:extLst>
                     <a:ext uri="{9D8B030D-6E8A-4147-A177-3AD203B41FA5}">
-                      <a16:colId xmlns="" xmlns:a16="http://schemas.microsoft.com/office/drawing/2014/main" val="20000"/>
+                      <a16:colId xmlns:a16="http://schemas.microsoft.com/office/drawing/2014/main" xmlns="" val="20000"/>
                     </a:ext>
                   </a:extLst>
                 </a:gridCol>
                 <a:gridCol w="1589541">
                   <a:extLst>
                     <a:ext uri="{9D8B030D-6E8A-4147-A177-3AD203B41FA5}">
-                      <a16:colId xmlns="" xmlns:a16="http://schemas.microsoft.com/office/drawing/2014/main" val="20001"/>
+                      <a16:colId xmlns:a16="http://schemas.microsoft.com/office/drawing/2014/main" xmlns="" val="20001"/>
                     </a:ext>
                   </a:extLst>
                 </a:gridCol>
                 <a:gridCol w="1589541">
                   <a:extLst>
                     <a:ext uri="{9D8B030D-6E8A-4147-A177-3AD203B41FA5}">
-                      <a16:colId xmlns="" xmlns:a16="http://schemas.microsoft.com/office/drawing/2014/main" val="20003"/>
+                      <a16:colId xmlns:a16="http://schemas.microsoft.com/office/drawing/2014/main" xmlns="" val="20003"/>
                     </a:ext>
                   </a:extLst>
                 </a:gridCol>
                 <a:gridCol w="1677487">
                   <a:extLst>
                     <a:ext uri="{9D8B030D-6E8A-4147-A177-3AD203B41FA5}">
-                      <a16:colId xmlns="" xmlns:a16="http://schemas.microsoft.com/office/drawing/2014/main" val="20004"/>
+                      <a16:colId xmlns:a16="http://schemas.microsoft.com/office/drawing/2014/main" xmlns="" val="20004"/>
                     </a:ext>
                   </a:extLst>
                 </a:gridCol>
                 <a:gridCol w="1501594">
                   <a:extLst>
                     <a:ext uri="{9D8B030D-6E8A-4147-A177-3AD203B41FA5}">
-                      <a16:colId xmlns="" xmlns:a16="http://schemas.microsoft.com/office/drawing/2014/main" val="20005"/>
+                      <a16:colId xmlns:a16="http://schemas.microsoft.com/office/drawing/2014/main" xmlns="" val="20005"/>
                     </a:ext>
                   </a:extLst>
                 </a:gridCol>
                 <a:gridCol w="1924180">
                   <a:extLst>
                     <a:ext uri="{9D8B030D-6E8A-4147-A177-3AD203B41FA5}">
-                      <a16:colId xmlns="" xmlns:a16="http://schemas.microsoft.com/office/drawing/2014/main" val="20007"/>
+                      <a16:colId xmlns:a16="http://schemas.microsoft.com/office/drawing/2014/main" xmlns="" val="20007"/>
                     </a:ext>
                   </a:extLst>
                 </a:gridCol>
@@ -21513,7 +21502,7 @@
                 </a:tc>
                 <a:extLst>
                   <a:ext uri="{0D108BD9-81ED-4DB2-BD59-A6C34878D82A}">
-                    <a16:rowId xmlns="" xmlns:a16="http://schemas.microsoft.com/office/drawing/2014/main" val="10000"/>
+                    <a16:rowId xmlns:a16="http://schemas.microsoft.com/office/drawing/2014/main" xmlns="" val="10000"/>
                   </a:ext>
                 </a:extLst>
               </a:tr>
@@ -23699,42 +23688,42 @@
                 <a:gridCol w="1589541">
                   <a:extLst>
                     <a:ext uri="{9D8B030D-6E8A-4147-A177-3AD203B41FA5}">
-                      <a16:colId xmlns="" xmlns:a16="http://schemas.microsoft.com/office/drawing/2014/main" val="20000"/>
+                      <a16:colId xmlns:a16="http://schemas.microsoft.com/office/drawing/2014/main" xmlns="" val="20000"/>
                     </a:ext>
                   </a:extLst>
                 </a:gridCol>
                 <a:gridCol w="1589541">
                   <a:extLst>
                     <a:ext uri="{9D8B030D-6E8A-4147-A177-3AD203B41FA5}">
-                      <a16:colId xmlns="" xmlns:a16="http://schemas.microsoft.com/office/drawing/2014/main" val="20001"/>
+                      <a16:colId xmlns:a16="http://schemas.microsoft.com/office/drawing/2014/main" xmlns="" val="20001"/>
                     </a:ext>
                   </a:extLst>
                 </a:gridCol>
                 <a:gridCol w="1589541">
                   <a:extLst>
                     <a:ext uri="{9D8B030D-6E8A-4147-A177-3AD203B41FA5}">
-                      <a16:colId xmlns="" xmlns:a16="http://schemas.microsoft.com/office/drawing/2014/main" val="20003"/>
+                      <a16:colId xmlns:a16="http://schemas.microsoft.com/office/drawing/2014/main" xmlns="" val="20003"/>
                     </a:ext>
                   </a:extLst>
                 </a:gridCol>
                 <a:gridCol w="1677487">
                   <a:extLst>
                     <a:ext uri="{9D8B030D-6E8A-4147-A177-3AD203B41FA5}">
-                      <a16:colId xmlns="" xmlns:a16="http://schemas.microsoft.com/office/drawing/2014/main" val="20004"/>
+                      <a16:colId xmlns:a16="http://schemas.microsoft.com/office/drawing/2014/main" xmlns="" val="20004"/>
                     </a:ext>
                   </a:extLst>
                 </a:gridCol>
                 <a:gridCol w="1501594">
                   <a:extLst>
                     <a:ext uri="{9D8B030D-6E8A-4147-A177-3AD203B41FA5}">
-                      <a16:colId xmlns="" xmlns:a16="http://schemas.microsoft.com/office/drawing/2014/main" val="20005"/>
+                      <a16:colId xmlns:a16="http://schemas.microsoft.com/office/drawing/2014/main" xmlns="" val="20005"/>
                     </a:ext>
                   </a:extLst>
                 </a:gridCol>
                 <a:gridCol w="1924180">
                   <a:extLst>
                     <a:ext uri="{9D8B030D-6E8A-4147-A177-3AD203B41FA5}">
-                      <a16:colId xmlns="" xmlns:a16="http://schemas.microsoft.com/office/drawing/2014/main" val="20007"/>
+                      <a16:colId xmlns:a16="http://schemas.microsoft.com/office/drawing/2014/main" xmlns="" val="20007"/>
                     </a:ext>
                   </a:extLst>
                 </a:gridCol>
@@ -24092,7 +24081,7 @@
                 </a:tc>
                 <a:extLst>
                   <a:ext uri="{0D108BD9-81ED-4DB2-BD59-A6C34878D82A}">
-                    <a16:rowId xmlns="" xmlns:a16="http://schemas.microsoft.com/office/drawing/2014/main" val="10000"/>
+                    <a16:rowId xmlns:a16="http://schemas.microsoft.com/office/drawing/2014/main" xmlns="" val="10000"/>
                   </a:ext>
                 </a:extLst>
               </a:tr>
@@ -24980,7 +24969,7 @@
           <p:nvPr>
             <p:extLst>
               <p:ext uri="{D42A27DB-BD31-4B8C-83A1-F6EECF244321}">
-                <p14:modId xmlns:p14="http://schemas.microsoft.com/office/powerpoint/2010/main" val="3685922279"/>
+                <p14:modId xmlns:p14="http://schemas.microsoft.com/office/powerpoint/2010/main" val="454537710"/>
               </p:ext>
             </p:extLst>
           </p:nvPr>
@@ -24999,42 +24988,42 @@
                 <a:gridCol w="1589541">
                   <a:extLst>
                     <a:ext uri="{9D8B030D-6E8A-4147-A177-3AD203B41FA5}">
-                      <a16:colId xmlns="" xmlns:a16="http://schemas.microsoft.com/office/drawing/2014/main" val="20000"/>
+                      <a16:colId xmlns:a16="http://schemas.microsoft.com/office/drawing/2014/main" xmlns="" val="20000"/>
                     </a:ext>
                   </a:extLst>
                 </a:gridCol>
                 <a:gridCol w="1589541">
                   <a:extLst>
                     <a:ext uri="{9D8B030D-6E8A-4147-A177-3AD203B41FA5}">
-                      <a16:colId xmlns="" xmlns:a16="http://schemas.microsoft.com/office/drawing/2014/main" val="20001"/>
+                      <a16:colId xmlns:a16="http://schemas.microsoft.com/office/drawing/2014/main" xmlns="" val="20001"/>
                     </a:ext>
                   </a:extLst>
                 </a:gridCol>
                 <a:gridCol w="1589541">
                   <a:extLst>
                     <a:ext uri="{9D8B030D-6E8A-4147-A177-3AD203B41FA5}">
-                      <a16:colId xmlns="" xmlns:a16="http://schemas.microsoft.com/office/drawing/2014/main" val="20003"/>
+                      <a16:colId xmlns:a16="http://schemas.microsoft.com/office/drawing/2014/main" xmlns="" val="20003"/>
                     </a:ext>
                   </a:extLst>
                 </a:gridCol>
                 <a:gridCol w="1677487">
                   <a:extLst>
                     <a:ext uri="{9D8B030D-6E8A-4147-A177-3AD203B41FA5}">
-                      <a16:colId xmlns="" xmlns:a16="http://schemas.microsoft.com/office/drawing/2014/main" val="20004"/>
+                      <a16:colId xmlns:a16="http://schemas.microsoft.com/office/drawing/2014/main" xmlns="" val="20004"/>
                     </a:ext>
                   </a:extLst>
                 </a:gridCol>
                 <a:gridCol w="1501594">
                   <a:extLst>
                     <a:ext uri="{9D8B030D-6E8A-4147-A177-3AD203B41FA5}">
-                      <a16:colId xmlns="" xmlns:a16="http://schemas.microsoft.com/office/drawing/2014/main" val="20005"/>
+                      <a16:colId xmlns:a16="http://schemas.microsoft.com/office/drawing/2014/main" xmlns="" val="20005"/>
                     </a:ext>
                   </a:extLst>
                 </a:gridCol>
                 <a:gridCol w="1924180">
                   <a:extLst>
                     <a:ext uri="{9D8B030D-6E8A-4147-A177-3AD203B41FA5}">
-                      <a16:colId xmlns="" xmlns:a16="http://schemas.microsoft.com/office/drawing/2014/main" val="20007"/>
+                      <a16:colId xmlns:a16="http://schemas.microsoft.com/office/drawing/2014/main" xmlns="" val="20007"/>
                     </a:ext>
                   </a:extLst>
                 </a:gridCol>
@@ -25392,7 +25381,7 @@
                 </a:tc>
                 <a:extLst>
                   <a:ext uri="{0D108BD9-81ED-4DB2-BD59-A6C34878D82A}">
-                    <a16:rowId xmlns="" xmlns:a16="http://schemas.microsoft.com/office/drawing/2014/main" val="10000"/>
+                    <a16:rowId xmlns:a16="http://schemas.microsoft.com/office/drawing/2014/main" xmlns="" val="10000"/>
                   </a:ext>
                 </a:extLst>
               </a:tr>
@@ -26225,7 +26214,7 @@
           <p:nvPr>
             <p:extLst>
               <p:ext uri="{D42A27DB-BD31-4B8C-83A1-F6EECF244321}">
-                <p14:modId xmlns:p14="http://schemas.microsoft.com/office/powerpoint/2010/main" val="684482721"/>
+                <p14:modId xmlns:p14="http://schemas.microsoft.com/office/powerpoint/2010/main" val="2838514773"/>
               </p:ext>
             </p:extLst>
           </p:nvPr>
@@ -26244,42 +26233,42 @@
                 <a:gridCol w="1589541">
                   <a:extLst>
                     <a:ext uri="{9D8B030D-6E8A-4147-A177-3AD203B41FA5}">
-                      <a16:colId xmlns="" xmlns:a16="http://schemas.microsoft.com/office/drawing/2014/main" val="20000"/>
+                      <a16:colId xmlns:a16="http://schemas.microsoft.com/office/drawing/2014/main" xmlns="" val="20000"/>
                     </a:ext>
                   </a:extLst>
                 </a:gridCol>
                 <a:gridCol w="1589541">
                   <a:extLst>
                     <a:ext uri="{9D8B030D-6E8A-4147-A177-3AD203B41FA5}">
-                      <a16:colId xmlns="" xmlns:a16="http://schemas.microsoft.com/office/drawing/2014/main" val="20001"/>
+                      <a16:colId xmlns:a16="http://schemas.microsoft.com/office/drawing/2014/main" xmlns="" val="20001"/>
                     </a:ext>
                   </a:extLst>
                 </a:gridCol>
                 <a:gridCol w="1589541">
                   <a:extLst>
                     <a:ext uri="{9D8B030D-6E8A-4147-A177-3AD203B41FA5}">
-                      <a16:colId xmlns="" xmlns:a16="http://schemas.microsoft.com/office/drawing/2014/main" val="20003"/>
+                      <a16:colId xmlns:a16="http://schemas.microsoft.com/office/drawing/2014/main" xmlns="" val="20003"/>
                     </a:ext>
                   </a:extLst>
                 </a:gridCol>
                 <a:gridCol w="1677487">
                   <a:extLst>
                     <a:ext uri="{9D8B030D-6E8A-4147-A177-3AD203B41FA5}">
-                      <a16:colId xmlns="" xmlns:a16="http://schemas.microsoft.com/office/drawing/2014/main" val="20004"/>
+                      <a16:colId xmlns:a16="http://schemas.microsoft.com/office/drawing/2014/main" xmlns="" val="20004"/>
                     </a:ext>
                   </a:extLst>
                 </a:gridCol>
                 <a:gridCol w="1501594">
                   <a:extLst>
                     <a:ext uri="{9D8B030D-6E8A-4147-A177-3AD203B41FA5}">
-                      <a16:colId xmlns="" xmlns:a16="http://schemas.microsoft.com/office/drawing/2014/main" val="20005"/>
+                      <a16:colId xmlns:a16="http://schemas.microsoft.com/office/drawing/2014/main" xmlns="" val="20005"/>
                     </a:ext>
                   </a:extLst>
                 </a:gridCol>
                 <a:gridCol w="1924180">
                   <a:extLst>
                     <a:ext uri="{9D8B030D-6E8A-4147-A177-3AD203B41FA5}">
-                      <a16:colId xmlns="" xmlns:a16="http://schemas.microsoft.com/office/drawing/2014/main" val="20007"/>
+                      <a16:colId xmlns:a16="http://schemas.microsoft.com/office/drawing/2014/main" xmlns="" val="20007"/>
                     </a:ext>
                   </a:extLst>
                 </a:gridCol>
@@ -26543,7 +26532,7 @@
                             <a:schemeClr val="tx1"/>
                           </a:solidFill>
                         </a:rPr>
-                        <a:t>차별성 및 지향점</a:t>
+                        <a:t>시장조사 및 차별성</a:t>
                       </a:r>
                       <a:endParaRPr lang="ko-KR" altLang="en-US" sz="1000" dirty="0">
                         <a:solidFill>
@@ -26637,7 +26626,7 @@
                 </a:tc>
                 <a:extLst>
                   <a:ext uri="{0D108BD9-81ED-4DB2-BD59-A6C34878D82A}">
-                    <a16:rowId xmlns="" xmlns:a16="http://schemas.microsoft.com/office/drawing/2014/main" val="10000"/>
+                    <a16:rowId xmlns:a16="http://schemas.microsoft.com/office/drawing/2014/main" xmlns="" val="10000"/>
                   </a:ext>
                 </a:extLst>
               </a:tr>
@@ -28339,42 +28328,42 @@
                 <a:gridCol w="1589541">
                   <a:extLst>
                     <a:ext uri="{9D8B030D-6E8A-4147-A177-3AD203B41FA5}">
-                      <a16:colId xmlns="" xmlns:a16="http://schemas.microsoft.com/office/drawing/2014/main" val="20000"/>
+                      <a16:colId xmlns:a16="http://schemas.microsoft.com/office/drawing/2014/main" xmlns="" val="20000"/>
                     </a:ext>
                   </a:extLst>
                 </a:gridCol>
                 <a:gridCol w="1589541">
                   <a:extLst>
                     <a:ext uri="{9D8B030D-6E8A-4147-A177-3AD203B41FA5}">
-                      <a16:colId xmlns="" xmlns:a16="http://schemas.microsoft.com/office/drawing/2014/main" val="20001"/>
+                      <a16:colId xmlns:a16="http://schemas.microsoft.com/office/drawing/2014/main" xmlns="" val="20001"/>
                     </a:ext>
                   </a:extLst>
                 </a:gridCol>
                 <a:gridCol w="1589541">
                   <a:extLst>
                     <a:ext uri="{9D8B030D-6E8A-4147-A177-3AD203B41FA5}">
-                      <a16:colId xmlns="" xmlns:a16="http://schemas.microsoft.com/office/drawing/2014/main" val="20003"/>
+                      <a16:colId xmlns:a16="http://schemas.microsoft.com/office/drawing/2014/main" xmlns="" val="20003"/>
                     </a:ext>
                   </a:extLst>
                 </a:gridCol>
                 <a:gridCol w="1677487">
                   <a:extLst>
                     <a:ext uri="{9D8B030D-6E8A-4147-A177-3AD203B41FA5}">
-                      <a16:colId xmlns="" xmlns:a16="http://schemas.microsoft.com/office/drawing/2014/main" val="20004"/>
+                      <a16:colId xmlns:a16="http://schemas.microsoft.com/office/drawing/2014/main" xmlns="" val="20004"/>
                     </a:ext>
                   </a:extLst>
                 </a:gridCol>
                 <a:gridCol w="1501594">
                   <a:extLst>
                     <a:ext uri="{9D8B030D-6E8A-4147-A177-3AD203B41FA5}">
-                      <a16:colId xmlns="" xmlns:a16="http://schemas.microsoft.com/office/drawing/2014/main" val="20005"/>
+                      <a16:colId xmlns:a16="http://schemas.microsoft.com/office/drawing/2014/main" xmlns="" val="20005"/>
                     </a:ext>
                   </a:extLst>
                 </a:gridCol>
                 <a:gridCol w="1924180">
                   <a:extLst>
                     <a:ext uri="{9D8B030D-6E8A-4147-A177-3AD203B41FA5}">
-                      <a16:colId xmlns="" xmlns:a16="http://schemas.microsoft.com/office/drawing/2014/main" val="20007"/>
+                      <a16:colId xmlns:a16="http://schemas.microsoft.com/office/drawing/2014/main" xmlns="" val="20007"/>
                     </a:ext>
                   </a:extLst>
                 </a:gridCol>
@@ -28638,7 +28627,7 @@
                             <a:schemeClr val="tx1"/>
                           </a:solidFill>
                         </a:rPr>
-                        <a:t>차별성 및 지향점</a:t>
+                        <a:t>시장조사 및 차별성</a:t>
                       </a:r>
                       <a:endParaRPr lang="ko-KR" altLang="en-US" sz="1000" dirty="0">
                         <a:solidFill>
@@ -28732,7 +28721,7 @@
                 </a:tc>
                 <a:extLst>
                   <a:ext uri="{0D108BD9-81ED-4DB2-BD59-A6C34878D82A}">
-                    <a16:rowId xmlns="" xmlns:a16="http://schemas.microsoft.com/office/drawing/2014/main" val="10000"/>
+                    <a16:rowId xmlns:a16="http://schemas.microsoft.com/office/drawing/2014/main" xmlns="" val="10000"/>
                   </a:ext>
                 </a:extLst>
               </a:tr>
@@ -30435,42 +30424,42 @@
                 <a:gridCol w="1589541">
                   <a:extLst>
                     <a:ext uri="{9D8B030D-6E8A-4147-A177-3AD203B41FA5}">
-                      <a16:colId xmlns="" xmlns:a16="http://schemas.microsoft.com/office/drawing/2014/main" val="20000"/>
+                      <a16:colId xmlns:a16="http://schemas.microsoft.com/office/drawing/2014/main" xmlns="" val="20000"/>
                     </a:ext>
                   </a:extLst>
                 </a:gridCol>
                 <a:gridCol w="1589541">
                   <a:extLst>
                     <a:ext uri="{9D8B030D-6E8A-4147-A177-3AD203B41FA5}">
-                      <a16:colId xmlns="" xmlns:a16="http://schemas.microsoft.com/office/drawing/2014/main" val="20001"/>
+                      <a16:colId xmlns:a16="http://schemas.microsoft.com/office/drawing/2014/main" xmlns="" val="20001"/>
                     </a:ext>
                   </a:extLst>
                 </a:gridCol>
                 <a:gridCol w="1589541">
                   <a:extLst>
                     <a:ext uri="{9D8B030D-6E8A-4147-A177-3AD203B41FA5}">
-                      <a16:colId xmlns="" xmlns:a16="http://schemas.microsoft.com/office/drawing/2014/main" val="20003"/>
+                      <a16:colId xmlns:a16="http://schemas.microsoft.com/office/drawing/2014/main" xmlns="" val="20003"/>
                     </a:ext>
                   </a:extLst>
                 </a:gridCol>
                 <a:gridCol w="1677487">
                   <a:extLst>
                     <a:ext uri="{9D8B030D-6E8A-4147-A177-3AD203B41FA5}">
-                      <a16:colId xmlns="" xmlns:a16="http://schemas.microsoft.com/office/drawing/2014/main" val="20004"/>
+                      <a16:colId xmlns:a16="http://schemas.microsoft.com/office/drawing/2014/main" xmlns="" val="20004"/>
                     </a:ext>
                   </a:extLst>
                 </a:gridCol>
                 <a:gridCol w="1501594">
                   <a:extLst>
                     <a:ext uri="{9D8B030D-6E8A-4147-A177-3AD203B41FA5}">
-                      <a16:colId xmlns="" xmlns:a16="http://schemas.microsoft.com/office/drawing/2014/main" val="20005"/>
+                      <a16:colId xmlns:a16="http://schemas.microsoft.com/office/drawing/2014/main" xmlns="" val="20005"/>
                     </a:ext>
                   </a:extLst>
                 </a:gridCol>
                 <a:gridCol w="1924180">
                   <a:extLst>
                     <a:ext uri="{9D8B030D-6E8A-4147-A177-3AD203B41FA5}">
-                      <a16:colId xmlns="" xmlns:a16="http://schemas.microsoft.com/office/drawing/2014/main" val="20007"/>
+                      <a16:colId xmlns:a16="http://schemas.microsoft.com/office/drawing/2014/main" xmlns="" val="20007"/>
                     </a:ext>
                   </a:extLst>
                 </a:gridCol>
@@ -30734,7 +30723,7 @@
                             <a:schemeClr val="tx1"/>
                           </a:solidFill>
                         </a:rPr>
-                        <a:t>차별성 및 지향점</a:t>
+                        <a:t>시장조사 및 차별성</a:t>
                       </a:r>
                       <a:endParaRPr lang="ko-KR" altLang="en-US" sz="1000" dirty="0">
                         <a:solidFill>
@@ -30828,7 +30817,7 @@
                 </a:tc>
                 <a:extLst>
                   <a:ext uri="{0D108BD9-81ED-4DB2-BD59-A6C34878D82A}">
-                    <a16:rowId xmlns="" xmlns:a16="http://schemas.microsoft.com/office/drawing/2014/main" val="10000"/>
+                    <a16:rowId xmlns:a16="http://schemas.microsoft.com/office/drawing/2014/main" xmlns="" val="10000"/>
                   </a:ext>
                 </a:extLst>
               </a:tr>
@@ -32288,42 +32277,42 @@
                 <a:gridCol w="1589541">
                   <a:extLst>
                     <a:ext uri="{9D8B030D-6E8A-4147-A177-3AD203B41FA5}">
-                      <a16:colId xmlns="" xmlns:a16="http://schemas.microsoft.com/office/drawing/2014/main" val="20000"/>
+                      <a16:colId xmlns:a16="http://schemas.microsoft.com/office/drawing/2014/main" xmlns="" val="20000"/>
                     </a:ext>
                   </a:extLst>
                 </a:gridCol>
                 <a:gridCol w="1589541">
                   <a:extLst>
                     <a:ext uri="{9D8B030D-6E8A-4147-A177-3AD203B41FA5}">
-                      <a16:colId xmlns="" xmlns:a16="http://schemas.microsoft.com/office/drawing/2014/main" val="20001"/>
+                      <a16:colId xmlns:a16="http://schemas.microsoft.com/office/drawing/2014/main" xmlns="" val="20001"/>
                     </a:ext>
                   </a:extLst>
                 </a:gridCol>
                 <a:gridCol w="1589541">
                   <a:extLst>
                     <a:ext uri="{9D8B030D-6E8A-4147-A177-3AD203B41FA5}">
-                      <a16:colId xmlns="" xmlns:a16="http://schemas.microsoft.com/office/drawing/2014/main" val="20003"/>
+                      <a16:colId xmlns:a16="http://schemas.microsoft.com/office/drawing/2014/main" xmlns="" val="20003"/>
                     </a:ext>
                   </a:extLst>
                 </a:gridCol>
                 <a:gridCol w="1677487">
                   <a:extLst>
                     <a:ext uri="{9D8B030D-6E8A-4147-A177-3AD203B41FA5}">
-                      <a16:colId xmlns="" xmlns:a16="http://schemas.microsoft.com/office/drawing/2014/main" val="20004"/>
+                      <a16:colId xmlns:a16="http://schemas.microsoft.com/office/drawing/2014/main" xmlns="" val="20004"/>
                     </a:ext>
                   </a:extLst>
                 </a:gridCol>
                 <a:gridCol w="1501594">
                   <a:extLst>
                     <a:ext uri="{9D8B030D-6E8A-4147-A177-3AD203B41FA5}">
-                      <a16:colId xmlns="" xmlns:a16="http://schemas.microsoft.com/office/drawing/2014/main" val="20005"/>
+                      <a16:colId xmlns:a16="http://schemas.microsoft.com/office/drawing/2014/main" xmlns="" val="20005"/>
                     </a:ext>
                   </a:extLst>
                 </a:gridCol>
                 <a:gridCol w="1924180">
                   <a:extLst>
                     <a:ext uri="{9D8B030D-6E8A-4147-A177-3AD203B41FA5}">
-                      <a16:colId xmlns="" xmlns:a16="http://schemas.microsoft.com/office/drawing/2014/main" val="20007"/>
+                      <a16:colId xmlns:a16="http://schemas.microsoft.com/office/drawing/2014/main" xmlns="" val="20007"/>
                     </a:ext>
                   </a:extLst>
                 </a:gridCol>
@@ -32587,7 +32576,7 @@
                             <a:schemeClr val="tx1"/>
                           </a:solidFill>
                         </a:rPr>
-                        <a:t>차별성 및 지향점</a:t>
+                        <a:t>시장조사 및 차별성</a:t>
                       </a:r>
                       <a:endParaRPr lang="ko-KR" altLang="en-US" sz="1000" dirty="0">
                         <a:solidFill>
@@ -32681,7 +32670,7 @@
                 </a:tc>
                 <a:extLst>
                   <a:ext uri="{0D108BD9-81ED-4DB2-BD59-A6C34878D82A}">
-                    <a16:rowId xmlns="" xmlns:a16="http://schemas.microsoft.com/office/drawing/2014/main" val="10000"/>
+                    <a16:rowId xmlns:a16="http://schemas.microsoft.com/office/drawing/2014/main" xmlns="" val="10000"/>
                   </a:ext>
                 </a:extLst>
               </a:tr>
@@ -34128,42 +34117,42 @@
                 <a:gridCol w="1589541">
                   <a:extLst>
                     <a:ext uri="{9D8B030D-6E8A-4147-A177-3AD203B41FA5}">
-                      <a16:colId xmlns="" xmlns:a16="http://schemas.microsoft.com/office/drawing/2014/main" val="20000"/>
+                      <a16:colId xmlns:a16="http://schemas.microsoft.com/office/drawing/2014/main" xmlns="" val="20000"/>
                     </a:ext>
                   </a:extLst>
                 </a:gridCol>
                 <a:gridCol w="1589541">
                   <a:extLst>
                     <a:ext uri="{9D8B030D-6E8A-4147-A177-3AD203B41FA5}">
-                      <a16:colId xmlns="" xmlns:a16="http://schemas.microsoft.com/office/drawing/2014/main" val="20001"/>
+                      <a16:colId xmlns:a16="http://schemas.microsoft.com/office/drawing/2014/main" xmlns="" val="20001"/>
                     </a:ext>
                   </a:extLst>
                 </a:gridCol>
                 <a:gridCol w="1589541">
                   <a:extLst>
                     <a:ext uri="{9D8B030D-6E8A-4147-A177-3AD203B41FA5}">
-                      <a16:colId xmlns="" xmlns:a16="http://schemas.microsoft.com/office/drawing/2014/main" val="20003"/>
+                      <a16:colId xmlns:a16="http://schemas.microsoft.com/office/drawing/2014/main" xmlns="" val="20003"/>
                     </a:ext>
                   </a:extLst>
                 </a:gridCol>
                 <a:gridCol w="1677487">
                   <a:extLst>
                     <a:ext uri="{9D8B030D-6E8A-4147-A177-3AD203B41FA5}">
-                      <a16:colId xmlns="" xmlns:a16="http://schemas.microsoft.com/office/drawing/2014/main" val="20004"/>
+                      <a16:colId xmlns:a16="http://schemas.microsoft.com/office/drawing/2014/main" xmlns="" val="20004"/>
                     </a:ext>
                   </a:extLst>
                 </a:gridCol>
                 <a:gridCol w="1501594">
                   <a:extLst>
                     <a:ext uri="{9D8B030D-6E8A-4147-A177-3AD203B41FA5}">
-                      <a16:colId xmlns="" xmlns:a16="http://schemas.microsoft.com/office/drawing/2014/main" val="20005"/>
+                      <a16:colId xmlns:a16="http://schemas.microsoft.com/office/drawing/2014/main" xmlns="" val="20005"/>
                     </a:ext>
                   </a:extLst>
                 </a:gridCol>
                 <a:gridCol w="1924180">
                   <a:extLst>
                     <a:ext uri="{9D8B030D-6E8A-4147-A177-3AD203B41FA5}">
-                      <a16:colId xmlns="" xmlns:a16="http://schemas.microsoft.com/office/drawing/2014/main" val="20007"/>
+                      <a16:colId xmlns:a16="http://schemas.microsoft.com/office/drawing/2014/main" xmlns="" val="20007"/>
                     </a:ext>
                   </a:extLst>
                 </a:gridCol>
@@ -34427,7 +34416,7 @@
                             <a:schemeClr val="tx1"/>
                           </a:solidFill>
                         </a:rPr>
-                        <a:t>차별성 및 지향점</a:t>
+                        <a:t>시장조사 및 차별성</a:t>
                       </a:r>
                       <a:endParaRPr lang="ko-KR" altLang="en-US" sz="1000" dirty="0">
                         <a:solidFill>
@@ -34521,7 +34510,7 @@
                 </a:tc>
                 <a:extLst>
                   <a:ext uri="{0D108BD9-81ED-4DB2-BD59-A6C34878D82A}">
-                    <a16:rowId xmlns="" xmlns:a16="http://schemas.microsoft.com/office/drawing/2014/main" val="10000"/>
+                    <a16:rowId xmlns:a16="http://schemas.microsoft.com/office/drawing/2014/main" xmlns="" val="10000"/>
                   </a:ext>
                 </a:extLst>
               </a:tr>
@@ -36127,42 +36116,42 @@
                 <a:gridCol w="1589541">
                   <a:extLst>
                     <a:ext uri="{9D8B030D-6E8A-4147-A177-3AD203B41FA5}">
-                      <a16:colId xmlns="" xmlns:a16="http://schemas.microsoft.com/office/drawing/2014/main" val="20000"/>
+                      <a16:colId xmlns:a16="http://schemas.microsoft.com/office/drawing/2014/main" xmlns="" val="20000"/>
                     </a:ext>
                   </a:extLst>
                 </a:gridCol>
                 <a:gridCol w="1589541">
                   <a:extLst>
                     <a:ext uri="{9D8B030D-6E8A-4147-A177-3AD203B41FA5}">
-                      <a16:colId xmlns="" xmlns:a16="http://schemas.microsoft.com/office/drawing/2014/main" val="20001"/>
+                      <a16:colId xmlns:a16="http://schemas.microsoft.com/office/drawing/2014/main" xmlns="" val="20001"/>
                     </a:ext>
                   </a:extLst>
                 </a:gridCol>
                 <a:gridCol w="1589541">
                   <a:extLst>
                     <a:ext uri="{9D8B030D-6E8A-4147-A177-3AD203B41FA5}">
-                      <a16:colId xmlns="" xmlns:a16="http://schemas.microsoft.com/office/drawing/2014/main" val="20003"/>
+                      <a16:colId xmlns:a16="http://schemas.microsoft.com/office/drawing/2014/main" xmlns="" val="20003"/>
                     </a:ext>
                   </a:extLst>
                 </a:gridCol>
                 <a:gridCol w="1677487">
                   <a:extLst>
                     <a:ext uri="{9D8B030D-6E8A-4147-A177-3AD203B41FA5}">
-                      <a16:colId xmlns="" xmlns:a16="http://schemas.microsoft.com/office/drawing/2014/main" val="20004"/>
+                      <a16:colId xmlns:a16="http://schemas.microsoft.com/office/drawing/2014/main" xmlns="" val="20004"/>
                     </a:ext>
                   </a:extLst>
                 </a:gridCol>
                 <a:gridCol w="1501594">
                   <a:extLst>
                     <a:ext uri="{9D8B030D-6E8A-4147-A177-3AD203B41FA5}">
-                      <a16:colId xmlns="" xmlns:a16="http://schemas.microsoft.com/office/drawing/2014/main" val="20005"/>
+                      <a16:colId xmlns:a16="http://schemas.microsoft.com/office/drawing/2014/main" xmlns="" val="20005"/>
                     </a:ext>
                   </a:extLst>
                 </a:gridCol>
                 <a:gridCol w="1924180">
                   <a:extLst>
                     <a:ext uri="{9D8B030D-6E8A-4147-A177-3AD203B41FA5}">
-                      <a16:colId xmlns="" xmlns:a16="http://schemas.microsoft.com/office/drawing/2014/main" val="20007"/>
+                      <a16:colId xmlns:a16="http://schemas.microsoft.com/office/drawing/2014/main" xmlns="" val="20007"/>
                     </a:ext>
                   </a:extLst>
                 </a:gridCol>
@@ -36426,7 +36415,7 @@
                             <a:schemeClr val="tx1"/>
                           </a:solidFill>
                         </a:rPr>
-                        <a:t>차별성 및 지향점</a:t>
+                        <a:t>시장조사 및 차별성</a:t>
                       </a:r>
                       <a:endParaRPr lang="ko-KR" altLang="en-US" sz="1000" dirty="0">
                         <a:solidFill>
@@ -36520,7 +36509,7 @@
                 </a:tc>
                 <a:extLst>
                   <a:ext uri="{0D108BD9-81ED-4DB2-BD59-A6C34878D82A}">
-                    <a16:rowId xmlns="" xmlns:a16="http://schemas.microsoft.com/office/drawing/2014/main" val="10000"/>
+                    <a16:rowId xmlns:a16="http://schemas.microsoft.com/office/drawing/2014/main" xmlns="" val="10000"/>
                   </a:ext>
                 </a:extLst>
               </a:tr>
@@ -37026,42 +37015,42 @@
                 <a:gridCol w="1589541">
                   <a:extLst>
                     <a:ext uri="{9D8B030D-6E8A-4147-A177-3AD203B41FA5}">
-                      <a16:colId xmlns="" xmlns:a16="http://schemas.microsoft.com/office/drawing/2014/main" val="20000"/>
+                      <a16:colId xmlns:a16="http://schemas.microsoft.com/office/drawing/2014/main" xmlns="" val="20000"/>
                     </a:ext>
                   </a:extLst>
                 </a:gridCol>
                 <a:gridCol w="1589541">
                   <a:extLst>
                     <a:ext uri="{9D8B030D-6E8A-4147-A177-3AD203B41FA5}">
-                      <a16:colId xmlns="" xmlns:a16="http://schemas.microsoft.com/office/drawing/2014/main" val="20001"/>
+                      <a16:colId xmlns:a16="http://schemas.microsoft.com/office/drawing/2014/main" xmlns="" val="20001"/>
                     </a:ext>
                   </a:extLst>
                 </a:gridCol>
                 <a:gridCol w="1589541">
                   <a:extLst>
                     <a:ext uri="{9D8B030D-6E8A-4147-A177-3AD203B41FA5}">
-                      <a16:colId xmlns="" xmlns:a16="http://schemas.microsoft.com/office/drawing/2014/main" val="20003"/>
+                      <a16:colId xmlns:a16="http://schemas.microsoft.com/office/drawing/2014/main" xmlns="" val="20003"/>
                     </a:ext>
                   </a:extLst>
                 </a:gridCol>
                 <a:gridCol w="1677487">
                   <a:extLst>
                     <a:ext uri="{9D8B030D-6E8A-4147-A177-3AD203B41FA5}">
-                      <a16:colId xmlns="" xmlns:a16="http://schemas.microsoft.com/office/drawing/2014/main" val="20004"/>
+                      <a16:colId xmlns:a16="http://schemas.microsoft.com/office/drawing/2014/main" xmlns="" val="20004"/>
                     </a:ext>
                   </a:extLst>
                 </a:gridCol>
                 <a:gridCol w="1501594">
                   <a:extLst>
                     <a:ext uri="{9D8B030D-6E8A-4147-A177-3AD203B41FA5}">
-                      <a16:colId xmlns="" xmlns:a16="http://schemas.microsoft.com/office/drawing/2014/main" val="20005"/>
+                      <a16:colId xmlns:a16="http://schemas.microsoft.com/office/drawing/2014/main" xmlns="" val="20005"/>
                     </a:ext>
                   </a:extLst>
                 </a:gridCol>
                 <a:gridCol w="1924180">
                   <a:extLst>
                     <a:ext uri="{9D8B030D-6E8A-4147-A177-3AD203B41FA5}">
-                      <a16:colId xmlns="" xmlns:a16="http://schemas.microsoft.com/office/drawing/2014/main" val="20007"/>
+                      <a16:colId xmlns:a16="http://schemas.microsoft.com/office/drawing/2014/main" xmlns="" val="20007"/>
                     </a:ext>
                   </a:extLst>
                 </a:gridCol>
@@ -37325,7 +37314,7 @@
                             <a:schemeClr val="tx1"/>
                           </a:solidFill>
                         </a:rPr>
-                        <a:t>차별성 및 지향점</a:t>
+                        <a:t>시장조사 및 차별성</a:t>
                       </a:r>
                       <a:endParaRPr lang="ko-KR" altLang="en-US" sz="1000" dirty="0">
                         <a:solidFill>
@@ -37419,7 +37408,7 @@
                 </a:tc>
                 <a:extLst>
                   <a:ext uri="{0D108BD9-81ED-4DB2-BD59-A6C34878D82A}">
-                    <a16:rowId xmlns="" xmlns:a16="http://schemas.microsoft.com/office/drawing/2014/main" val="10000"/>
+                    <a16:rowId xmlns:a16="http://schemas.microsoft.com/office/drawing/2014/main" xmlns="" val="10000"/>
                   </a:ext>
                 </a:extLst>
               </a:tr>

--- a/시스템분석설계ppt.pptx
+++ b/시스템분석설계ppt.pptx
@@ -132,7 +132,7 @@
   </p:defaultTextStyle>
   <p:extLst>
     <p:ext uri="{EFAFB233-063F-42B5-8137-9DF3F51BA10A}">
-      <p15:sldGuideLst xmlns:p15="http://schemas.microsoft.com/office/powerpoint/2012/main" xmlns="">
+      <p15:sldGuideLst xmlns:p15="http://schemas.microsoft.com/office/powerpoint/2012/main">
         <p15:guide id="1" orient="horz" pos="2160">
           <p15:clr>
             <a:srgbClr val="A4A3A4"/>
@@ -232,7 +232,7 @@
             <a:fld id="{766DA323-63DB-4383-A3EF-3FE6E06EC3D9}" type="datetimeFigureOut">
               <a:rPr lang="ko-KR" altLang="en-US" smtClean="0"/>
               <a:pPr/>
-              <a:t>2017-05-01</a:t>
+              <a:t>2017-05-02</a:t>
             </a:fld>
             <a:endParaRPr lang="ko-KR" altLang="en-US"/>
           </a:p>
@@ -940,7 +940,7 @@
             <a:fld id="{4032A531-CE83-4884-B102-F9C7E8561E1A}" type="datetimeFigureOut">
               <a:rPr lang="ko-KR" altLang="en-US" smtClean="0"/>
               <a:pPr/>
-              <a:t>2017-05-01</a:t>
+              <a:t>2017-05-02</a:t>
             </a:fld>
             <a:endParaRPr lang="ko-KR" altLang="en-US"/>
           </a:p>
@@ -1107,7 +1107,7 @@
             <a:fld id="{4032A531-CE83-4884-B102-F9C7E8561E1A}" type="datetimeFigureOut">
               <a:rPr lang="ko-KR" altLang="en-US" smtClean="0"/>
               <a:pPr/>
-              <a:t>2017-05-01</a:t>
+              <a:t>2017-05-02</a:t>
             </a:fld>
             <a:endParaRPr lang="ko-KR" altLang="en-US"/>
           </a:p>
@@ -1284,7 +1284,7 @@
             <a:fld id="{4032A531-CE83-4884-B102-F9C7E8561E1A}" type="datetimeFigureOut">
               <a:rPr lang="ko-KR" altLang="en-US" smtClean="0"/>
               <a:pPr/>
-              <a:t>2017-05-01</a:t>
+              <a:t>2017-05-02</a:t>
             </a:fld>
             <a:endParaRPr lang="ko-KR" altLang="en-US"/>
           </a:p>
@@ -1451,7 +1451,7 @@
             <a:fld id="{4032A531-CE83-4884-B102-F9C7E8561E1A}" type="datetimeFigureOut">
               <a:rPr lang="ko-KR" altLang="en-US" smtClean="0"/>
               <a:pPr/>
-              <a:t>2017-05-01</a:t>
+              <a:t>2017-05-02</a:t>
             </a:fld>
             <a:endParaRPr lang="ko-KR" altLang="en-US"/>
           </a:p>
@@ -1694,7 +1694,7 @@
             <a:fld id="{4032A531-CE83-4884-B102-F9C7E8561E1A}" type="datetimeFigureOut">
               <a:rPr lang="ko-KR" altLang="en-US" smtClean="0"/>
               <a:pPr/>
-              <a:t>2017-05-01</a:t>
+              <a:t>2017-05-02</a:t>
             </a:fld>
             <a:endParaRPr lang="ko-KR" altLang="en-US"/>
           </a:p>
@@ -1979,7 +1979,7 @@
             <a:fld id="{4032A531-CE83-4884-B102-F9C7E8561E1A}" type="datetimeFigureOut">
               <a:rPr lang="ko-KR" altLang="en-US" smtClean="0"/>
               <a:pPr/>
-              <a:t>2017-05-01</a:t>
+              <a:t>2017-05-02</a:t>
             </a:fld>
             <a:endParaRPr lang="ko-KR" altLang="en-US"/>
           </a:p>
@@ -2398,7 +2398,7 @@
             <a:fld id="{4032A531-CE83-4884-B102-F9C7E8561E1A}" type="datetimeFigureOut">
               <a:rPr lang="ko-KR" altLang="en-US" smtClean="0"/>
               <a:pPr/>
-              <a:t>2017-05-01</a:t>
+              <a:t>2017-05-02</a:t>
             </a:fld>
             <a:endParaRPr lang="ko-KR" altLang="en-US"/>
           </a:p>
@@ -2513,7 +2513,7 @@
             <a:fld id="{4032A531-CE83-4884-B102-F9C7E8561E1A}" type="datetimeFigureOut">
               <a:rPr lang="ko-KR" altLang="en-US" smtClean="0"/>
               <a:pPr/>
-              <a:t>2017-05-01</a:t>
+              <a:t>2017-05-02</a:t>
             </a:fld>
             <a:endParaRPr lang="ko-KR" altLang="en-US"/>
           </a:p>
@@ -2605,7 +2605,7 @@
             <a:fld id="{4032A531-CE83-4884-B102-F9C7E8561E1A}" type="datetimeFigureOut">
               <a:rPr lang="ko-KR" altLang="en-US" smtClean="0"/>
               <a:pPr/>
-              <a:t>2017-05-01</a:t>
+              <a:t>2017-05-02</a:t>
             </a:fld>
             <a:endParaRPr lang="ko-KR" altLang="en-US"/>
           </a:p>
@@ -2879,7 +2879,7 @@
             <a:fld id="{4032A531-CE83-4884-B102-F9C7E8561E1A}" type="datetimeFigureOut">
               <a:rPr lang="ko-KR" altLang="en-US" smtClean="0"/>
               <a:pPr/>
-              <a:t>2017-05-01</a:t>
+              <a:t>2017-05-02</a:t>
             </a:fld>
             <a:endParaRPr lang="ko-KR" altLang="en-US"/>
           </a:p>
@@ -3129,7 +3129,7 @@
             <a:fld id="{4032A531-CE83-4884-B102-F9C7E8561E1A}" type="datetimeFigureOut">
               <a:rPr lang="ko-KR" altLang="en-US" smtClean="0"/>
               <a:pPr/>
-              <a:t>2017-05-01</a:t>
+              <a:t>2017-05-02</a:t>
             </a:fld>
             <a:endParaRPr lang="ko-KR" altLang="en-US"/>
           </a:p>
@@ -3347,7 +3347,7 @@
             <a:fld id="{4032A531-CE83-4884-B102-F9C7E8561E1A}" type="datetimeFigureOut">
               <a:rPr lang="ko-KR" altLang="en-US" smtClean="0"/>
               <a:pPr/>
-              <a:t>2017-05-01</a:t>
+              <a:t>2017-05-02</a:t>
             </a:fld>
             <a:endParaRPr lang="ko-KR" altLang="en-US"/>
           </a:p>
@@ -4212,42 +4212,42 @@
                 <a:gridCol w="1589541">
                   <a:extLst>
                     <a:ext uri="{9D8B030D-6E8A-4147-A177-3AD203B41FA5}">
-                      <a16:colId xmlns:a16="http://schemas.microsoft.com/office/drawing/2014/main" xmlns="" val="20000"/>
+                      <a16:colId xmlns="" xmlns:a16="http://schemas.microsoft.com/office/drawing/2014/main" val="20000"/>
                     </a:ext>
                   </a:extLst>
                 </a:gridCol>
                 <a:gridCol w="1589541">
                   <a:extLst>
                     <a:ext uri="{9D8B030D-6E8A-4147-A177-3AD203B41FA5}">
-                      <a16:colId xmlns:a16="http://schemas.microsoft.com/office/drawing/2014/main" xmlns="" val="20001"/>
+                      <a16:colId xmlns="" xmlns:a16="http://schemas.microsoft.com/office/drawing/2014/main" val="20001"/>
                     </a:ext>
                   </a:extLst>
                 </a:gridCol>
                 <a:gridCol w="1589541">
                   <a:extLst>
                     <a:ext uri="{9D8B030D-6E8A-4147-A177-3AD203B41FA5}">
-                      <a16:colId xmlns:a16="http://schemas.microsoft.com/office/drawing/2014/main" xmlns="" val="20003"/>
+                      <a16:colId xmlns="" xmlns:a16="http://schemas.microsoft.com/office/drawing/2014/main" val="20003"/>
                     </a:ext>
                   </a:extLst>
                 </a:gridCol>
                 <a:gridCol w="1677487">
                   <a:extLst>
                     <a:ext uri="{9D8B030D-6E8A-4147-A177-3AD203B41FA5}">
-                      <a16:colId xmlns:a16="http://schemas.microsoft.com/office/drawing/2014/main" xmlns="" val="20004"/>
+                      <a16:colId xmlns="" xmlns:a16="http://schemas.microsoft.com/office/drawing/2014/main" val="20004"/>
                     </a:ext>
                   </a:extLst>
                 </a:gridCol>
                 <a:gridCol w="1501594">
                   <a:extLst>
                     <a:ext uri="{9D8B030D-6E8A-4147-A177-3AD203B41FA5}">
-                      <a16:colId xmlns:a16="http://schemas.microsoft.com/office/drawing/2014/main" xmlns="" val="20005"/>
+                      <a16:colId xmlns="" xmlns:a16="http://schemas.microsoft.com/office/drawing/2014/main" val="20005"/>
                     </a:ext>
                   </a:extLst>
                 </a:gridCol>
                 <a:gridCol w="1924180">
                   <a:extLst>
                     <a:ext uri="{9D8B030D-6E8A-4147-A177-3AD203B41FA5}">
-                      <a16:colId xmlns:a16="http://schemas.microsoft.com/office/drawing/2014/main" xmlns="" val="20007"/>
+                      <a16:colId xmlns="" xmlns:a16="http://schemas.microsoft.com/office/drawing/2014/main" val="20007"/>
                     </a:ext>
                   </a:extLst>
                 </a:gridCol>
@@ -4605,7 +4605,7 @@
                 </a:tc>
                 <a:extLst>
                   <a:ext uri="{0D108BD9-81ED-4DB2-BD59-A6C34878D82A}">
-                    <a16:rowId xmlns:a16="http://schemas.microsoft.com/office/drawing/2014/main" xmlns="" val="10000"/>
+                    <a16:rowId xmlns="" xmlns:a16="http://schemas.microsoft.com/office/drawing/2014/main" val="10000"/>
                   </a:ext>
                 </a:extLst>
               </a:tr>
@@ -5625,42 +5625,42 @@
                 <a:gridCol w="1589541">
                   <a:extLst>
                     <a:ext uri="{9D8B030D-6E8A-4147-A177-3AD203B41FA5}">
-                      <a16:colId xmlns:a16="http://schemas.microsoft.com/office/drawing/2014/main" xmlns="" val="20000"/>
+                      <a16:colId xmlns="" xmlns:a16="http://schemas.microsoft.com/office/drawing/2014/main" val="20000"/>
                     </a:ext>
                   </a:extLst>
                 </a:gridCol>
                 <a:gridCol w="1589541">
                   <a:extLst>
                     <a:ext uri="{9D8B030D-6E8A-4147-A177-3AD203B41FA5}">
-                      <a16:colId xmlns:a16="http://schemas.microsoft.com/office/drawing/2014/main" xmlns="" val="20001"/>
+                      <a16:colId xmlns="" xmlns:a16="http://schemas.microsoft.com/office/drawing/2014/main" val="20001"/>
                     </a:ext>
                   </a:extLst>
                 </a:gridCol>
                 <a:gridCol w="1589541">
                   <a:extLst>
                     <a:ext uri="{9D8B030D-6E8A-4147-A177-3AD203B41FA5}">
-                      <a16:colId xmlns:a16="http://schemas.microsoft.com/office/drawing/2014/main" xmlns="" val="20003"/>
+                      <a16:colId xmlns="" xmlns:a16="http://schemas.microsoft.com/office/drawing/2014/main" val="20003"/>
                     </a:ext>
                   </a:extLst>
                 </a:gridCol>
                 <a:gridCol w="1677487">
                   <a:extLst>
                     <a:ext uri="{9D8B030D-6E8A-4147-A177-3AD203B41FA5}">
-                      <a16:colId xmlns:a16="http://schemas.microsoft.com/office/drawing/2014/main" xmlns="" val="20004"/>
+                      <a16:colId xmlns="" xmlns:a16="http://schemas.microsoft.com/office/drawing/2014/main" val="20004"/>
                     </a:ext>
                   </a:extLst>
                 </a:gridCol>
                 <a:gridCol w="1501594">
                   <a:extLst>
                     <a:ext uri="{9D8B030D-6E8A-4147-A177-3AD203B41FA5}">
-                      <a16:colId xmlns:a16="http://schemas.microsoft.com/office/drawing/2014/main" xmlns="" val="20005"/>
+                      <a16:colId xmlns="" xmlns:a16="http://schemas.microsoft.com/office/drawing/2014/main" val="20005"/>
                     </a:ext>
                   </a:extLst>
                 </a:gridCol>
                 <a:gridCol w="1924180">
                   <a:extLst>
                     <a:ext uri="{9D8B030D-6E8A-4147-A177-3AD203B41FA5}">
-                      <a16:colId xmlns:a16="http://schemas.microsoft.com/office/drawing/2014/main" xmlns="" val="20007"/>
+                      <a16:colId xmlns="" xmlns:a16="http://schemas.microsoft.com/office/drawing/2014/main" val="20007"/>
                     </a:ext>
                   </a:extLst>
                 </a:gridCol>
@@ -6018,7 +6018,7 @@
                 </a:tc>
                 <a:extLst>
                   <a:ext uri="{0D108BD9-81ED-4DB2-BD59-A6C34878D82A}">
-                    <a16:rowId xmlns:a16="http://schemas.microsoft.com/office/drawing/2014/main" xmlns="" val="10000"/>
+                    <a16:rowId xmlns="" xmlns:a16="http://schemas.microsoft.com/office/drawing/2014/main" val="10000"/>
                   </a:ext>
                 </a:extLst>
               </a:tr>
@@ -6917,42 +6917,42 @@
                 <a:gridCol w="1589541">
                   <a:extLst>
                     <a:ext uri="{9D8B030D-6E8A-4147-A177-3AD203B41FA5}">
-                      <a16:colId xmlns:a16="http://schemas.microsoft.com/office/drawing/2014/main" xmlns="" val="20000"/>
+                      <a16:colId xmlns="" xmlns:a16="http://schemas.microsoft.com/office/drawing/2014/main" val="20000"/>
                     </a:ext>
                   </a:extLst>
                 </a:gridCol>
                 <a:gridCol w="1589541">
                   <a:extLst>
                     <a:ext uri="{9D8B030D-6E8A-4147-A177-3AD203B41FA5}">
-                      <a16:colId xmlns:a16="http://schemas.microsoft.com/office/drawing/2014/main" xmlns="" val="20001"/>
+                      <a16:colId xmlns="" xmlns:a16="http://schemas.microsoft.com/office/drawing/2014/main" val="20001"/>
                     </a:ext>
                   </a:extLst>
                 </a:gridCol>
                 <a:gridCol w="1589541">
                   <a:extLst>
                     <a:ext uri="{9D8B030D-6E8A-4147-A177-3AD203B41FA5}">
-                      <a16:colId xmlns:a16="http://schemas.microsoft.com/office/drawing/2014/main" xmlns="" val="20003"/>
+                      <a16:colId xmlns="" xmlns:a16="http://schemas.microsoft.com/office/drawing/2014/main" val="20003"/>
                     </a:ext>
                   </a:extLst>
                 </a:gridCol>
                 <a:gridCol w="1677487">
                   <a:extLst>
                     <a:ext uri="{9D8B030D-6E8A-4147-A177-3AD203B41FA5}">
-                      <a16:colId xmlns:a16="http://schemas.microsoft.com/office/drawing/2014/main" xmlns="" val="20004"/>
+                      <a16:colId xmlns="" xmlns:a16="http://schemas.microsoft.com/office/drawing/2014/main" val="20004"/>
                     </a:ext>
                   </a:extLst>
                 </a:gridCol>
                 <a:gridCol w="1501594">
                   <a:extLst>
                     <a:ext uri="{9D8B030D-6E8A-4147-A177-3AD203B41FA5}">
-                      <a16:colId xmlns:a16="http://schemas.microsoft.com/office/drawing/2014/main" xmlns="" val="20005"/>
+                      <a16:colId xmlns="" xmlns:a16="http://schemas.microsoft.com/office/drawing/2014/main" val="20005"/>
                     </a:ext>
                   </a:extLst>
                 </a:gridCol>
                 <a:gridCol w="1924180">
                   <a:extLst>
                     <a:ext uri="{9D8B030D-6E8A-4147-A177-3AD203B41FA5}">
-                      <a16:colId xmlns:a16="http://schemas.microsoft.com/office/drawing/2014/main" xmlns="" val="20007"/>
+                      <a16:colId xmlns="" xmlns:a16="http://schemas.microsoft.com/office/drawing/2014/main" val="20007"/>
                     </a:ext>
                   </a:extLst>
                 </a:gridCol>
@@ -7310,7 +7310,7 @@
                 </a:tc>
                 <a:extLst>
                   <a:ext uri="{0D108BD9-81ED-4DB2-BD59-A6C34878D82A}">
-                    <a16:rowId xmlns:a16="http://schemas.microsoft.com/office/drawing/2014/main" xmlns="" val="10000"/>
+                    <a16:rowId xmlns="" xmlns:a16="http://schemas.microsoft.com/office/drawing/2014/main" val="10000"/>
                   </a:ext>
                 </a:extLst>
               </a:tr>
@@ -8075,42 +8075,42 @@
                 <a:gridCol w="1589541">
                   <a:extLst>
                     <a:ext uri="{9D8B030D-6E8A-4147-A177-3AD203B41FA5}">
-                      <a16:colId xmlns:a16="http://schemas.microsoft.com/office/drawing/2014/main" xmlns="" val="20000"/>
+                      <a16:colId xmlns="" xmlns:a16="http://schemas.microsoft.com/office/drawing/2014/main" val="20000"/>
                     </a:ext>
                   </a:extLst>
                 </a:gridCol>
                 <a:gridCol w="1589541">
                   <a:extLst>
                     <a:ext uri="{9D8B030D-6E8A-4147-A177-3AD203B41FA5}">
-                      <a16:colId xmlns:a16="http://schemas.microsoft.com/office/drawing/2014/main" xmlns="" val="20001"/>
+                      <a16:colId xmlns="" xmlns:a16="http://schemas.microsoft.com/office/drawing/2014/main" val="20001"/>
                     </a:ext>
                   </a:extLst>
                 </a:gridCol>
                 <a:gridCol w="1589541">
                   <a:extLst>
                     <a:ext uri="{9D8B030D-6E8A-4147-A177-3AD203B41FA5}">
-                      <a16:colId xmlns:a16="http://schemas.microsoft.com/office/drawing/2014/main" xmlns="" val="20003"/>
+                      <a16:colId xmlns="" xmlns:a16="http://schemas.microsoft.com/office/drawing/2014/main" val="20003"/>
                     </a:ext>
                   </a:extLst>
                 </a:gridCol>
                 <a:gridCol w="1677487">
                   <a:extLst>
                     <a:ext uri="{9D8B030D-6E8A-4147-A177-3AD203B41FA5}">
-                      <a16:colId xmlns:a16="http://schemas.microsoft.com/office/drawing/2014/main" xmlns="" val="20004"/>
+                      <a16:colId xmlns="" xmlns:a16="http://schemas.microsoft.com/office/drawing/2014/main" val="20004"/>
                     </a:ext>
                   </a:extLst>
                 </a:gridCol>
                 <a:gridCol w="1501594">
                   <a:extLst>
                     <a:ext uri="{9D8B030D-6E8A-4147-A177-3AD203B41FA5}">
-                      <a16:colId xmlns:a16="http://schemas.microsoft.com/office/drawing/2014/main" xmlns="" val="20005"/>
+                      <a16:colId xmlns="" xmlns:a16="http://schemas.microsoft.com/office/drawing/2014/main" val="20005"/>
                     </a:ext>
                   </a:extLst>
                 </a:gridCol>
                 <a:gridCol w="1924180">
                   <a:extLst>
                     <a:ext uri="{9D8B030D-6E8A-4147-A177-3AD203B41FA5}">
-                      <a16:colId xmlns:a16="http://schemas.microsoft.com/office/drawing/2014/main" xmlns="" val="20007"/>
+                      <a16:colId xmlns="" xmlns:a16="http://schemas.microsoft.com/office/drawing/2014/main" val="20007"/>
                     </a:ext>
                   </a:extLst>
                 </a:gridCol>
@@ -8468,7 +8468,7 @@
                 </a:tc>
                 <a:extLst>
                   <a:ext uri="{0D108BD9-81ED-4DB2-BD59-A6C34878D82A}">
-                    <a16:rowId xmlns:a16="http://schemas.microsoft.com/office/drawing/2014/main" xmlns="" val="10000"/>
+                    <a16:rowId xmlns="" xmlns:a16="http://schemas.microsoft.com/office/drawing/2014/main" val="10000"/>
                   </a:ext>
                 </a:extLst>
               </a:tr>
@@ -9382,42 +9382,42 @@
                 <a:gridCol w="1589541">
                   <a:extLst>
                     <a:ext uri="{9D8B030D-6E8A-4147-A177-3AD203B41FA5}">
-                      <a16:colId xmlns:a16="http://schemas.microsoft.com/office/drawing/2014/main" xmlns="" val="20000"/>
+                      <a16:colId xmlns="" xmlns:a16="http://schemas.microsoft.com/office/drawing/2014/main" val="20000"/>
                     </a:ext>
                   </a:extLst>
                 </a:gridCol>
                 <a:gridCol w="1589541">
                   <a:extLst>
                     <a:ext uri="{9D8B030D-6E8A-4147-A177-3AD203B41FA5}">
-                      <a16:colId xmlns:a16="http://schemas.microsoft.com/office/drawing/2014/main" xmlns="" val="20001"/>
+                      <a16:colId xmlns="" xmlns:a16="http://schemas.microsoft.com/office/drawing/2014/main" val="20001"/>
                     </a:ext>
                   </a:extLst>
                 </a:gridCol>
                 <a:gridCol w="1589541">
                   <a:extLst>
                     <a:ext uri="{9D8B030D-6E8A-4147-A177-3AD203B41FA5}">
-                      <a16:colId xmlns:a16="http://schemas.microsoft.com/office/drawing/2014/main" xmlns="" val="20003"/>
+                      <a16:colId xmlns="" xmlns:a16="http://schemas.microsoft.com/office/drawing/2014/main" val="20003"/>
                     </a:ext>
                   </a:extLst>
                 </a:gridCol>
                 <a:gridCol w="1677487">
                   <a:extLst>
                     <a:ext uri="{9D8B030D-6E8A-4147-A177-3AD203B41FA5}">
-                      <a16:colId xmlns:a16="http://schemas.microsoft.com/office/drawing/2014/main" xmlns="" val="20004"/>
+                      <a16:colId xmlns="" xmlns:a16="http://schemas.microsoft.com/office/drawing/2014/main" val="20004"/>
                     </a:ext>
                   </a:extLst>
                 </a:gridCol>
                 <a:gridCol w="1501594">
                   <a:extLst>
                     <a:ext uri="{9D8B030D-6E8A-4147-A177-3AD203B41FA5}">
-                      <a16:colId xmlns:a16="http://schemas.microsoft.com/office/drawing/2014/main" xmlns="" val="20005"/>
+                      <a16:colId xmlns="" xmlns:a16="http://schemas.microsoft.com/office/drawing/2014/main" val="20005"/>
                     </a:ext>
                   </a:extLst>
                 </a:gridCol>
                 <a:gridCol w="1924180">
                   <a:extLst>
                     <a:ext uri="{9D8B030D-6E8A-4147-A177-3AD203B41FA5}">
-                      <a16:colId xmlns:a16="http://schemas.microsoft.com/office/drawing/2014/main" xmlns="" val="20007"/>
+                      <a16:colId xmlns="" xmlns:a16="http://schemas.microsoft.com/office/drawing/2014/main" val="20007"/>
                     </a:ext>
                   </a:extLst>
                 </a:gridCol>
@@ -9775,7 +9775,7 @@
                 </a:tc>
                 <a:extLst>
                   <a:ext uri="{0D108BD9-81ED-4DB2-BD59-A6C34878D82A}">
-                    <a16:rowId xmlns:a16="http://schemas.microsoft.com/office/drawing/2014/main" xmlns="" val="10000"/>
+                    <a16:rowId xmlns="" xmlns:a16="http://schemas.microsoft.com/office/drawing/2014/main" val="10000"/>
                   </a:ext>
                 </a:extLst>
               </a:tr>
@@ -10560,42 +10560,42 @@
                 <a:gridCol w="1589541">
                   <a:extLst>
                     <a:ext uri="{9D8B030D-6E8A-4147-A177-3AD203B41FA5}">
-                      <a16:colId xmlns:a16="http://schemas.microsoft.com/office/drawing/2014/main" xmlns="" val="20000"/>
+                      <a16:colId xmlns="" xmlns:a16="http://schemas.microsoft.com/office/drawing/2014/main" val="20000"/>
                     </a:ext>
                   </a:extLst>
                 </a:gridCol>
                 <a:gridCol w="1589541">
                   <a:extLst>
                     <a:ext uri="{9D8B030D-6E8A-4147-A177-3AD203B41FA5}">
-                      <a16:colId xmlns:a16="http://schemas.microsoft.com/office/drawing/2014/main" xmlns="" val="20001"/>
+                      <a16:colId xmlns="" xmlns:a16="http://schemas.microsoft.com/office/drawing/2014/main" val="20001"/>
                     </a:ext>
                   </a:extLst>
                 </a:gridCol>
                 <a:gridCol w="1589541">
                   <a:extLst>
                     <a:ext uri="{9D8B030D-6E8A-4147-A177-3AD203B41FA5}">
-                      <a16:colId xmlns:a16="http://schemas.microsoft.com/office/drawing/2014/main" xmlns="" val="20003"/>
+                      <a16:colId xmlns="" xmlns:a16="http://schemas.microsoft.com/office/drawing/2014/main" val="20003"/>
                     </a:ext>
                   </a:extLst>
                 </a:gridCol>
                 <a:gridCol w="1677487">
                   <a:extLst>
                     <a:ext uri="{9D8B030D-6E8A-4147-A177-3AD203B41FA5}">
-                      <a16:colId xmlns:a16="http://schemas.microsoft.com/office/drawing/2014/main" xmlns="" val="20004"/>
+                      <a16:colId xmlns="" xmlns:a16="http://schemas.microsoft.com/office/drawing/2014/main" val="20004"/>
                     </a:ext>
                   </a:extLst>
                 </a:gridCol>
                 <a:gridCol w="1501594">
                   <a:extLst>
                     <a:ext uri="{9D8B030D-6E8A-4147-A177-3AD203B41FA5}">
-                      <a16:colId xmlns:a16="http://schemas.microsoft.com/office/drawing/2014/main" xmlns="" val="20005"/>
+                      <a16:colId xmlns="" xmlns:a16="http://schemas.microsoft.com/office/drawing/2014/main" val="20005"/>
                     </a:ext>
                   </a:extLst>
                 </a:gridCol>
                 <a:gridCol w="1924180">
                   <a:extLst>
                     <a:ext uri="{9D8B030D-6E8A-4147-A177-3AD203B41FA5}">
-                      <a16:colId xmlns:a16="http://schemas.microsoft.com/office/drawing/2014/main" xmlns="" val="20007"/>
+                      <a16:colId xmlns="" xmlns:a16="http://schemas.microsoft.com/office/drawing/2014/main" val="20007"/>
                     </a:ext>
                   </a:extLst>
                 </a:gridCol>
@@ -10953,7 +10953,7 @@
                 </a:tc>
                 <a:extLst>
                   <a:ext uri="{0D108BD9-81ED-4DB2-BD59-A6C34878D82A}">
-                    <a16:rowId xmlns:a16="http://schemas.microsoft.com/office/drawing/2014/main" xmlns="" val="10000"/>
+                    <a16:rowId xmlns="" xmlns:a16="http://schemas.microsoft.com/office/drawing/2014/main" val="10000"/>
                   </a:ext>
                 </a:extLst>
               </a:tr>
@@ -11773,42 +11773,42 @@
                 <a:gridCol w="1589541">
                   <a:extLst>
                     <a:ext uri="{9D8B030D-6E8A-4147-A177-3AD203B41FA5}">
-                      <a16:colId xmlns:a16="http://schemas.microsoft.com/office/drawing/2014/main" xmlns="" val="20000"/>
+                      <a16:colId xmlns="" xmlns:a16="http://schemas.microsoft.com/office/drawing/2014/main" val="20000"/>
                     </a:ext>
                   </a:extLst>
                 </a:gridCol>
                 <a:gridCol w="1589541">
                   <a:extLst>
                     <a:ext uri="{9D8B030D-6E8A-4147-A177-3AD203B41FA5}">
-                      <a16:colId xmlns:a16="http://schemas.microsoft.com/office/drawing/2014/main" xmlns="" val="20001"/>
+                      <a16:colId xmlns="" xmlns:a16="http://schemas.microsoft.com/office/drawing/2014/main" val="20001"/>
                     </a:ext>
                   </a:extLst>
                 </a:gridCol>
                 <a:gridCol w="1589541">
                   <a:extLst>
                     <a:ext uri="{9D8B030D-6E8A-4147-A177-3AD203B41FA5}">
-                      <a16:colId xmlns:a16="http://schemas.microsoft.com/office/drawing/2014/main" xmlns="" val="20003"/>
+                      <a16:colId xmlns="" xmlns:a16="http://schemas.microsoft.com/office/drawing/2014/main" val="20003"/>
                     </a:ext>
                   </a:extLst>
                 </a:gridCol>
                 <a:gridCol w="1677487">
                   <a:extLst>
                     <a:ext uri="{9D8B030D-6E8A-4147-A177-3AD203B41FA5}">
-                      <a16:colId xmlns:a16="http://schemas.microsoft.com/office/drawing/2014/main" xmlns="" val="20004"/>
+                      <a16:colId xmlns="" xmlns:a16="http://schemas.microsoft.com/office/drawing/2014/main" val="20004"/>
                     </a:ext>
                   </a:extLst>
                 </a:gridCol>
                 <a:gridCol w="1501594">
                   <a:extLst>
                     <a:ext uri="{9D8B030D-6E8A-4147-A177-3AD203B41FA5}">
-                      <a16:colId xmlns:a16="http://schemas.microsoft.com/office/drawing/2014/main" xmlns="" val="20005"/>
+                      <a16:colId xmlns="" xmlns:a16="http://schemas.microsoft.com/office/drawing/2014/main" val="20005"/>
                     </a:ext>
                   </a:extLst>
                 </a:gridCol>
                 <a:gridCol w="1924180">
                   <a:extLst>
                     <a:ext uri="{9D8B030D-6E8A-4147-A177-3AD203B41FA5}">
-                      <a16:colId xmlns:a16="http://schemas.microsoft.com/office/drawing/2014/main" xmlns="" val="20007"/>
+                      <a16:colId xmlns="" xmlns:a16="http://schemas.microsoft.com/office/drawing/2014/main" val="20007"/>
                     </a:ext>
                   </a:extLst>
                 </a:gridCol>
@@ -12166,7 +12166,7 @@
                 </a:tc>
                 <a:extLst>
                   <a:ext uri="{0D108BD9-81ED-4DB2-BD59-A6C34878D82A}">
-                    <a16:rowId xmlns:a16="http://schemas.microsoft.com/office/drawing/2014/main" xmlns="" val="10000"/>
+                    <a16:rowId xmlns="" xmlns:a16="http://schemas.microsoft.com/office/drawing/2014/main" val="10000"/>
                   </a:ext>
                 </a:extLst>
               </a:tr>
@@ -13489,7 +13489,7 @@
                             </p:stCondLst>
                             <p:childTnLst>
                               <p:par>
-                                <p:cTn id="5" presetID="1" presetClass="entr" presetSubtype="0" fill="hold" nodeType="clickEffect">
+                                <p:cTn id="5" presetID="2" presetClass="entr" presetSubtype="8" fill="hold" nodeType="clickEffect">
                                   <p:stCondLst>
                                     <p:cond delay="0"/>
                                   </p:stCondLst>
@@ -13497,6 +13497,88 @@
                                     <p:set>
                                       <p:cBhvr>
                                         <p:cTn id="6" dur="1" fill="hold">
+                                          <p:stCondLst>
+                                            <p:cond delay="0"/>
+                                          </p:stCondLst>
+                                        </p:cTn>
+                                        <p:tgtEl>
+                                          <p:spTgt spid="31"/>
+                                        </p:tgtEl>
+                                        <p:attrNameLst>
+                                          <p:attrName>style.visibility</p:attrName>
+                                        </p:attrNameLst>
+                                      </p:cBhvr>
+                                      <p:to>
+                                        <p:strVal val="visible"/>
+                                      </p:to>
+                                    </p:set>
+                                    <p:anim calcmode="lin" valueType="num">
+                                      <p:cBhvr additive="base">
+                                        <p:cTn id="7" dur="500" fill="hold"/>
+                                        <p:tgtEl>
+                                          <p:spTgt spid="31"/>
+                                        </p:tgtEl>
+                                        <p:attrNameLst>
+                                          <p:attrName>ppt_x</p:attrName>
+                                        </p:attrNameLst>
+                                      </p:cBhvr>
+                                      <p:tavLst>
+                                        <p:tav tm="0">
+                                          <p:val>
+                                            <p:strVal val="0-#ppt_w/2"/>
+                                          </p:val>
+                                        </p:tav>
+                                        <p:tav tm="100000">
+                                          <p:val>
+                                            <p:strVal val="#ppt_x"/>
+                                          </p:val>
+                                        </p:tav>
+                                      </p:tavLst>
+                                    </p:anim>
+                                    <p:anim calcmode="lin" valueType="num">
+                                      <p:cBhvr additive="base">
+                                        <p:cTn id="8" dur="500" fill="hold"/>
+                                        <p:tgtEl>
+                                          <p:spTgt spid="31"/>
+                                        </p:tgtEl>
+                                        <p:attrNameLst>
+                                          <p:attrName>ppt_y</p:attrName>
+                                        </p:attrNameLst>
+                                      </p:cBhvr>
+                                      <p:tavLst>
+                                        <p:tav tm="0">
+                                          <p:val>
+                                            <p:strVal val="#ppt_y"/>
+                                          </p:val>
+                                        </p:tav>
+                                        <p:tav tm="100000">
+                                          <p:val>
+                                            <p:strVal val="#ppt_y"/>
+                                          </p:val>
+                                        </p:tav>
+                                      </p:tavLst>
+                                    </p:anim>
+                                  </p:childTnLst>
+                                </p:cTn>
+                              </p:par>
+                            </p:childTnLst>
+                          </p:cTn>
+                        </p:par>
+                        <p:par>
+                          <p:cTn id="9" fill="hold">
+                            <p:stCondLst>
+                              <p:cond delay="500"/>
+                            </p:stCondLst>
+                            <p:childTnLst>
+                              <p:par>
+                                <p:cTn id="10" presetID="10" presetClass="entr" presetSubtype="0" fill="hold" nodeType="afterEffect">
+                                  <p:stCondLst>
+                                    <p:cond delay="0"/>
+                                  </p:stCondLst>
+                                  <p:childTnLst>
+                                    <p:set>
+                                      <p:cBhvr>
+                                        <p:cTn id="11" dur="1" fill="hold">
                                           <p:stCondLst>
                                             <p:cond delay="0"/>
                                           </p:stCondLst>
@@ -13512,18 +13594,26 @@
                                         <p:strVal val="visible"/>
                                       </p:to>
                                     </p:set>
+                                    <p:animEffect transition="in" filter="fade">
+                                      <p:cBhvr>
+                                        <p:cTn id="12" dur="500"/>
+                                        <p:tgtEl>
+                                          <p:spTgt spid="47"/>
+                                        </p:tgtEl>
+                                      </p:cBhvr>
+                                    </p:animEffect>
                                   </p:childTnLst>
                                 </p:cTn>
                               </p:par>
                               <p:par>
-                                <p:cTn id="7" presetID="1" presetClass="entr" presetSubtype="0" fill="hold" grpId="0" nodeType="withEffect">
+                                <p:cTn id="13" presetID="10" presetClass="entr" presetSubtype="0" fill="hold" grpId="0" nodeType="withEffect">
                                   <p:stCondLst>
                                     <p:cond delay="0"/>
                                   </p:stCondLst>
                                   <p:childTnLst>
                                     <p:set>
                                       <p:cBhvr>
-                                        <p:cTn id="8" dur="1" fill="hold">
+                                        <p:cTn id="14" dur="1" fill="hold">
                                           <p:stCondLst>
                                             <p:cond delay="0"/>
                                           </p:stCondLst>
@@ -13539,36 +13629,35 @@
                                         <p:strVal val="visible"/>
                                       </p:to>
                                     </p:set>
+                                    <p:animEffect transition="in" filter="fade">
+                                      <p:cBhvr>
+                                        <p:cTn id="15" dur="500"/>
+                                        <p:tgtEl>
+                                          <p:spTgt spid="68"/>
+                                        </p:tgtEl>
+                                      </p:cBhvr>
+                                    </p:animEffect>
                                   </p:childTnLst>
                                 </p:cTn>
                               </p:par>
                             </p:childTnLst>
                           </p:cTn>
                         </p:par>
-                      </p:childTnLst>
-                    </p:cTn>
-                  </p:par>
-                  <p:par>
-                    <p:cTn id="9" fill="hold">
-                      <p:stCondLst>
-                        <p:cond delay="indefinite"/>
-                      </p:stCondLst>
-                      <p:childTnLst>
                         <p:par>
-                          <p:cTn id="10" fill="hold">
+                          <p:cTn id="16" fill="hold">
                             <p:stCondLst>
-                              <p:cond delay="0"/>
+                              <p:cond delay="1000"/>
                             </p:stCondLst>
                             <p:childTnLst>
                               <p:par>
-                                <p:cTn id="11" presetID="1" presetClass="entr" presetSubtype="0" fill="hold" nodeType="clickEffect">
+                                <p:cTn id="17" presetID="10" presetClass="entr" presetSubtype="0" fill="hold" nodeType="afterEffect">
                                   <p:stCondLst>
                                     <p:cond delay="0"/>
                                   </p:stCondLst>
                                   <p:childTnLst>
                                     <p:set>
                                       <p:cBhvr>
-                                        <p:cTn id="12" dur="1" fill="hold">
+                                        <p:cTn id="18" dur="1" fill="hold">
                                           <p:stCondLst>
                                             <p:cond delay="0"/>
                                           </p:stCondLst>
@@ -13584,18 +13673,26 @@
                                         <p:strVal val="visible"/>
                                       </p:to>
                                     </p:set>
+                                    <p:animEffect transition="in" filter="fade">
+                                      <p:cBhvr>
+                                        <p:cTn id="19" dur="500"/>
+                                        <p:tgtEl>
+                                          <p:spTgt spid="41"/>
+                                        </p:tgtEl>
+                                      </p:cBhvr>
+                                    </p:animEffect>
                                   </p:childTnLst>
                                 </p:cTn>
                               </p:par>
                               <p:par>
-                                <p:cTn id="13" presetID="1" presetClass="entr" presetSubtype="0" fill="hold" grpId="0" nodeType="withEffect">
+                                <p:cTn id="20" presetID="10" presetClass="entr" presetSubtype="0" fill="hold" grpId="0" nodeType="withEffect">
                                   <p:stCondLst>
                                     <p:cond delay="0"/>
                                   </p:stCondLst>
                                   <p:childTnLst>
                                     <p:set>
                                       <p:cBhvr>
-                                        <p:cTn id="14" dur="1" fill="hold">
+                                        <p:cTn id="21" dur="1" fill="hold">
                                           <p:stCondLst>
                                             <p:cond delay="0"/>
                                           </p:stCondLst>
@@ -13611,36 +13708,35 @@
                                         <p:strVal val="visible"/>
                                       </p:to>
                                     </p:set>
+                                    <p:animEffect transition="in" filter="fade">
+                                      <p:cBhvr>
+                                        <p:cTn id="22" dur="500"/>
+                                        <p:tgtEl>
+                                          <p:spTgt spid="80"/>
+                                        </p:tgtEl>
+                                      </p:cBhvr>
+                                    </p:animEffect>
                                   </p:childTnLst>
                                 </p:cTn>
                               </p:par>
                             </p:childTnLst>
                           </p:cTn>
                         </p:par>
-                      </p:childTnLst>
-                    </p:cTn>
-                  </p:par>
-                  <p:par>
-                    <p:cTn id="15" fill="hold">
-                      <p:stCondLst>
-                        <p:cond delay="indefinite"/>
-                      </p:stCondLst>
-                      <p:childTnLst>
                         <p:par>
-                          <p:cTn id="16" fill="hold">
+                          <p:cTn id="23" fill="hold">
                             <p:stCondLst>
-                              <p:cond delay="0"/>
+                              <p:cond delay="1500"/>
                             </p:stCondLst>
                             <p:childTnLst>
                               <p:par>
-                                <p:cTn id="17" presetID="1" presetClass="entr" presetSubtype="0" fill="hold" nodeType="clickEffect">
+                                <p:cTn id="24" presetID="10" presetClass="entr" presetSubtype="0" fill="hold" nodeType="afterEffect">
                                   <p:stCondLst>
                                     <p:cond delay="0"/>
                                   </p:stCondLst>
                                   <p:childTnLst>
                                     <p:set>
                                       <p:cBhvr>
-                                        <p:cTn id="18" dur="1" fill="hold">
+                                        <p:cTn id="25" dur="1" fill="hold">
                                           <p:stCondLst>
                                             <p:cond delay="0"/>
                                           </p:stCondLst>
@@ -13656,18 +13752,26 @@
                                         <p:strVal val="visible"/>
                                       </p:to>
                                     </p:set>
+                                    <p:animEffect transition="in" filter="fade">
+                                      <p:cBhvr>
+                                        <p:cTn id="26" dur="500"/>
+                                        <p:tgtEl>
+                                          <p:spTgt spid="35"/>
+                                        </p:tgtEl>
+                                      </p:cBhvr>
+                                    </p:animEffect>
                                   </p:childTnLst>
                                 </p:cTn>
                               </p:par>
                               <p:par>
-                                <p:cTn id="19" presetID="1" presetClass="entr" presetSubtype="0" fill="hold" grpId="0" nodeType="withEffect">
+                                <p:cTn id="27" presetID="10" presetClass="entr" presetSubtype="0" fill="hold" grpId="0" nodeType="withEffect">
                                   <p:stCondLst>
                                     <p:cond delay="0"/>
                                   </p:stCondLst>
                                   <p:childTnLst>
                                     <p:set>
                                       <p:cBhvr>
-                                        <p:cTn id="20" dur="1" fill="hold">
+                                        <p:cTn id="28" dur="1" fill="hold">
                                           <p:stCondLst>
                                             <p:cond delay="0"/>
                                           </p:stCondLst>
@@ -13683,6 +13787,14 @@
                                         <p:strVal val="visible"/>
                                       </p:to>
                                     </p:set>
+                                    <p:animEffect transition="in" filter="fade">
+                                      <p:cBhvr>
+                                        <p:cTn id="29" dur="500"/>
+                                        <p:tgtEl>
+                                          <p:spTgt spid="81"/>
+                                        </p:tgtEl>
+                                      </p:cBhvr>
+                                    </p:animEffect>
                                   </p:childTnLst>
                                 </p:cTn>
                               </p:par>
@@ -13763,42 +13875,42 @@
                 <a:gridCol w="1589541">
                   <a:extLst>
                     <a:ext uri="{9D8B030D-6E8A-4147-A177-3AD203B41FA5}">
-                      <a16:colId xmlns:a16="http://schemas.microsoft.com/office/drawing/2014/main" xmlns="" val="20000"/>
+                      <a16:colId xmlns="" xmlns:a16="http://schemas.microsoft.com/office/drawing/2014/main" val="20000"/>
                     </a:ext>
                   </a:extLst>
                 </a:gridCol>
                 <a:gridCol w="1589541">
                   <a:extLst>
                     <a:ext uri="{9D8B030D-6E8A-4147-A177-3AD203B41FA5}">
-                      <a16:colId xmlns:a16="http://schemas.microsoft.com/office/drawing/2014/main" xmlns="" val="20001"/>
+                      <a16:colId xmlns="" xmlns:a16="http://schemas.microsoft.com/office/drawing/2014/main" val="20001"/>
                     </a:ext>
                   </a:extLst>
                 </a:gridCol>
                 <a:gridCol w="1589541">
                   <a:extLst>
                     <a:ext uri="{9D8B030D-6E8A-4147-A177-3AD203B41FA5}">
-                      <a16:colId xmlns:a16="http://schemas.microsoft.com/office/drawing/2014/main" xmlns="" val="20003"/>
+                      <a16:colId xmlns="" xmlns:a16="http://schemas.microsoft.com/office/drawing/2014/main" val="20003"/>
                     </a:ext>
                   </a:extLst>
                 </a:gridCol>
                 <a:gridCol w="1677487">
                   <a:extLst>
                     <a:ext uri="{9D8B030D-6E8A-4147-A177-3AD203B41FA5}">
-                      <a16:colId xmlns:a16="http://schemas.microsoft.com/office/drawing/2014/main" xmlns="" val="20004"/>
+                      <a16:colId xmlns="" xmlns:a16="http://schemas.microsoft.com/office/drawing/2014/main" val="20004"/>
                     </a:ext>
                   </a:extLst>
                 </a:gridCol>
                 <a:gridCol w="1501594">
                   <a:extLst>
                     <a:ext uri="{9D8B030D-6E8A-4147-A177-3AD203B41FA5}">
-                      <a16:colId xmlns:a16="http://schemas.microsoft.com/office/drawing/2014/main" xmlns="" val="20005"/>
+                      <a16:colId xmlns="" xmlns:a16="http://schemas.microsoft.com/office/drawing/2014/main" val="20005"/>
                     </a:ext>
                   </a:extLst>
                 </a:gridCol>
                 <a:gridCol w="1924180">
                   <a:extLst>
                     <a:ext uri="{9D8B030D-6E8A-4147-A177-3AD203B41FA5}">
-                      <a16:colId xmlns:a16="http://schemas.microsoft.com/office/drawing/2014/main" xmlns="" val="20007"/>
+                      <a16:colId xmlns="" xmlns:a16="http://schemas.microsoft.com/office/drawing/2014/main" val="20007"/>
                     </a:ext>
                   </a:extLst>
                 </a:gridCol>
@@ -14156,7 +14268,7 @@
                 </a:tc>
                 <a:extLst>
                   <a:ext uri="{0D108BD9-81ED-4DB2-BD59-A6C34878D82A}">
-                    <a16:rowId xmlns:a16="http://schemas.microsoft.com/office/drawing/2014/main" xmlns="" val="10000"/>
+                    <a16:rowId xmlns="" xmlns:a16="http://schemas.microsoft.com/office/drawing/2014/main" val="10000"/>
                   </a:ext>
                 </a:extLst>
               </a:tr>
@@ -15380,7 +15492,7 @@
                             </p:stCondLst>
                             <p:childTnLst>
                               <p:par>
-                                <p:cTn id="5" presetID="1" presetClass="entr" presetSubtype="0" fill="hold" nodeType="clickEffect">
+                                <p:cTn id="5" presetID="2" presetClass="entr" presetSubtype="8" fill="hold" nodeType="clickEffect">
                                   <p:stCondLst>
                                     <p:cond delay="0"/>
                                   </p:stCondLst>
@@ -15388,6 +15500,88 @@
                                     <p:set>
                                       <p:cBhvr>
                                         <p:cTn id="6" dur="1" fill="hold">
+                                          <p:stCondLst>
+                                            <p:cond delay="0"/>
+                                          </p:stCondLst>
+                                        </p:cTn>
+                                        <p:tgtEl>
+                                          <p:spTgt spid="26"/>
+                                        </p:tgtEl>
+                                        <p:attrNameLst>
+                                          <p:attrName>style.visibility</p:attrName>
+                                        </p:attrNameLst>
+                                      </p:cBhvr>
+                                      <p:to>
+                                        <p:strVal val="visible"/>
+                                      </p:to>
+                                    </p:set>
+                                    <p:anim calcmode="lin" valueType="num">
+                                      <p:cBhvr additive="base">
+                                        <p:cTn id="7" dur="500" fill="hold"/>
+                                        <p:tgtEl>
+                                          <p:spTgt spid="26"/>
+                                        </p:tgtEl>
+                                        <p:attrNameLst>
+                                          <p:attrName>ppt_x</p:attrName>
+                                        </p:attrNameLst>
+                                      </p:cBhvr>
+                                      <p:tavLst>
+                                        <p:tav tm="0">
+                                          <p:val>
+                                            <p:strVal val="0-#ppt_w/2"/>
+                                          </p:val>
+                                        </p:tav>
+                                        <p:tav tm="100000">
+                                          <p:val>
+                                            <p:strVal val="#ppt_x"/>
+                                          </p:val>
+                                        </p:tav>
+                                      </p:tavLst>
+                                    </p:anim>
+                                    <p:anim calcmode="lin" valueType="num">
+                                      <p:cBhvr additive="base">
+                                        <p:cTn id="8" dur="500" fill="hold"/>
+                                        <p:tgtEl>
+                                          <p:spTgt spid="26"/>
+                                        </p:tgtEl>
+                                        <p:attrNameLst>
+                                          <p:attrName>ppt_y</p:attrName>
+                                        </p:attrNameLst>
+                                      </p:cBhvr>
+                                      <p:tavLst>
+                                        <p:tav tm="0">
+                                          <p:val>
+                                            <p:strVal val="#ppt_y"/>
+                                          </p:val>
+                                        </p:tav>
+                                        <p:tav tm="100000">
+                                          <p:val>
+                                            <p:strVal val="#ppt_y"/>
+                                          </p:val>
+                                        </p:tav>
+                                      </p:tavLst>
+                                    </p:anim>
+                                  </p:childTnLst>
+                                </p:cTn>
+                              </p:par>
+                            </p:childTnLst>
+                          </p:cTn>
+                        </p:par>
+                        <p:par>
+                          <p:cTn id="9" fill="hold">
+                            <p:stCondLst>
+                              <p:cond delay="500"/>
+                            </p:stCondLst>
+                            <p:childTnLst>
+                              <p:par>
+                                <p:cTn id="10" presetID="10" presetClass="entr" presetSubtype="0" fill="hold" nodeType="afterEffect">
+                                  <p:stCondLst>
+                                    <p:cond delay="0"/>
+                                  </p:stCondLst>
+                                  <p:childTnLst>
+                                    <p:set>
+                                      <p:cBhvr>
+                                        <p:cTn id="11" dur="1" fill="hold">
                                           <p:stCondLst>
                                             <p:cond delay="0"/>
                                           </p:stCondLst>
@@ -15403,18 +15597,26 @@
                                         <p:strVal val="visible"/>
                                       </p:to>
                                     </p:set>
+                                    <p:animEffect transition="in" filter="fade">
+                                      <p:cBhvr>
+                                        <p:cTn id="12" dur="500"/>
+                                        <p:tgtEl>
+                                          <p:spTgt spid="37"/>
+                                        </p:tgtEl>
+                                      </p:cBhvr>
+                                    </p:animEffect>
                                   </p:childTnLst>
                                 </p:cTn>
                               </p:par>
                               <p:par>
-                                <p:cTn id="7" presetID="1" presetClass="entr" presetSubtype="0" fill="hold" grpId="0" nodeType="withEffect">
+                                <p:cTn id="13" presetID="10" presetClass="entr" presetSubtype="0" fill="hold" grpId="0" nodeType="withEffect">
                                   <p:stCondLst>
                                     <p:cond delay="0"/>
                                   </p:stCondLst>
                                   <p:childTnLst>
                                     <p:set>
                                       <p:cBhvr>
-                                        <p:cTn id="8" dur="1" fill="hold">
+                                        <p:cTn id="14" dur="1" fill="hold">
                                           <p:stCondLst>
                                             <p:cond delay="0"/>
                                           </p:stCondLst>
@@ -15430,36 +15632,35 @@
                                         <p:strVal val="visible"/>
                                       </p:to>
                                     </p:set>
+                                    <p:animEffect transition="in" filter="fade">
+                                      <p:cBhvr>
+                                        <p:cTn id="15" dur="500"/>
+                                        <p:tgtEl>
+                                          <p:spTgt spid="62"/>
+                                        </p:tgtEl>
+                                      </p:cBhvr>
+                                    </p:animEffect>
                                   </p:childTnLst>
                                 </p:cTn>
                               </p:par>
                             </p:childTnLst>
                           </p:cTn>
                         </p:par>
-                      </p:childTnLst>
-                    </p:cTn>
-                  </p:par>
-                  <p:par>
-                    <p:cTn id="9" fill="hold">
-                      <p:stCondLst>
-                        <p:cond delay="indefinite"/>
-                      </p:stCondLst>
-                      <p:childTnLst>
                         <p:par>
-                          <p:cTn id="10" fill="hold">
+                          <p:cTn id="16" fill="hold">
                             <p:stCondLst>
-                              <p:cond delay="0"/>
+                              <p:cond delay="1000"/>
                             </p:stCondLst>
                             <p:childTnLst>
                               <p:par>
-                                <p:cTn id="11" presetID="1" presetClass="entr" presetSubtype="0" fill="hold" nodeType="clickEffect">
+                                <p:cTn id="17" presetID="10" presetClass="entr" presetSubtype="0" fill="hold" nodeType="afterEffect">
                                   <p:stCondLst>
                                     <p:cond delay="0"/>
                                   </p:stCondLst>
                                   <p:childTnLst>
                                     <p:set>
                                       <p:cBhvr>
-                                        <p:cTn id="12" dur="1" fill="hold">
+                                        <p:cTn id="18" dur="1" fill="hold">
                                           <p:stCondLst>
                                             <p:cond delay="0"/>
                                           </p:stCondLst>
@@ -15475,18 +15676,26 @@
                                         <p:strVal val="visible"/>
                                       </p:to>
                                     </p:set>
+                                    <p:animEffect transition="in" filter="fade">
+                                      <p:cBhvr>
+                                        <p:cTn id="19" dur="500"/>
+                                        <p:tgtEl>
+                                          <p:spTgt spid="43"/>
+                                        </p:tgtEl>
+                                      </p:cBhvr>
+                                    </p:animEffect>
                                   </p:childTnLst>
                                 </p:cTn>
                               </p:par>
                               <p:par>
-                                <p:cTn id="13" presetID="1" presetClass="entr" presetSubtype="0" fill="hold" grpId="0" nodeType="withEffect">
+                                <p:cTn id="20" presetID="10" presetClass="entr" presetSubtype="0" fill="hold" grpId="0" nodeType="withEffect">
                                   <p:stCondLst>
                                     <p:cond delay="0"/>
                                   </p:stCondLst>
                                   <p:childTnLst>
                                     <p:set>
                                       <p:cBhvr>
-                                        <p:cTn id="14" dur="1" fill="hold">
+                                        <p:cTn id="21" dur="1" fill="hold">
                                           <p:stCondLst>
                                             <p:cond delay="0"/>
                                           </p:stCondLst>
@@ -15502,36 +15711,35 @@
                                         <p:strVal val="visible"/>
                                       </p:to>
                                     </p:set>
+                                    <p:animEffect transition="in" filter="fade">
+                                      <p:cBhvr>
+                                        <p:cTn id="22" dur="500"/>
+                                        <p:tgtEl>
+                                          <p:spTgt spid="63"/>
+                                        </p:tgtEl>
+                                      </p:cBhvr>
+                                    </p:animEffect>
                                   </p:childTnLst>
                                 </p:cTn>
                               </p:par>
                             </p:childTnLst>
                           </p:cTn>
                         </p:par>
-                      </p:childTnLst>
-                    </p:cTn>
-                  </p:par>
-                  <p:par>
-                    <p:cTn id="15" fill="hold">
-                      <p:stCondLst>
-                        <p:cond delay="indefinite"/>
-                      </p:stCondLst>
-                      <p:childTnLst>
                         <p:par>
-                          <p:cTn id="16" fill="hold">
+                          <p:cTn id="23" fill="hold">
                             <p:stCondLst>
-                              <p:cond delay="0"/>
+                              <p:cond delay="1500"/>
                             </p:stCondLst>
                             <p:childTnLst>
                               <p:par>
-                                <p:cTn id="17" presetID="1" presetClass="entr" presetSubtype="0" fill="hold" nodeType="clickEffect">
+                                <p:cTn id="24" presetID="10" presetClass="entr" presetSubtype="0" fill="hold" nodeType="afterEffect">
                                   <p:stCondLst>
                                     <p:cond delay="0"/>
                                   </p:stCondLst>
                                   <p:childTnLst>
                                     <p:set>
                                       <p:cBhvr>
-                                        <p:cTn id="18" dur="1" fill="hold">
+                                        <p:cTn id="25" dur="1" fill="hold">
                                           <p:stCondLst>
                                             <p:cond delay="0"/>
                                           </p:stCondLst>
@@ -15547,18 +15755,26 @@
                                         <p:strVal val="visible"/>
                                       </p:to>
                                     </p:set>
+                                    <p:animEffect transition="in" filter="fade">
+                                      <p:cBhvr>
+                                        <p:cTn id="26" dur="500"/>
+                                        <p:tgtEl>
+                                          <p:spTgt spid="49"/>
+                                        </p:tgtEl>
+                                      </p:cBhvr>
+                                    </p:animEffect>
                                   </p:childTnLst>
                                 </p:cTn>
                               </p:par>
                               <p:par>
-                                <p:cTn id="19" presetID="1" presetClass="entr" presetSubtype="0" fill="hold" grpId="0" nodeType="withEffect">
+                                <p:cTn id="27" presetID="10" presetClass="entr" presetSubtype="0" fill="hold" grpId="0" nodeType="withEffect">
                                   <p:stCondLst>
                                     <p:cond delay="0"/>
                                   </p:stCondLst>
                                   <p:childTnLst>
                                     <p:set>
                                       <p:cBhvr>
-                                        <p:cTn id="20" dur="1" fill="hold">
+                                        <p:cTn id="28" dur="1" fill="hold">
                                           <p:stCondLst>
                                             <p:cond delay="0"/>
                                           </p:stCondLst>
@@ -15574,6 +15790,14 @@
                                         <p:strVal val="visible"/>
                                       </p:to>
                                     </p:set>
+                                    <p:animEffect transition="in" filter="fade">
+                                      <p:cBhvr>
+                                        <p:cTn id="29" dur="500"/>
+                                        <p:tgtEl>
+                                          <p:spTgt spid="64"/>
+                                        </p:tgtEl>
+                                      </p:cBhvr>
+                                    </p:animEffect>
                                   </p:childTnLst>
                                 </p:cTn>
                               </p:par>
@@ -15654,42 +15878,42 @@
                 <a:gridCol w="1589541">
                   <a:extLst>
                     <a:ext uri="{9D8B030D-6E8A-4147-A177-3AD203B41FA5}">
-                      <a16:colId xmlns:a16="http://schemas.microsoft.com/office/drawing/2014/main" xmlns="" val="20000"/>
+                      <a16:colId xmlns="" xmlns:a16="http://schemas.microsoft.com/office/drawing/2014/main" val="20000"/>
                     </a:ext>
                   </a:extLst>
                 </a:gridCol>
                 <a:gridCol w="1589541">
                   <a:extLst>
                     <a:ext uri="{9D8B030D-6E8A-4147-A177-3AD203B41FA5}">
-                      <a16:colId xmlns:a16="http://schemas.microsoft.com/office/drawing/2014/main" xmlns="" val="20001"/>
+                      <a16:colId xmlns="" xmlns:a16="http://schemas.microsoft.com/office/drawing/2014/main" val="20001"/>
                     </a:ext>
                   </a:extLst>
                 </a:gridCol>
                 <a:gridCol w="1589541">
                   <a:extLst>
                     <a:ext uri="{9D8B030D-6E8A-4147-A177-3AD203B41FA5}">
-                      <a16:colId xmlns:a16="http://schemas.microsoft.com/office/drawing/2014/main" xmlns="" val="20003"/>
+                      <a16:colId xmlns="" xmlns:a16="http://schemas.microsoft.com/office/drawing/2014/main" val="20003"/>
                     </a:ext>
                   </a:extLst>
                 </a:gridCol>
                 <a:gridCol w="1677487">
                   <a:extLst>
                     <a:ext uri="{9D8B030D-6E8A-4147-A177-3AD203B41FA5}">
-                      <a16:colId xmlns:a16="http://schemas.microsoft.com/office/drawing/2014/main" xmlns="" val="20004"/>
+                      <a16:colId xmlns="" xmlns:a16="http://schemas.microsoft.com/office/drawing/2014/main" val="20004"/>
                     </a:ext>
                   </a:extLst>
                 </a:gridCol>
                 <a:gridCol w="1501594">
                   <a:extLst>
                     <a:ext uri="{9D8B030D-6E8A-4147-A177-3AD203B41FA5}">
-                      <a16:colId xmlns:a16="http://schemas.microsoft.com/office/drawing/2014/main" xmlns="" val="20005"/>
+                      <a16:colId xmlns="" xmlns:a16="http://schemas.microsoft.com/office/drawing/2014/main" val="20005"/>
                     </a:ext>
                   </a:extLst>
                 </a:gridCol>
                 <a:gridCol w="1924180">
                   <a:extLst>
                     <a:ext uri="{9D8B030D-6E8A-4147-A177-3AD203B41FA5}">
-                      <a16:colId xmlns:a16="http://schemas.microsoft.com/office/drawing/2014/main" xmlns="" val="20007"/>
+                      <a16:colId xmlns="" xmlns:a16="http://schemas.microsoft.com/office/drawing/2014/main" val="20007"/>
                     </a:ext>
                   </a:extLst>
                 </a:gridCol>
@@ -16047,7 +16271,7 @@
                 </a:tc>
                 <a:extLst>
                   <a:ext uri="{0D108BD9-81ED-4DB2-BD59-A6C34878D82A}">
-                    <a16:rowId xmlns:a16="http://schemas.microsoft.com/office/drawing/2014/main" xmlns="" val="10000"/>
+                    <a16:rowId xmlns="" xmlns:a16="http://schemas.microsoft.com/office/drawing/2014/main" val="10000"/>
                   </a:ext>
                 </a:extLst>
               </a:tr>
@@ -16312,42 +16536,42 @@
                 <a:gridCol w="1589541">
                   <a:extLst>
                     <a:ext uri="{9D8B030D-6E8A-4147-A177-3AD203B41FA5}">
-                      <a16:colId xmlns:a16="http://schemas.microsoft.com/office/drawing/2014/main" xmlns="" val="20000"/>
+                      <a16:colId xmlns="" xmlns:a16="http://schemas.microsoft.com/office/drawing/2014/main" val="20000"/>
                     </a:ext>
                   </a:extLst>
                 </a:gridCol>
                 <a:gridCol w="1589541">
                   <a:extLst>
                     <a:ext uri="{9D8B030D-6E8A-4147-A177-3AD203B41FA5}">
-                      <a16:colId xmlns:a16="http://schemas.microsoft.com/office/drawing/2014/main" xmlns="" val="20001"/>
+                      <a16:colId xmlns="" xmlns:a16="http://schemas.microsoft.com/office/drawing/2014/main" val="20001"/>
                     </a:ext>
                   </a:extLst>
                 </a:gridCol>
                 <a:gridCol w="1589541">
                   <a:extLst>
                     <a:ext uri="{9D8B030D-6E8A-4147-A177-3AD203B41FA5}">
-                      <a16:colId xmlns:a16="http://schemas.microsoft.com/office/drawing/2014/main" xmlns="" val="20003"/>
+                      <a16:colId xmlns="" xmlns:a16="http://schemas.microsoft.com/office/drawing/2014/main" val="20003"/>
                     </a:ext>
                   </a:extLst>
                 </a:gridCol>
                 <a:gridCol w="1677487">
                   <a:extLst>
                     <a:ext uri="{9D8B030D-6E8A-4147-A177-3AD203B41FA5}">
-                      <a16:colId xmlns:a16="http://schemas.microsoft.com/office/drawing/2014/main" xmlns="" val="20004"/>
+                      <a16:colId xmlns="" xmlns:a16="http://schemas.microsoft.com/office/drawing/2014/main" val="20004"/>
                     </a:ext>
                   </a:extLst>
                 </a:gridCol>
                 <a:gridCol w="1501594">
                   <a:extLst>
                     <a:ext uri="{9D8B030D-6E8A-4147-A177-3AD203B41FA5}">
-                      <a16:colId xmlns:a16="http://schemas.microsoft.com/office/drawing/2014/main" xmlns="" val="20005"/>
+                      <a16:colId xmlns="" xmlns:a16="http://schemas.microsoft.com/office/drawing/2014/main" val="20005"/>
                     </a:ext>
                   </a:extLst>
                 </a:gridCol>
                 <a:gridCol w="1924180">
                   <a:extLst>
                     <a:ext uri="{9D8B030D-6E8A-4147-A177-3AD203B41FA5}">
-                      <a16:colId xmlns:a16="http://schemas.microsoft.com/office/drawing/2014/main" xmlns="" val="20007"/>
+                      <a16:colId xmlns="" xmlns:a16="http://schemas.microsoft.com/office/drawing/2014/main" val="20007"/>
                     </a:ext>
                   </a:extLst>
                 </a:gridCol>
@@ -16705,7 +16929,7 @@
                 </a:tc>
                 <a:extLst>
                   <a:ext uri="{0D108BD9-81ED-4DB2-BD59-A6C34878D82A}">
-                    <a16:rowId xmlns:a16="http://schemas.microsoft.com/office/drawing/2014/main" xmlns="" val="10000"/>
+                    <a16:rowId xmlns="" xmlns:a16="http://schemas.microsoft.com/office/drawing/2014/main" val="10000"/>
                   </a:ext>
                 </a:extLst>
               </a:tr>
@@ -19096,42 +19320,42 @@
                 <a:gridCol w="1589541">
                   <a:extLst>
                     <a:ext uri="{9D8B030D-6E8A-4147-A177-3AD203B41FA5}">
-                      <a16:colId xmlns:a16="http://schemas.microsoft.com/office/drawing/2014/main" xmlns="" val="20000"/>
+                      <a16:colId xmlns="" xmlns:a16="http://schemas.microsoft.com/office/drawing/2014/main" val="20000"/>
                     </a:ext>
                   </a:extLst>
                 </a:gridCol>
                 <a:gridCol w="1589541">
                   <a:extLst>
                     <a:ext uri="{9D8B030D-6E8A-4147-A177-3AD203B41FA5}">
-                      <a16:colId xmlns:a16="http://schemas.microsoft.com/office/drawing/2014/main" xmlns="" val="20001"/>
+                      <a16:colId xmlns="" xmlns:a16="http://schemas.microsoft.com/office/drawing/2014/main" val="20001"/>
                     </a:ext>
                   </a:extLst>
                 </a:gridCol>
                 <a:gridCol w="1589541">
                   <a:extLst>
                     <a:ext uri="{9D8B030D-6E8A-4147-A177-3AD203B41FA5}">
-                      <a16:colId xmlns:a16="http://schemas.microsoft.com/office/drawing/2014/main" xmlns="" val="20003"/>
+                      <a16:colId xmlns="" xmlns:a16="http://schemas.microsoft.com/office/drawing/2014/main" val="20003"/>
                     </a:ext>
                   </a:extLst>
                 </a:gridCol>
                 <a:gridCol w="1677487">
                   <a:extLst>
                     <a:ext uri="{9D8B030D-6E8A-4147-A177-3AD203B41FA5}">
-                      <a16:colId xmlns:a16="http://schemas.microsoft.com/office/drawing/2014/main" xmlns="" val="20004"/>
+                      <a16:colId xmlns="" xmlns:a16="http://schemas.microsoft.com/office/drawing/2014/main" val="20004"/>
                     </a:ext>
                   </a:extLst>
                 </a:gridCol>
                 <a:gridCol w="1501594">
                   <a:extLst>
                     <a:ext uri="{9D8B030D-6E8A-4147-A177-3AD203B41FA5}">
-                      <a16:colId xmlns:a16="http://schemas.microsoft.com/office/drawing/2014/main" xmlns="" val="20005"/>
+                      <a16:colId xmlns="" xmlns:a16="http://schemas.microsoft.com/office/drawing/2014/main" val="20005"/>
                     </a:ext>
                   </a:extLst>
                 </a:gridCol>
                 <a:gridCol w="1924180">
                   <a:extLst>
                     <a:ext uri="{9D8B030D-6E8A-4147-A177-3AD203B41FA5}">
-                      <a16:colId xmlns:a16="http://schemas.microsoft.com/office/drawing/2014/main" xmlns="" val="20007"/>
+                      <a16:colId xmlns="" xmlns:a16="http://schemas.microsoft.com/office/drawing/2014/main" val="20007"/>
                     </a:ext>
                   </a:extLst>
                 </a:gridCol>
@@ -19489,7 +19713,7 @@
                 </a:tc>
                 <a:extLst>
                   <a:ext uri="{0D108BD9-81ED-4DB2-BD59-A6C34878D82A}">
-                    <a16:rowId xmlns:a16="http://schemas.microsoft.com/office/drawing/2014/main" xmlns="" val="10000"/>
+                    <a16:rowId xmlns="" xmlns:a16="http://schemas.microsoft.com/office/drawing/2014/main" val="10000"/>
                   </a:ext>
                 </a:extLst>
               </a:tr>
@@ -21109,42 +21333,42 @@
                 <a:gridCol w="1589541">
                   <a:extLst>
                     <a:ext uri="{9D8B030D-6E8A-4147-A177-3AD203B41FA5}">
-                      <a16:colId xmlns:a16="http://schemas.microsoft.com/office/drawing/2014/main" xmlns="" val="20000"/>
+                      <a16:colId xmlns="" xmlns:a16="http://schemas.microsoft.com/office/drawing/2014/main" val="20000"/>
                     </a:ext>
                   </a:extLst>
                 </a:gridCol>
                 <a:gridCol w="1589541">
                   <a:extLst>
                     <a:ext uri="{9D8B030D-6E8A-4147-A177-3AD203B41FA5}">
-                      <a16:colId xmlns:a16="http://schemas.microsoft.com/office/drawing/2014/main" xmlns="" val="20001"/>
+                      <a16:colId xmlns="" xmlns:a16="http://schemas.microsoft.com/office/drawing/2014/main" val="20001"/>
                     </a:ext>
                   </a:extLst>
                 </a:gridCol>
                 <a:gridCol w="1589541">
                   <a:extLst>
                     <a:ext uri="{9D8B030D-6E8A-4147-A177-3AD203B41FA5}">
-                      <a16:colId xmlns:a16="http://schemas.microsoft.com/office/drawing/2014/main" xmlns="" val="20003"/>
+                      <a16:colId xmlns="" xmlns:a16="http://schemas.microsoft.com/office/drawing/2014/main" val="20003"/>
                     </a:ext>
                   </a:extLst>
                 </a:gridCol>
                 <a:gridCol w="1677487">
                   <a:extLst>
                     <a:ext uri="{9D8B030D-6E8A-4147-A177-3AD203B41FA5}">
-                      <a16:colId xmlns:a16="http://schemas.microsoft.com/office/drawing/2014/main" xmlns="" val="20004"/>
+                      <a16:colId xmlns="" xmlns:a16="http://schemas.microsoft.com/office/drawing/2014/main" val="20004"/>
                     </a:ext>
                   </a:extLst>
                 </a:gridCol>
                 <a:gridCol w="1501594">
                   <a:extLst>
                     <a:ext uri="{9D8B030D-6E8A-4147-A177-3AD203B41FA5}">
-                      <a16:colId xmlns:a16="http://schemas.microsoft.com/office/drawing/2014/main" xmlns="" val="20005"/>
+                      <a16:colId xmlns="" xmlns:a16="http://schemas.microsoft.com/office/drawing/2014/main" val="20005"/>
                     </a:ext>
                   </a:extLst>
                 </a:gridCol>
                 <a:gridCol w="1924180">
                   <a:extLst>
                     <a:ext uri="{9D8B030D-6E8A-4147-A177-3AD203B41FA5}">
-                      <a16:colId xmlns:a16="http://schemas.microsoft.com/office/drawing/2014/main" xmlns="" val="20007"/>
+                      <a16:colId xmlns="" xmlns:a16="http://schemas.microsoft.com/office/drawing/2014/main" val="20007"/>
                     </a:ext>
                   </a:extLst>
                 </a:gridCol>
@@ -21502,7 +21726,7 @@
                 </a:tc>
                 <a:extLst>
                   <a:ext uri="{0D108BD9-81ED-4DB2-BD59-A6C34878D82A}">
-                    <a16:rowId xmlns:a16="http://schemas.microsoft.com/office/drawing/2014/main" xmlns="" val="10000"/>
+                    <a16:rowId xmlns="" xmlns:a16="http://schemas.microsoft.com/office/drawing/2014/main" val="10000"/>
                   </a:ext>
                 </a:extLst>
               </a:tr>
@@ -23688,42 +23912,42 @@
                 <a:gridCol w="1589541">
                   <a:extLst>
                     <a:ext uri="{9D8B030D-6E8A-4147-A177-3AD203B41FA5}">
-                      <a16:colId xmlns:a16="http://schemas.microsoft.com/office/drawing/2014/main" xmlns="" val="20000"/>
+                      <a16:colId xmlns="" xmlns:a16="http://schemas.microsoft.com/office/drawing/2014/main" val="20000"/>
                     </a:ext>
                   </a:extLst>
                 </a:gridCol>
                 <a:gridCol w="1589541">
                   <a:extLst>
                     <a:ext uri="{9D8B030D-6E8A-4147-A177-3AD203B41FA5}">
-                      <a16:colId xmlns:a16="http://schemas.microsoft.com/office/drawing/2014/main" xmlns="" val="20001"/>
+                      <a16:colId xmlns="" xmlns:a16="http://schemas.microsoft.com/office/drawing/2014/main" val="20001"/>
                     </a:ext>
                   </a:extLst>
                 </a:gridCol>
                 <a:gridCol w="1589541">
                   <a:extLst>
                     <a:ext uri="{9D8B030D-6E8A-4147-A177-3AD203B41FA5}">
-                      <a16:colId xmlns:a16="http://schemas.microsoft.com/office/drawing/2014/main" xmlns="" val="20003"/>
+                      <a16:colId xmlns="" xmlns:a16="http://schemas.microsoft.com/office/drawing/2014/main" val="20003"/>
                     </a:ext>
                   </a:extLst>
                 </a:gridCol>
                 <a:gridCol w="1677487">
                   <a:extLst>
                     <a:ext uri="{9D8B030D-6E8A-4147-A177-3AD203B41FA5}">
-                      <a16:colId xmlns:a16="http://schemas.microsoft.com/office/drawing/2014/main" xmlns="" val="20004"/>
+                      <a16:colId xmlns="" xmlns:a16="http://schemas.microsoft.com/office/drawing/2014/main" val="20004"/>
                     </a:ext>
                   </a:extLst>
                 </a:gridCol>
                 <a:gridCol w="1501594">
                   <a:extLst>
                     <a:ext uri="{9D8B030D-6E8A-4147-A177-3AD203B41FA5}">
-                      <a16:colId xmlns:a16="http://schemas.microsoft.com/office/drawing/2014/main" xmlns="" val="20005"/>
+                      <a16:colId xmlns="" xmlns:a16="http://schemas.microsoft.com/office/drawing/2014/main" val="20005"/>
                     </a:ext>
                   </a:extLst>
                 </a:gridCol>
                 <a:gridCol w="1924180">
                   <a:extLst>
                     <a:ext uri="{9D8B030D-6E8A-4147-A177-3AD203B41FA5}">
-                      <a16:colId xmlns:a16="http://schemas.microsoft.com/office/drawing/2014/main" xmlns="" val="20007"/>
+                      <a16:colId xmlns="" xmlns:a16="http://schemas.microsoft.com/office/drawing/2014/main" val="20007"/>
                     </a:ext>
                   </a:extLst>
                 </a:gridCol>
@@ -24081,7 +24305,7 @@
                 </a:tc>
                 <a:extLst>
                   <a:ext uri="{0D108BD9-81ED-4DB2-BD59-A6C34878D82A}">
-                    <a16:rowId xmlns:a16="http://schemas.microsoft.com/office/drawing/2014/main" xmlns="" val="10000"/>
+                    <a16:rowId xmlns="" xmlns:a16="http://schemas.microsoft.com/office/drawing/2014/main" val="10000"/>
                   </a:ext>
                 </a:extLst>
               </a:tr>
@@ -24988,42 +25212,42 @@
                 <a:gridCol w="1589541">
                   <a:extLst>
                     <a:ext uri="{9D8B030D-6E8A-4147-A177-3AD203B41FA5}">
-                      <a16:colId xmlns:a16="http://schemas.microsoft.com/office/drawing/2014/main" xmlns="" val="20000"/>
+                      <a16:colId xmlns="" xmlns:a16="http://schemas.microsoft.com/office/drawing/2014/main" val="20000"/>
                     </a:ext>
                   </a:extLst>
                 </a:gridCol>
                 <a:gridCol w="1589541">
                   <a:extLst>
                     <a:ext uri="{9D8B030D-6E8A-4147-A177-3AD203B41FA5}">
-                      <a16:colId xmlns:a16="http://schemas.microsoft.com/office/drawing/2014/main" xmlns="" val="20001"/>
+                      <a16:colId xmlns="" xmlns:a16="http://schemas.microsoft.com/office/drawing/2014/main" val="20001"/>
                     </a:ext>
                   </a:extLst>
                 </a:gridCol>
                 <a:gridCol w="1589541">
                   <a:extLst>
                     <a:ext uri="{9D8B030D-6E8A-4147-A177-3AD203B41FA5}">
-                      <a16:colId xmlns:a16="http://schemas.microsoft.com/office/drawing/2014/main" xmlns="" val="20003"/>
+                      <a16:colId xmlns="" xmlns:a16="http://schemas.microsoft.com/office/drawing/2014/main" val="20003"/>
                     </a:ext>
                   </a:extLst>
                 </a:gridCol>
                 <a:gridCol w="1677487">
                   <a:extLst>
                     <a:ext uri="{9D8B030D-6E8A-4147-A177-3AD203B41FA5}">
-                      <a16:colId xmlns:a16="http://schemas.microsoft.com/office/drawing/2014/main" xmlns="" val="20004"/>
+                      <a16:colId xmlns="" xmlns:a16="http://schemas.microsoft.com/office/drawing/2014/main" val="20004"/>
                     </a:ext>
                   </a:extLst>
                 </a:gridCol>
                 <a:gridCol w="1501594">
                   <a:extLst>
                     <a:ext uri="{9D8B030D-6E8A-4147-A177-3AD203B41FA5}">
-                      <a16:colId xmlns:a16="http://schemas.microsoft.com/office/drawing/2014/main" xmlns="" val="20005"/>
+                      <a16:colId xmlns="" xmlns:a16="http://schemas.microsoft.com/office/drawing/2014/main" val="20005"/>
                     </a:ext>
                   </a:extLst>
                 </a:gridCol>
                 <a:gridCol w="1924180">
                   <a:extLst>
                     <a:ext uri="{9D8B030D-6E8A-4147-A177-3AD203B41FA5}">
-                      <a16:colId xmlns:a16="http://schemas.microsoft.com/office/drawing/2014/main" xmlns="" val="20007"/>
+                      <a16:colId xmlns="" xmlns:a16="http://schemas.microsoft.com/office/drawing/2014/main" val="20007"/>
                     </a:ext>
                   </a:extLst>
                 </a:gridCol>
@@ -25381,7 +25605,7 @@
                 </a:tc>
                 <a:extLst>
                   <a:ext uri="{0D108BD9-81ED-4DB2-BD59-A6C34878D82A}">
-                    <a16:rowId xmlns:a16="http://schemas.microsoft.com/office/drawing/2014/main" xmlns="" val="10000"/>
+                    <a16:rowId xmlns="" xmlns:a16="http://schemas.microsoft.com/office/drawing/2014/main" val="10000"/>
                   </a:ext>
                 </a:extLst>
               </a:tr>
@@ -26233,42 +26457,42 @@
                 <a:gridCol w="1589541">
                   <a:extLst>
                     <a:ext uri="{9D8B030D-6E8A-4147-A177-3AD203B41FA5}">
-                      <a16:colId xmlns:a16="http://schemas.microsoft.com/office/drawing/2014/main" xmlns="" val="20000"/>
+                      <a16:colId xmlns="" xmlns:a16="http://schemas.microsoft.com/office/drawing/2014/main" val="20000"/>
                     </a:ext>
                   </a:extLst>
                 </a:gridCol>
                 <a:gridCol w="1589541">
                   <a:extLst>
                     <a:ext uri="{9D8B030D-6E8A-4147-A177-3AD203B41FA5}">
-                      <a16:colId xmlns:a16="http://schemas.microsoft.com/office/drawing/2014/main" xmlns="" val="20001"/>
+                      <a16:colId xmlns="" xmlns:a16="http://schemas.microsoft.com/office/drawing/2014/main" val="20001"/>
                     </a:ext>
                   </a:extLst>
                 </a:gridCol>
                 <a:gridCol w="1589541">
                   <a:extLst>
                     <a:ext uri="{9D8B030D-6E8A-4147-A177-3AD203B41FA5}">
-                      <a16:colId xmlns:a16="http://schemas.microsoft.com/office/drawing/2014/main" xmlns="" val="20003"/>
+                      <a16:colId xmlns="" xmlns:a16="http://schemas.microsoft.com/office/drawing/2014/main" val="20003"/>
                     </a:ext>
                   </a:extLst>
                 </a:gridCol>
                 <a:gridCol w="1677487">
                   <a:extLst>
                     <a:ext uri="{9D8B030D-6E8A-4147-A177-3AD203B41FA5}">
-                      <a16:colId xmlns:a16="http://schemas.microsoft.com/office/drawing/2014/main" xmlns="" val="20004"/>
+                      <a16:colId xmlns="" xmlns:a16="http://schemas.microsoft.com/office/drawing/2014/main" val="20004"/>
                     </a:ext>
                   </a:extLst>
                 </a:gridCol>
                 <a:gridCol w="1501594">
                   <a:extLst>
                     <a:ext uri="{9D8B030D-6E8A-4147-A177-3AD203B41FA5}">
-                      <a16:colId xmlns:a16="http://schemas.microsoft.com/office/drawing/2014/main" xmlns="" val="20005"/>
+                      <a16:colId xmlns="" xmlns:a16="http://schemas.microsoft.com/office/drawing/2014/main" val="20005"/>
                     </a:ext>
                   </a:extLst>
                 </a:gridCol>
                 <a:gridCol w="1924180">
                   <a:extLst>
                     <a:ext uri="{9D8B030D-6E8A-4147-A177-3AD203B41FA5}">
-                      <a16:colId xmlns:a16="http://schemas.microsoft.com/office/drawing/2014/main" xmlns="" val="20007"/>
+                      <a16:colId xmlns="" xmlns:a16="http://schemas.microsoft.com/office/drawing/2014/main" val="20007"/>
                     </a:ext>
                   </a:extLst>
                 </a:gridCol>
@@ -26626,7 +26850,7 @@
                 </a:tc>
                 <a:extLst>
                   <a:ext uri="{0D108BD9-81ED-4DB2-BD59-A6C34878D82A}">
-                    <a16:rowId xmlns:a16="http://schemas.microsoft.com/office/drawing/2014/main" xmlns="" val="10000"/>
+                    <a16:rowId xmlns="" xmlns:a16="http://schemas.microsoft.com/office/drawing/2014/main" val="10000"/>
                   </a:ext>
                 </a:extLst>
               </a:tr>
@@ -28328,42 +28552,42 @@
                 <a:gridCol w="1589541">
                   <a:extLst>
                     <a:ext uri="{9D8B030D-6E8A-4147-A177-3AD203B41FA5}">
-                      <a16:colId xmlns:a16="http://schemas.microsoft.com/office/drawing/2014/main" xmlns="" val="20000"/>
+                      <a16:colId xmlns="" xmlns:a16="http://schemas.microsoft.com/office/drawing/2014/main" val="20000"/>
                     </a:ext>
                   </a:extLst>
                 </a:gridCol>
                 <a:gridCol w="1589541">
                   <a:extLst>
                     <a:ext uri="{9D8B030D-6E8A-4147-A177-3AD203B41FA5}">
-                      <a16:colId xmlns:a16="http://schemas.microsoft.com/office/drawing/2014/main" xmlns="" val="20001"/>
+                      <a16:colId xmlns="" xmlns:a16="http://schemas.microsoft.com/office/drawing/2014/main" val="20001"/>
                     </a:ext>
                   </a:extLst>
                 </a:gridCol>
                 <a:gridCol w="1589541">
                   <a:extLst>
                     <a:ext uri="{9D8B030D-6E8A-4147-A177-3AD203B41FA5}">
-                      <a16:colId xmlns:a16="http://schemas.microsoft.com/office/drawing/2014/main" xmlns="" val="20003"/>
+                      <a16:colId xmlns="" xmlns:a16="http://schemas.microsoft.com/office/drawing/2014/main" val="20003"/>
                     </a:ext>
                   </a:extLst>
                 </a:gridCol>
                 <a:gridCol w="1677487">
                   <a:extLst>
                     <a:ext uri="{9D8B030D-6E8A-4147-A177-3AD203B41FA5}">
-                      <a16:colId xmlns:a16="http://schemas.microsoft.com/office/drawing/2014/main" xmlns="" val="20004"/>
+                      <a16:colId xmlns="" xmlns:a16="http://schemas.microsoft.com/office/drawing/2014/main" val="20004"/>
                     </a:ext>
                   </a:extLst>
                 </a:gridCol>
                 <a:gridCol w="1501594">
                   <a:extLst>
                     <a:ext uri="{9D8B030D-6E8A-4147-A177-3AD203B41FA5}">
-                      <a16:colId xmlns:a16="http://schemas.microsoft.com/office/drawing/2014/main" xmlns="" val="20005"/>
+                      <a16:colId xmlns="" xmlns:a16="http://schemas.microsoft.com/office/drawing/2014/main" val="20005"/>
                     </a:ext>
                   </a:extLst>
                 </a:gridCol>
                 <a:gridCol w="1924180">
                   <a:extLst>
                     <a:ext uri="{9D8B030D-6E8A-4147-A177-3AD203B41FA5}">
-                      <a16:colId xmlns:a16="http://schemas.microsoft.com/office/drawing/2014/main" xmlns="" val="20007"/>
+                      <a16:colId xmlns="" xmlns:a16="http://schemas.microsoft.com/office/drawing/2014/main" val="20007"/>
                     </a:ext>
                   </a:extLst>
                 </a:gridCol>
@@ -28721,7 +28945,7 @@
                 </a:tc>
                 <a:extLst>
                   <a:ext uri="{0D108BD9-81ED-4DB2-BD59-A6C34878D82A}">
-                    <a16:rowId xmlns:a16="http://schemas.microsoft.com/office/drawing/2014/main" xmlns="" val="10000"/>
+                    <a16:rowId xmlns="" xmlns:a16="http://schemas.microsoft.com/office/drawing/2014/main" val="10000"/>
                   </a:ext>
                 </a:extLst>
               </a:tr>
@@ -30424,42 +30648,42 @@
                 <a:gridCol w="1589541">
                   <a:extLst>
                     <a:ext uri="{9D8B030D-6E8A-4147-A177-3AD203B41FA5}">
-                      <a16:colId xmlns:a16="http://schemas.microsoft.com/office/drawing/2014/main" xmlns="" val="20000"/>
+                      <a16:colId xmlns="" xmlns:a16="http://schemas.microsoft.com/office/drawing/2014/main" val="20000"/>
                     </a:ext>
                   </a:extLst>
                 </a:gridCol>
                 <a:gridCol w="1589541">
                   <a:extLst>
                     <a:ext uri="{9D8B030D-6E8A-4147-A177-3AD203B41FA5}">
-                      <a16:colId xmlns:a16="http://schemas.microsoft.com/office/drawing/2014/main" xmlns="" val="20001"/>
+                      <a16:colId xmlns="" xmlns:a16="http://schemas.microsoft.com/office/drawing/2014/main" val="20001"/>
                     </a:ext>
                   </a:extLst>
                 </a:gridCol>
                 <a:gridCol w="1589541">
                   <a:extLst>
                     <a:ext uri="{9D8B030D-6E8A-4147-A177-3AD203B41FA5}">
-                      <a16:colId xmlns:a16="http://schemas.microsoft.com/office/drawing/2014/main" xmlns="" val="20003"/>
+                      <a16:colId xmlns="" xmlns:a16="http://schemas.microsoft.com/office/drawing/2014/main" val="20003"/>
                     </a:ext>
                   </a:extLst>
                 </a:gridCol>
                 <a:gridCol w="1677487">
                   <a:extLst>
                     <a:ext uri="{9D8B030D-6E8A-4147-A177-3AD203B41FA5}">
-                      <a16:colId xmlns:a16="http://schemas.microsoft.com/office/drawing/2014/main" xmlns="" val="20004"/>
+                      <a16:colId xmlns="" xmlns:a16="http://schemas.microsoft.com/office/drawing/2014/main" val="20004"/>
                     </a:ext>
                   </a:extLst>
                 </a:gridCol>
                 <a:gridCol w="1501594">
                   <a:extLst>
                     <a:ext uri="{9D8B030D-6E8A-4147-A177-3AD203B41FA5}">
-                      <a16:colId xmlns:a16="http://schemas.microsoft.com/office/drawing/2014/main" xmlns="" val="20005"/>
+                      <a16:colId xmlns="" xmlns:a16="http://schemas.microsoft.com/office/drawing/2014/main" val="20005"/>
                     </a:ext>
                   </a:extLst>
                 </a:gridCol>
                 <a:gridCol w="1924180">
                   <a:extLst>
                     <a:ext uri="{9D8B030D-6E8A-4147-A177-3AD203B41FA5}">
-                      <a16:colId xmlns:a16="http://schemas.microsoft.com/office/drawing/2014/main" xmlns="" val="20007"/>
+                      <a16:colId xmlns="" xmlns:a16="http://schemas.microsoft.com/office/drawing/2014/main" val="20007"/>
                     </a:ext>
                   </a:extLst>
                 </a:gridCol>
@@ -30817,7 +31041,7 @@
                 </a:tc>
                 <a:extLst>
                   <a:ext uri="{0D108BD9-81ED-4DB2-BD59-A6C34878D82A}">
-                    <a16:rowId xmlns:a16="http://schemas.microsoft.com/office/drawing/2014/main" xmlns="" val="10000"/>
+                    <a16:rowId xmlns="" xmlns:a16="http://schemas.microsoft.com/office/drawing/2014/main" val="10000"/>
                   </a:ext>
                 </a:extLst>
               </a:tr>
@@ -32277,42 +32501,42 @@
                 <a:gridCol w="1589541">
                   <a:extLst>
                     <a:ext uri="{9D8B030D-6E8A-4147-A177-3AD203B41FA5}">
-                      <a16:colId xmlns:a16="http://schemas.microsoft.com/office/drawing/2014/main" xmlns="" val="20000"/>
+                      <a16:colId xmlns="" xmlns:a16="http://schemas.microsoft.com/office/drawing/2014/main" val="20000"/>
                     </a:ext>
                   </a:extLst>
                 </a:gridCol>
                 <a:gridCol w="1589541">
                   <a:extLst>
                     <a:ext uri="{9D8B030D-6E8A-4147-A177-3AD203B41FA5}">
-                      <a16:colId xmlns:a16="http://schemas.microsoft.com/office/drawing/2014/main" xmlns="" val="20001"/>
+                      <a16:colId xmlns="" xmlns:a16="http://schemas.microsoft.com/office/drawing/2014/main" val="20001"/>
                     </a:ext>
                   </a:extLst>
                 </a:gridCol>
                 <a:gridCol w="1589541">
                   <a:extLst>
                     <a:ext uri="{9D8B030D-6E8A-4147-A177-3AD203B41FA5}">
-                      <a16:colId xmlns:a16="http://schemas.microsoft.com/office/drawing/2014/main" xmlns="" val="20003"/>
+                      <a16:colId xmlns="" xmlns:a16="http://schemas.microsoft.com/office/drawing/2014/main" val="20003"/>
                     </a:ext>
                   </a:extLst>
                 </a:gridCol>
                 <a:gridCol w="1677487">
                   <a:extLst>
                     <a:ext uri="{9D8B030D-6E8A-4147-A177-3AD203B41FA5}">
-                      <a16:colId xmlns:a16="http://schemas.microsoft.com/office/drawing/2014/main" xmlns="" val="20004"/>
+                      <a16:colId xmlns="" xmlns:a16="http://schemas.microsoft.com/office/drawing/2014/main" val="20004"/>
                     </a:ext>
                   </a:extLst>
                 </a:gridCol>
                 <a:gridCol w="1501594">
                   <a:extLst>
                     <a:ext uri="{9D8B030D-6E8A-4147-A177-3AD203B41FA5}">
-                      <a16:colId xmlns:a16="http://schemas.microsoft.com/office/drawing/2014/main" xmlns="" val="20005"/>
+                      <a16:colId xmlns="" xmlns:a16="http://schemas.microsoft.com/office/drawing/2014/main" val="20005"/>
                     </a:ext>
                   </a:extLst>
                 </a:gridCol>
                 <a:gridCol w="1924180">
                   <a:extLst>
                     <a:ext uri="{9D8B030D-6E8A-4147-A177-3AD203B41FA5}">
-                      <a16:colId xmlns:a16="http://schemas.microsoft.com/office/drawing/2014/main" xmlns="" val="20007"/>
+                      <a16:colId xmlns="" xmlns:a16="http://schemas.microsoft.com/office/drawing/2014/main" val="20007"/>
                     </a:ext>
                   </a:extLst>
                 </a:gridCol>
@@ -32670,7 +32894,7 @@
                 </a:tc>
                 <a:extLst>
                   <a:ext uri="{0D108BD9-81ED-4DB2-BD59-A6C34878D82A}">
-                    <a16:rowId xmlns:a16="http://schemas.microsoft.com/office/drawing/2014/main" xmlns="" val="10000"/>
+                    <a16:rowId xmlns="" xmlns:a16="http://schemas.microsoft.com/office/drawing/2014/main" val="10000"/>
                   </a:ext>
                 </a:extLst>
               </a:tr>
@@ -34117,42 +34341,42 @@
                 <a:gridCol w="1589541">
                   <a:extLst>
                     <a:ext uri="{9D8B030D-6E8A-4147-A177-3AD203B41FA5}">
-                      <a16:colId xmlns:a16="http://schemas.microsoft.com/office/drawing/2014/main" xmlns="" val="20000"/>
+                      <a16:colId xmlns="" xmlns:a16="http://schemas.microsoft.com/office/drawing/2014/main" val="20000"/>
                     </a:ext>
                   </a:extLst>
                 </a:gridCol>
                 <a:gridCol w="1589541">
                   <a:extLst>
                     <a:ext uri="{9D8B030D-6E8A-4147-A177-3AD203B41FA5}">
-                      <a16:colId xmlns:a16="http://schemas.microsoft.com/office/drawing/2014/main" xmlns="" val="20001"/>
+                      <a16:colId xmlns="" xmlns:a16="http://schemas.microsoft.com/office/drawing/2014/main" val="20001"/>
                     </a:ext>
                   </a:extLst>
                 </a:gridCol>
                 <a:gridCol w="1589541">
                   <a:extLst>
                     <a:ext uri="{9D8B030D-6E8A-4147-A177-3AD203B41FA5}">
-                      <a16:colId xmlns:a16="http://schemas.microsoft.com/office/drawing/2014/main" xmlns="" val="20003"/>
+                      <a16:colId xmlns="" xmlns:a16="http://schemas.microsoft.com/office/drawing/2014/main" val="20003"/>
                     </a:ext>
                   </a:extLst>
                 </a:gridCol>
                 <a:gridCol w="1677487">
                   <a:extLst>
                     <a:ext uri="{9D8B030D-6E8A-4147-A177-3AD203B41FA5}">
-                      <a16:colId xmlns:a16="http://schemas.microsoft.com/office/drawing/2014/main" xmlns="" val="20004"/>
+                      <a16:colId xmlns="" xmlns:a16="http://schemas.microsoft.com/office/drawing/2014/main" val="20004"/>
                     </a:ext>
                   </a:extLst>
                 </a:gridCol>
                 <a:gridCol w="1501594">
                   <a:extLst>
                     <a:ext uri="{9D8B030D-6E8A-4147-A177-3AD203B41FA5}">
-                      <a16:colId xmlns:a16="http://schemas.microsoft.com/office/drawing/2014/main" xmlns="" val="20005"/>
+                      <a16:colId xmlns="" xmlns:a16="http://schemas.microsoft.com/office/drawing/2014/main" val="20005"/>
                     </a:ext>
                   </a:extLst>
                 </a:gridCol>
                 <a:gridCol w="1924180">
                   <a:extLst>
                     <a:ext uri="{9D8B030D-6E8A-4147-A177-3AD203B41FA5}">
-                      <a16:colId xmlns:a16="http://schemas.microsoft.com/office/drawing/2014/main" xmlns="" val="20007"/>
+                      <a16:colId xmlns="" xmlns:a16="http://schemas.microsoft.com/office/drawing/2014/main" val="20007"/>
                     </a:ext>
                   </a:extLst>
                 </a:gridCol>
@@ -34510,7 +34734,7 @@
                 </a:tc>
                 <a:extLst>
                   <a:ext uri="{0D108BD9-81ED-4DB2-BD59-A6C34878D82A}">
-                    <a16:rowId xmlns:a16="http://schemas.microsoft.com/office/drawing/2014/main" xmlns="" val="10000"/>
+                    <a16:rowId xmlns="" xmlns:a16="http://schemas.microsoft.com/office/drawing/2014/main" val="10000"/>
                   </a:ext>
                 </a:extLst>
               </a:tr>
@@ -36116,42 +36340,42 @@
                 <a:gridCol w="1589541">
                   <a:extLst>
                     <a:ext uri="{9D8B030D-6E8A-4147-A177-3AD203B41FA5}">
-                      <a16:colId xmlns:a16="http://schemas.microsoft.com/office/drawing/2014/main" xmlns="" val="20000"/>
+                      <a16:colId xmlns="" xmlns:a16="http://schemas.microsoft.com/office/drawing/2014/main" val="20000"/>
                     </a:ext>
                   </a:extLst>
                 </a:gridCol>
                 <a:gridCol w="1589541">
                   <a:extLst>
                     <a:ext uri="{9D8B030D-6E8A-4147-A177-3AD203B41FA5}">
-                      <a16:colId xmlns:a16="http://schemas.microsoft.com/office/drawing/2014/main" xmlns="" val="20001"/>
+                      <a16:colId xmlns="" xmlns:a16="http://schemas.microsoft.com/office/drawing/2014/main" val="20001"/>
                     </a:ext>
                   </a:extLst>
                 </a:gridCol>
                 <a:gridCol w="1589541">
                   <a:extLst>
                     <a:ext uri="{9D8B030D-6E8A-4147-A177-3AD203B41FA5}">
-                      <a16:colId xmlns:a16="http://schemas.microsoft.com/office/drawing/2014/main" xmlns="" val="20003"/>
+                      <a16:colId xmlns="" xmlns:a16="http://schemas.microsoft.com/office/drawing/2014/main" val="20003"/>
                     </a:ext>
                   </a:extLst>
                 </a:gridCol>
                 <a:gridCol w="1677487">
                   <a:extLst>
                     <a:ext uri="{9D8B030D-6E8A-4147-A177-3AD203B41FA5}">
-                      <a16:colId xmlns:a16="http://schemas.microsoft.com/office/drawing/2014/main" xmlns="" val="20004"/>
+                      <a16:colId xmlns="" xmlns:a16="http://schemas.microsoft.com/office/drawing/2014/main" val="20004"/>
                     </a:ext>
                   </a:extLst>
                 </a:gridCol>
                 <a:gridCol w="1501594">
                   <a:extLst>
                     <a:ext uri="{9D8B030D-6E8A-4147-A177-3AD203B41FA5}">
-                      <a16:colId xmlns:a16="http://schemas.microsoft.com/office/drawing/2014/main" xmlns="" val="20005"/>
+                      <a16:colId xmlns="" xmlns:a16="http://schemas.microsoft.com/office/drawing/2014/main" val="20005"/>
                     </a:ext>
                   </a:extLst>
                 </a:gridCol>
                 <a:gridCol w="1924180">
                   <a:extLst>
                     <a:ext uri="{9D8B030D-6E8A-4147-A177-3AD203B41FA5}">
-                      <a16:colId xmlns:a16="http://schemas.microsoft.com/office/drawing/2014/main" xmlns="" val="20007"/>
+                      <a16:colId xmlns="" xmlns:a16="http://schemas.microsoft.com/office/drawing/2014/main" val="20007"/>
                     </a:ext>
                   </a:extLst>
                 </a:gridCol>
@@ -36509,7 +36733,7 @@
                 </a:tc>
                 <a:extLst>
                   <a:ext uri="{0D108BD9-81ED-4DB2-BD59-A6C34878D82A}">
-                    <a16:rowId xmlns:a16="http://schemas.microsoft.com/office/drawing/2014/main" xmlns="" val="10000"/>
+                    <a16:rowId xmlns="" xmlns:a16="http://schemas.microsoft.com/office/drawing/2014/main" val="10000"/>
                   </a:ext>
                 </a:extLst>
               </a:tr>
@@ -37015,42 +37239,42 @@
                 <a:gridCol w="1589541">
                   <a:extLst>
                     <a:ext uri="{9D8B030D-6E8A-4147-A177-3AD203B41FA5}">
-                      <a16:colId xmlns:a16="http://schemas.microsoft.com/office/drawing/2014/main" xmlns="" val="20000"/>
+                      <a16:colId xmlns="" xmlns:a16="http://schemas.microsoft.com/office/drawing/2014/main" val="20000"/>
                     </a:ext>
                   </a:extLst>
                 </a:gridCol>
                 <a:gridCol w="1589541">
                   <a:extLst>
                     <a:ext uri="{9D8B030D-6E8A-4147-A177-3AD203B41FA5}">
-                      <a16:colId xmlns:a16="http://schemas.microsoft.com/office/drawing/2014/main" xmlns="" val="20001"/>
+                      <a16:colId xmlns="" xmlns:a16="http://schemas.microsoft.com/office/drawing/2014/main" val="20001"/>
                     </a:ext>
                   </a:extLst>
                 </a:gridCol>
                 <a:gridCol w="1589541">
                   <a:extLst>
                     <a:ext uri="{9D8B030D-6E8A-4147-A177-3AD203B41FA5}">
-                      <a16:colId xmlns:a16="http://schemas.microsoft.com/office/drawing/2014/main" xmlns="" val="20003"/>
+                      <a16:colId xmlns="" xmlns:a16="http://schemas.microsoft.com/office/drawing/2014/main" val="20003"/>
                     </a:ext>
                   </a:extLst>
                 </a:gridCol>
                 <a:gridCol w="1677487">
                   <a:extLst>
                     <a:ext uri="{9D8B030D-6E8A-4147-A177-3AD203B41FA5}">
-                      <a16:colId xmlns:a16="http://schemas.microsoft.com/office/drawing/2014/main" xmlns="" val="20004"/>
+                      <a16:colId xmlns="" xmlns:a16="http://schemas.microsoft.com/office/drawing/2014/main" val="20004"/>
                     </a:ext>
                   </a:extLst>
                 </a:gridCol>
                 <a:gridCol w="1501594">
                   <a:extLst>
                     <a:ext uri="{9D8B030D-6E8A-4147-A177-3AD203B41FA5}">
-                      <a16:colId xmlns:a16="http://schemas.microsoft.com/office/drawing/2014/main" xmlns="" val="20005"/>
+                      <a16:colId xmlns="" xmlns:a16="http://schemas.microsoft.com/office/drawing/2014/main" val="20005"/>
                     </a:ext>
                   </a:extLst>
                 </a:gridCol>
                 <a:gridCol w="1924180">
                   <a:extLst>
                     <a:ext uri="{9D8B030D-6E8A-4147-A177-3AD203B41FA5}">
-                      <a16:colId xmlns:a16="http://schemas.microsoft.com/office/drawing/2014/main" xmlns="" val="20007"/>
+                      <a16:colId xmlns="" xmlns:a16="http://schemas.microsoft.com/office/drawing/2014/main" val="20007"/>
                     </a:ext>
                   </a:extLst>
                 </a:gridCol>
@@ -37408,7 +37632,7 @@
                 </a:tc>
                 <a:extLst>
                   <a:ext uri="{0D108BD9-81ED-4DB2-BD59-A6C34878D82A}">
-                    <a16:rowId xmlns:a16="http://schemas.microsoft.com/office/drawing/2014/main" xmlns="" val="10000"/>
+                    <a16:rowId xmlns="" xmlns:a16="http://schemas.microsoft.com/office/drawing/2014/main" val="10000"/>
                   </a:ext>
                 </a:extLst>
               </a:tr>

--- a/시스템분석설계ppt.pptx
+++ b/시스템분석설계ppt.pptx
@@ -4212,42 +4212,42 @@
                 <a:gridCol w="1589541">
                   <a:extLst>
                     <a:ext uri="{9D8B030D-6E8A-4147-A177-3AD203B41FA5}">
-                      <a16:colId xmlns="" xmlns:a16="http://schemas.microsoft.com/office/drawing/2014/main" val="20000"/>
+                      <a16:colId xmlns:a16="http://schemas.microsoft.com/office/drawing/2014/main" xmlns="" val="20000"/>
                     </a:ext>
                   </a:extLst>
                 </a:gridCol>
                 <a:gridCol w="1589541">
                   <a:extLst>
                     <a:ext uri="{9D8B030D-6E8A-4147-A177-3AD203B41FA5}">
-                      <a16:colId xmlns="" xmlns:a16="http://schemas.microsoft.com/office/drawing/2014/main" val="20001"/>
+                      <a16:colId xmlns:a16="http://schemas.microsoft.com/office/drawing/2014/main" xmlns="" val="20001"/>
                     </a:ext>
                   </a:extLst>
                 </a:gridCol>
                 <a:gridCol w="1589541">
                   <a:extLst>
                     <a:ext uri="{9D8B030D-6E8A-4147-A177-3AD203B41FA5}">
-                      <a16:colId xmlns="" xmlns:a16="http://schemas.microsoft.com/office/drawing/2014/main" val="20003"/>
+                      <a16:colId xmlns:a16="http://schemas.microsoft.com/office/drawing/2014/main" xmlns="" val="20003"/>
                     </a:ext>
                   </a:extLst>
                 </a:gridCol>
                 <a:gridCol w="1677487">
                   <a:extLst>
                     <a:ext uri="{9D8B030D-6E8A-4147-A177-3AD203B41FA5}">
-                      <a16:colId xmlns="" xmlns:a16="http://schemas.microsoft.com/office/drawing/2014/main" val="20004"/>
+                      <a16:colId xmlns:a16="http://schemas.microsoft.com/office/drawing/2014/main" xmlns="" val="20004"/>
                     </a:ext>
                   </a:extLst>
                 </a:gridCol>
                 <a:gridCol w="1501594">
                   <a:extLst>
                     <a:ext uri="{9D8B030D-6E8A-4147-A177-3AD203B41FA5}">
-                      <a16:colId xmlns="" xmlns:a16="http://schemas.microsoft.com/office/drawing/2014/main" val="20005"/>
+                      <a16:colId xmlns:a16="http://schemas.microsoft.com/office/drawing/2014/main" xmlns="" val="20005"/>
                     </a:ext>
                   </a:extLst>
                 </a:gridCol>
                 <a:gridCol w="1924180">
                   <a:extLst>
                     <a:ext uri="{9D8B030D-6E8A-4147-A177-3AD203B41FA5}">
-                      <a16:colId xmlns="" xmlns:a16="http://schemas.microsoft.com/office/drawing/2014/main" val="20007"/>
+                      <a16:colId xmlns:a16="http://schemas.microsoft.com/office/drawing/2014/main" xmlns="" val="20007"/>
                     </a:ext>
                   </a:extLst>
                 </a:gridCol>
@@ -4605,7 +4605,7 @@
                 </a:tc>
                 <a:extLst>
                   <a:ext uri="{0D108BD9-81ED-4DB2-BD59-A6C34878D82A}">
-                    <a16:rowId xmlns="" xmlns:a16="http://schemas.microsoft.com/office/drawing/2014/main" val="10000"/>
+                    <a16:rowId xmlns:a16="http://schemas.microsoft.com/office/drawing/2014/main" xmlns="" val="10000"/>
                   </a:ext>
                 </a:extLst>
               </a:tr>
@@ -5217,7 +5217,7 @@
             <a:avLst/>
           </a:prstGeom>
           <a:solidFill>
-            <a:srgbClr val="F9FF26"/>
+            <a:srgbClr val="FC8089"/>
           </a:solidFill>
           <a:ln>
             <a:noFill/>
@@ -5266,7 +5266,7 @@
             <a:avLst/>
           </a:prstGeom>
           <a:solidFill>
-            <a:srgbClr val="F9FF26"/>
+            <a:srgbClr val="FC8089"/>
           </a:solidFill>
           <a:ln>
             <a:noFill/>
@@ -5625,42 +5625,42 @@
                 <a:gridCol w="1589541">
                   <a:extLst>
                     <a:ext uri="{9D8B030D-6E8A-4147-A177-3AD203B41FA5}">
-                      <a16:colId xmlns="" xmlns:a16="http://schemas.microsoft.com/office/drawing/2014/main" val="20000"/>
+                      <a16:colId xmlns:a16="http://schemas.microsoft.com/office/drawing/2014/main" xmlns="" val="20000"/>
                     </a:ext>
                   </a:extLst>
                 </a:gridCol>
                 <a:gridCol w="1589541">
                   <a:extLst>
                     <a:ext uri="{9D8B030D-6E8A-4147-A177-3AD203B41FA5}">
-                      <a16:colId xmlns="" xmlns:a16="http://schemas.microsoft.com/office/drawing/2014/main" val="20001"/>
+                      <a16:colId xmlns:a16="http://schemas.microsoft.com/office/drawing/2014/main" xmlns="" val="20001"/>
                     </a:ext>
                   </a:extLst>
                 </a:gridCol>
                 <a:gridCol w="1589541">
                   <a:extLst>
                     <a:ext uri="{9D8B030D-6E8A-4147-A177-3AD203B41FA5}">
-                      <a16:colId xmlns="" xmlns:a16="http://schemas.microsoft.com/office/drawing/2014/main" val="20003"/>
+                      <a16:colId xmlns:a16="http://schemas.microsoft.com/office/drawing/2014/main" xmlns="" val="20003"/>
                     </a:ext>
                   </a:extLst>
                 </a:gridCol>
                 <a:gridCol w="1677487">
                   <a:extLst>
                     <a:ext uri="{9D8B030D-6E8A-4147-A177-3AD203B41FA5}">
-                      <a16:colId xmlns="" xmlns:a16="http://schemas.microsoft.com/office/drawing/2014/main" val="20004"/>
+                      <a16:colId xmlns:a16="http://schemas.microsoft.com/office/drawing/2014/main" xmlns="" val="20004"/>
                     </a:ext>
                   </a:extLst>
                 </a:gridCol>
                 <a:gridCol w="1501594">
                   <a:extLst>
                     <a:ext uri="{9D8B030D-6E8A-4147-A177-3AD203B41FA5}">
-                      <a16:colId xmlns="" xmlns:a16="http://schemas.microsoft.com/office/drawing/2014/main" val="20005"/>
+                      <a16:colId xmlns:a16="http://schemas.microsoft.com/office/drawing/2014/main" xmlns="" val="20005"/>
                     </a:ext>
                   </a:extLst>
                 </a:gridCol>
                 <a:gridCol w="1924180">
                   <a:extLst>
                     <a:ext uri="{9D8B030D-6E8A-4147-A177-3AD203B41FA5}">
-                      <a16:colId xmlns="" xmlns:a16="http://schemas.microsoft.com/office/drawing/2014/main" val="20007"/>
+                      <a16:colId xmlns:a16="http://schemas.microsoft.com/office/drawing/2014/main" xmlns="" val="20007"/>
                     </a:ext>
                   </a:extLst>
                 </a:gridCol>
@@ -6018,7 +6018,7 @@
                 </a:tc>
                 <a:extLst>
                   <a:ext uri="{0D108BD9-81ED-4DB2-BD59-A6C34878D82A}">
-                    <a16:rowId xmlns="" xmlns:a16="http://schemas.microsoft.com/office/drawing/2014/main" val="10000"/>
+                    <a16:rowId xmlns:a16="http://schemas.microsoft.com/office/drawing/2014/main" xmlns="" val="10000"/>
                   </a:ext>
                 </a:extLst>
               </a:tr>
@@ -6568,7 +6568,7 @@
             <a:avLst/>
           </a:prstGeom>
           <a:solidFill>
-            <a:srgbClr val="F9FF26"/>
+            <a:srgbClr val="FC8089"/>
           </a:solidFill>
           <a:ln>
             <a:noFill/>
@@ -6917,42 +6917,42 @@
                 <a:gridCol w="1589541">
                   <a:extLst>
                     <a:ext uri="{9D8B030D-6E8A-4147-A177-3AD203B41FA5}">
-                      <a16:colId xmlns="" xmlns:a16="http://schemas.microsoft.com/office/drawing/2014/main" val="20000"/>
+                      <a16:colId xmlns:a16="http://schemas.microsoft.com/office/drawing/2014/main" xmlns="" val="20000"/>
                     </a:ext>
                   </a:extLst>
                 </a:gridCol>
                 <a:gridCol w="1589541">
                   <a:extLst>
                     <a:ext uri="{9D8B030D-6E8A-4147-A177-3AD203B41FA5}">
-                      <a16:colId xmlns="" xmlns:a16="http://schemas.microsoft.com/office/drawing/2014/main" val="20001"/>
+                      <a16:colId xmlns:a16="http://schemas.microsoft.com/office/drawing/2014/main" xmlns="" val="20001"/>
                     </a:ext>
                   </a:extLst>
                 </a:gridCol>
                 <a:gridCol w="1589541">
                   <a:extLst>
                     <a:ext uri="{9D8B030D-6E8A-4147-A177-3AD203B41FA5}">
-                      <a16:colId xmlns="" xmlns:a16="http://schemas.microsoft.com/office/drawing/2014/main" val="20003"/>
+                      <a16:colId xmlns:a16="http://schemas.microsoft.com/office/drawing/2014/main" xmlns="" val="20003"/>
                     </a:ext>
                   </a:extLst>
                 </a:gridCol>
                 <a:gridCol w="1677487">
                   <a:extLst>
                     <a:ext uri="{9D8B030D-6E8A-4147-A177-3AD203B41FA5}">
-                      <a16:colId xmlns="" xmlns:a16="http://schemas.microsoft.com/office/drawing/2014/main" val="20004"/>
+                      <a16:colId xmlns:a16="http://schemas.microsoft.com/office/drawing/2014/main" xmlns="" val="20004"/>
                     </a:ext>
                   </a:extLst>
                 </a:gridCol>
                 <a:gridCol w="1501594">
                   <a:extLst>
                     <a:ext uri="{9D8B030D-6E8A-4147-A177-3AD203B41FA5}">
-                      <a16:colId xmlns="" xmlns:a16="http://schemas.microsoft.com/office/drawing/2014/main" val="20005"/>
+                      <a16:colId xmlns:a16="http://schemas.microsoft.com/office/drawing/2014/main" xmlns="" val="20005"/>
                     </a:ext>
                   </a:extLst>
                 </a:gridCol>
                 <a:gridCol w="1924180">
                   <a:extLst>
                     <a:ext uri="{9D8B030D-6E8A-4147-A177-3AD203B41FA5}">
-                      <a16:colId xmlns="" xmlns:a16="http://schemas.microsoft.com/office/drawing/2014/main" val="20007"/>
+                      <a16:colId xmlns:a16="http://schemas.microsoft.com/office/drawing/2014/main" xmlns="" val="20007"/>
                     </a:ext>
                   </a:extLst>
                 </a:gridCol>
@@ -7310,7 +7310,7 @@
                 </a:tc>
                 <a:extLst>
                   <a:ext uri="{0D108BD9-81ED-4DB2-BD59-A6C34878D82A}">
-                    <a16:rowId xmlns="" xmlns:a16="http://schemas.microsoft.com/office/drawing/2014/main" val="10000"/>
+                    <a16:rowId xmlns:a16="http://schemas.microsoft.com/office/drawing/2014/main" xmlns="" val="10000"/>
                   </a:ext>
                 </a:extLst>
               </a:tr>
@@ -7778,7 +7778,7 @@
             <a:avLst/>
           </a:prstGeom>
           <a:solidFill>
-            <a:srgbClr val="F9FF26"/>
+            <a:srgbClr val="FC8089"/>
           </a:solidFill>
           <a:ln>
             <a:noFill/>
@@ -8075,42 +8075,42 @@
                 <a:gridCol w="1589541">
                   <a:extLst>
                     <a:ext uri="{9D8B030D-6E8A-4147-A177-3AD203B41FA5}">
-                      <a16:colId xmlns="" xmlns:a16="http://schemas.microsoft.com/office/drawing/2014/main" val="20000"/>
+                      <a16:colId xmlns:a16="http://schemas.microsoft.com/office/drawing/2014/main" xmlns="" val="20000"/>
                     </a:ext>
                   </a:extLst>
                 </a:gridCol>
                 <a:gridCol w="1589541">
                   <a:extLst>
                     <a:ext uri="{9D8B030D-6E8A-4147-A177-3AD203B41FA5}">
-                      <a16:colId xmlns="" xmlns:a16="http://schemas.microsoft.com/office/drawing/2014/main" val="20001"/>
+                      <a16:colId xmlns:a16="http://schemas.microsoft.com/office/drawing/2014/main" xmlns="" val="20001"/>
                     </a:ext>
                   </a:extLst>
                 </a:gridCol>
                 <a:gridCol w="1589541">
                   <a:extLst>
                     <a:ext uri="{9D8B030D-6E8A-4147-A177-3AD203B41FA5}">
-                      <a16:colId xmlns="" xmlns:a16="http://schemas.microsoft.com/office/drawing/2014/main" val="20003"/>
+                      <a16:colId xmlns:a16="http://schemas.microsoft.com/office/drawing/2014/main" xmlns="" val="20003"/>
                     </a:ext>
                   </a:extLst>
                 </a:gridCol>
                 <a:gridCol w="1677487">
                   <a:extLst>
                     <a:ext uri="{9D8B030D-6E8A-4147-A177-3AD203B41FA5}">
-                      <a16:colId xmlns="" xmlns:a16="http://schemas.microsoft.com/office/drawing/2014/main" val="20004"/>
+                      <a16:colId xmlns:a16="http://schemas.microsoft.com/office/drawing/2014/main" xmlns="" val="20004"/>
                     </a:ext>
                   </a:extLst>
                 </a:gridCol>
                 <a:gridCol w="1501594">
                   <a:extLst>
                     <a:ext uri="{9D8B030D-6E8A-4147-A177-3AD203B41FA5}">
-                      <a16:colId xmlns="" xmlns:a16="http://schemas.microsoft.com/office/drawing/2014/main" val="20005"/>
+                      <a16:colId xmlns:a16="http://schemas.microsoft.com/office/drawing/2014/main" xmlns="" val="20005"/>
                     </a:ext>
                   </a:extLst>
                 </a:gridCol>
                 <a:gridCol w="1924180">
                   <a:extLst>
                     <a:ext uri="{9D8B030D-6E8A-4147-A177-3AD203B41FA5}">
-                      <a16:colId xmlns="" xmlns:a16="http://schemas.microsoft.com/office/drawing/2014/main" val="20007"/>
+                      <a16:colId xmlns:a16="http://schemas.microsoft.com/office/drawing/2014/main" xmlns="" val="20007"/>
                     </a:ext>
                   </a:extLst>
                 </a:gridCol>
@@ -8468,7 +8468,7 @@
                 </a:tc>
                 <a:extLst>
                   <a:ext uri="{0D108BD9-81ED-4DB2-BD59-A6C34878D82A}">
-                    <a16:rowId xmlns="" xmlns:a16="http://schemas.microsoft.com/office/drawing/2014/main" val="10000"/>
+                    <a16:rowId xmlns:a16="http://schemas.microsoft.com/office/drawing/2014/main" xmlns="" val="10000"/>
                   </a:ext>
                 </a:extLst>
               </a:tr>
@@ -9038,7 +9038,7 @@
             <a:avLst/>
           </a:prstGeom>
           <a:solidFill>
-            <a:srgbClr val="F9FF26"/>
+            <a:srgbClr val="FC8089"/>
           </a:solidFill>
           <a:ln>
             <a:noFill/>
@@ -9382,42 +9382,42 @@
                 <a:gridCol w="1589541">
                   <a:extLst>
                     <a:ext uri="{9D8B030D-6E8A-4147-A177-3AD203B41FA5}">
-                      <a16:colId xmlns="" xmlns:a16="http://schemas.microsoft.com/office/drawing/2014/main" val="20000"/>
+                      <a16:colId xmlns:a16="http://schemas.microsoft.com/office/drawing/2014/main" xmlns="" val="20000"/>
                     </a:ext>
                   </a:extLst>
                 </a:gridCol>
                 <a:gridCol w="1589541">
                   <a:extLst>
                     <a:ext uri="{9D8B030D-6E8A-4147-A177-3AD203B41FA5}">
-                      <a16:colId xmlns="" xmlns:a16="http://schemas.microsoft.com/office/drawing/2014/main" val="20001"/>
+                      <a16:colId xmlns:a16="http://schemas.microsoft.com/office/drawing/2014/main" xmlns="" val="20001"/>
                     </a:ext>
                   </a:extLst>
                 </a:gridCol>
                 <a:gridCol w="1589541">
                   <a:extLst>
                     <a:ext uri="{9D8B030D-6E8A-4147-A177-3AD203B41FA5}">
-                      <a16:colId xmlns="" xmlns:a16="http://schemas.microsoft.com/office/drawing/2014/main" val="20003"/>
+                      <a16:colId xmlns:a16="http://schemas.microsoft.com/office/drawing/2014/main" xmlns="" val="20003"/>
                     </a:ext>
                   </a:extLst>
                 </a:gridCol>
                 <a:gridCol w="1677487">
                   <a:extLst>
                     <a:ext uri="{9D8B030D-6E8A-4147-A177-3AD203B41FA5}">
-                      <a16:colId xmlns="" xmlns:a16="http://schemas.microsoft.com/office/drawing/2014/main" val="20004"/>
+                      <a16:colId xmlns:a16="http://schemas.microsoft.com/office/drawing/2014/main" xmlns="" val="20004"/>
                     </a:ext>
                   </a:extLst>
                 </a:gridCol>
                 <a:gridCol w="1501594">
                   <a:extLst>
                     <a:ext uri="{9D8B030D-6E8A-4147-A177-3AD203B41FA5}">
-                      <a16:colId xmlns="" xmlns:a16="http://schemas.microsoft.com/office/drawing/2014/main" val="20005"/>
+                      <a16:colId xmlns:a16="http://schemas.microsoft.com/office/drawing/2014/main" xmlns="" val="20005"/>
                     </a:ext>
                   </a:extLst>
                 </a:gridCol>
                 <a:gridCol w="1924180">
                   <a:extLst>
                     <a:ext uri="{9D8B030D-6E8A-4147-A177-3AD203B41FA5}">
-                      <a16:colId xmlns="" xmlns:a16="http://schemas.microsoft.com/office/drawing/2014/main" val="20007"/>
+                      <a16:colId xmlns:a16="http://schemas.microsoft.com/office/drawing/2014/main" xmlns="" val="20007"/>
                     </a:ext>
                   </a:extLst>
                 </a:gridCol>
@@ -9775,7 +9775,7 @@
                 </a:tc>
                 <a:extLst>
                   <a:ext uri="{0D108BD9-81ED-4DB2-BD59-A6C34878D82A}">
-                    <a16:rowId xmlns="" xmlns:a16="http://schemas.microsoft.com/office/drawing/2014/main" val="10000"/>
+                    <a16:rowId xmlns:a16="http://schemas.microsoft.com/office/drawing/2014/main" xmlns="" val="10000"/>
                   </a:ext>
                 </a:extLst>
               </a:tr>
@@ -10263,7 +10263,7 @@
             <a:avLst/>
           </a:prstGeom>
           <a:solidFill>
-            <a:srgbClr val="F9FF26"/>
+            <a:srgbClr val="FC8089"/>
           </a:solidFill>
           <a:ln>
             <a:noFill/>
@@ -10560,42 +10560,42 @@
                 <a:gridCol w="1589541">
                   <a:extLst>
                     <a:ext uri="{9D8B030D-6E8A-4147-A177-3AD203B41FA5}">
-                      <a16:colId xmlns="" xmlns:a16="http://schemas.microsoft.com/office/drawing/2014/main" val="20000"/>
+                      <a16:colId xmlns:a16="http://schemas.microsoft.com/office/drawing/2014/main" xmlns="" val="20000"/>
                     </a:ext>
                   </a:extLst>
                 </a:gridCol>
                 <a:gridCol w="1589541">
                   <a:extLst>
                     <a:ext uri="{9D8B030D-6E8A-4147-A177-3AD203B41FA5}">
-                      <a16:colId xmlns="" xmlns:a16="http://schemas.microsoft.com/office/drawing/2014/main" val="20001"/>
+                      <a16:colId xmlns:a16="http://schemas.microsoft.com/office/drawing/2014/main" xmlns="" val="20001"/>
                     </a:ext>
                   </a:extLst>
                 </a:gridCol>
                 <a:gridCol w="1589541">
                   <a:extLst>
                     <a:ext uri="{9D8B030D-6E8A-4147-A177-3AD203B41FA5}">
-                      <a16:colId xmlns="" xmlns:a16="http://schemas.microsoft.com/office/drawing/2014/main" val="20003"/>
+                      <a16:colId xmlns:a16="http://schemas.microsoft.com/office/drawing/2014/main" xmlns="" val="20003"/>
                     </a:ext>
                   </a:extLst>
                 </a:gridCol>
                 <a:gridCol w="1677487">
                   <a:extLst>
                     <a:ext uri="{9D8B030D-6E8A-4147-A177-3AD203B41FA5}">
-                      <a16:colId xmlns="" xmlns:a16="http://schemas.microsoft.com/office/drawing/2014/main" val="20004"/>
+                      <a16:colId xmlns:a16="http://schemas.microsoft.com/office/drawing/2014/main" xmlns="" val="20004"/>
                     </a:ext>
                   </a:extLst>
                 </a:gridCol>
                 <a:gridCol w="1501594">
                   <a:extLst>
                     <a:ext uri="{9D8B030D-6E8A-4147-A177-3AD203B41FA5}">
-                      <a16:colId xmlns="" xmlns:a16="http://schemas.microsoft.com/office/drawing/2014/main" val="20005"/>
+                      <a16:colId xmlns:a16="http://schemas.microsoft.com/office/drawing/2014/main" xmlns="" val="20005"/>
                     </a:ext>
                   </a:extLst>
                 </a:gridCol>
                 <a:gridCol w="1924180">
                   <a:extLst>
                     <a:ext uri="{9D8B030D-6E8A-4147-A177-3AD203B41FA5}">
-                      <a16:colId xmlns="" xmlns:a16="http://schemas.microsoft.com/office/drawing/2014/main" val="20007"/>
+                      <a16:colId xmlns:a16="http://schemas.microsoft.com/office/drawing/2014/main" xmlns="" val="20007"/>
                     </a:ext>
                   </a:extLst>
                 </a:gridCol>
@@ -10953,7 +10953,7 @@
                 </a:tc>
                 <a:extLst>
                   <a:ext uri="{0D108BD9-81ED-4DB2-BD59-A6C34878D82A}">
-                    <a16:rowId xmlns="" xmlns:a16="http://schemas.microsoft.com/office/drawing/2014/main" val="10000"/>
+                    <a16:rowId xmlns:a16="http://schemas.microsoft.com/office/drawing/2014/main" xmlns="" val="10000"/>
                   </a:ext>
                 </a:extLst>
               </a:tr>
@@ -11773,42 +11773,42 @@
                 <a:gridCol w="1589541">
                   <a:extLst>
                     <a:ext uri="{9D8B030D-6E8A-4147-A177-3AD203B41FA5}">
-                      <a16:colId xmlns="" xmlns:a16="http://schemas.microsoft.com/office/drawing/2014/main" val="20000"/>
+                      <a16:colId xmlns:a16="http://schemas.microsoft.com/office/drawing/2014/main" xmlns="" val="20000"/>
                     </a:ext>
                   </a:extLst>
                 </a:gridCol>
                 <a:gridCol w="1589541">
                   <a:extLst>
                     <a:ext uri="{9D8B030D-6E8A-4147-A177-3AD203B41FA5}">
-                      <a16:colId xmlns="" xmlns:a16="http://schemas.microsoft.com/office/drawing/2014/main" val="20001"/>
+                      <a16:colId xmlns:a16="http://schemas.microsoft.com/office/drawing/2014/main" xmlns="" val="20001"/>
                     </a:ext>
                   </a:extLst>
                 </a:gridCol>
                 <a:gridCol w="1589541">
                   <a:extLst>
                     <a:ext uri="{9D8B030D-6E8A-4147-A177-3AD203B41FA5}">
-                      <a16:colId xmlns="" xmlns:a16="http://schemas.microsoft.com/office/drawing/2014/main" val="20003"/>
+                      <a16:colId xmlns:a16="http://schemas.microsoft.com/office/drawing/2014/main" xmlns="" val="20003"/>
                     </a:ext>
                   </a:extLst>
                 </a:gridCol>
                 <a:gridCol w="1677487">
                   <a:extLst>
                     <a:ext uri="{9D8B030D-6E8A-4147-A177-3AD203B41FA5}">
-                      <a16:colId xmlns="" xmlns:a16="http://schemas.microsoft.com/office/drawing/2014/main" val="20004"/>
+                      <a16:colId xmlns:a16="http://schemas.microsoft.com/office/drawing/2014/main" xmlns="" val="20004"/>
                     </a:ext>
                   </a:extLst>
                 </a:gridCol>
                 <a:gridCol w="1501594">
                   <a:extLst>
                     <a:ext uri="{9D8B030D-6E8A-4147-A177-3AD203B41FA5}">
-                      <a16:colId xmlns="" xmlns:a16="http://schemas.microsoft.com/office/drawing/2014/main" val="20005"/>
+                      <a16:colId xmlns:a16="http://schemas.microsoft.com/office/drawing/2014/main" xmlns="" val="20005"/>
                     </a:ext>
                   </a:extLst>
                 </a:gridCol>
                 <a:gridCol w="1924180">
                   <a:extLst>
                     <a:ext uri="{9D8B030D-6E8A-4147-A177-3AD203B41FA5}">
-                      <a16:colId xmlns="" xmlns:a16="http://schemas.microsoft.com/office/drawing/2014/main" val="20007"/>
+                      <a16:colId xmlns:a16="http://schemas.microsoft.com/office/drawing/2014/main" xmlns="" val="20007"/>
                     </a:ext>
                   </a:extLst>
                 </a:gridCol>
@@ -12166,7 +12166,7 @@
                 </a:tc>
                 <a:extLst>
                   <a:ext uri="{0D108BD9-81ED-4DB2-BD59-A6C34878D82A}">
-                    <a16:rowId xmlns="" xmlns:a16="http://schemas.microsoft.com/office/drawing/2014/main" val="10000"/>
+                    <a16:rowId xmlns:a16="http://schemas.microsoft.com/office/drawing/2014/main" xmlns="" val="10000"/>
                   </a:ext>
                 </a:extLst>
               </a:tr>
@@ -13875,42 +13875,42 @@
                 <a:gridCol w="1589541">
                   <a:extLst>
                     <a:ext uri="{9D8B030D-6E8A-4147-A177-3AD203B41FA5}">
-                      <a16:colId xmlns="" xmlns:a16="http://schemas.microsoft.com/office/drawing/2014/main" val="20000"/>
+                      <a16:colId xmlns:a16="http://schemas.microsoft.com/office/drawing/2014/main" xmlns="" val="20000"/>
                     </a:ext>
                   </a:extLst>
                 </a:gridCol>
                 <a:gridCol w="1589541">
                   <a:extLst>
                     <a:ext uri="{9D8B030D-6E8A-4147-A177-3AD203B41FA5}">
-                      <a16:colId xmlns="" xmlns:a16="http://schemas.microsoft.com/office/drawing/2014/main" val="20001"/>
+                      <a16:colId xmlns:a16="http://schemas.microsoft.com/office/drawing/2014/main" xmlns="" val="20001"/>
                     </a:ext>
                   </a:extLst>
                 </a:gridCol>
                 <a:gridCol w="1589541">
                   <a:extLst>
                     <a:ext uri="{9D8B030D-6E8A-4147-A177-3AD203B41FA5}">
-                      <a16:colId xmlns="" xmlns:a16="http://schemas.microsoft.com/office/drawing/2014/main" val="20003"/>
+                      <a16:colId xmlns:a16="http://schemas.microsoft.com/office/drawing/2014/main" xmlns="" val="20003"/>
                     </a:ext>
                   </a:extLst>
                 </a:gridCol>
                 <a:gridCol w="1677487">
                   <a:extLst>
                     <a:ext uri="{9D8B030D-6E8A-4147-A177-3AD203B41FA5}">
-                      <a16:colId xmlns="" xmlns:a16="http://schemas.microsoft.com/office/drawing/2014/main" val="20004"/>
+                      <a16:colId xmlns:a16="http://schemas.microsoft.com/office/drawing/2014/main" xmlns="" val="20004"/>
                     </a:ext>
                   </a:extLst>
                 </a:gridCol>
                 <a:gridCol w="1501594">
                   <a:extLst>
                     <a:ext uri="{9D8B030D-6E8A-4147-A177-3AD203B41FA5}">
-                      <a16:colId xmlns="" xmlns:a16="http://schemas.microsoft.com/office/drawing/2014/main" val="20005"/>
+                      <a16:colId xmlns:a16="http://schemas.microsoft.com/office/drawing/2014/main" xmlns="" val="20005"/>
                     </a:ext>
                   </a:extLst>
                 </a:gridCol>
                 <a:gridCol w="1924180">
                   <a:extLst>
                     <a:ext uri="{9D8B030D-6E8A-4147-A177-3AD203B41FA5}">
-                      <a16:colId xmlns="" xmlns:a16="http://schemas.microsoft.com/office/drawing/2014/main" val="20007"/>
+                      <a16:colId xmlns:a16="http://schemas.microsoft.com/office/drawing/2014/main" xmlns="" val="20007"/>
                     </a:ext>
                   </a:extLst>
                 </a:gridCol>
@@ -14268,7 +14268,7 @@
                 </a:tc>
                 <a:extLst>
                   <a:ext uri="{0D108BD9-81ED-4DB2-BD59-A6C34878D82A}">
-                    <a16:rowId xmlns="" xmlns:a16="http://schemas.microsoft.com/office/drawing/2014/main" val="10000"/>
+                    <a16:rowId xmlns:a16="http://schemas.microsoft.com/office/drawing/2014/main" xmlns="" val="10000"/>
                   </a:ext>
                 </a:extLst>
               </a:tr>
@@ -15878,42 +15878,42 @@
                 <a:gridCol w="1589541">
                   <a:extLst>
                     <a:ext uri="{9D8B030D-6E8A-4147-A177-3AD203B41FA5}">
-                      <a16:colId xmlns="" xmlns:a16="http://schemas.microsoft.com/office/drawing/2014/main" val="20000"/>
+                      <a16:colId xmlns:a16="http://schemas.microsoft.com/office/drawing/2014/main" xmlns="" val="20000"/>
                     </a:ext>
                   </a:extLst>
                 </a:gridCol>
                 <a:gridCol w="1589541">
                   <a:extLst>
                     <a:ext uri="{9D8B030D-6E8A-4147-A177-3AD203B41FA5}">
-                      <a16:colId xmlns="" xmlns:a16="http://schemas.microsoft.com/office/drawing/2014/main" val="20001"/>
+                      <a16:colId xmlns:a16="http://schemas.microsoft.com/office/drawing/2014/main" xmlns="" val="20001"/>
                     </a:ext>
                   </a:extLst>
                 </a:gridCol>
                 <a:gridCol w="1589541">
                   <a:extLst>
                     <a:ext uri="{9D8B030D-6E8A-4147-A177-3AD203B41FA5}">
-                      <a16:colId xmlns="" xmlns:a16="http://schemas.microsoft.com/office/drawing/2014/main" val="20003"/>
+                      <a16:colId xmlns:a16="http://schemas.microsoft.com/office/drawing/2014/main" xmlns="" val="20003"/>
                     </a:ext>
                   </a:extLst>
                 </a:gridCol>
                 <a:gridCol w="1677487">
                   <a:extLst>
                     <a:ext uri="{9D8B030D-6E8A-4147-A177-3AD203B41FA5}">
-                      <a16:colId xmlns="" xmlns:a16="http://schemas.microsoft.com/office/drawing/2014/main" val="20004"/>
+                      <a16:colId xmlns:a16="http://schemas.microsoft.com/office/drawing/2014/main" xmlns="" val="20004"/>
                     </a:ext>
                   </a:extLst>
                 </a:gridCol>
                 <a:gridCol w="1501594">
                   <a:extLst>
                     <a:ext uri="{9D8B030D-6E8A-4147-A177-3AD203B41FA5}">
-                      <a16:colId xmlns="" xmlns:a16="http://schemas.microsoft.com/office/drawing/2014/main" val="20005"/>
+                      <a16:colId xmlns:a16="http://schemas.microsoft.com/office/drawing/2014/main" xmlns="" val="20005"/>
                     </a:ext>
                   </a:extLst>
                 </a:gridCol>
                 <a:gridCol w="1924180">
                   <a:extLst>
                     <a:ext uri="{9D8B030D-6E8A-4147-A177-3AD203B41FA5}">
-                      <a16:colId xmlns="" xmlns:a16="http://schemas.microsoft.com/office/drawing/2014/main" val="20007"/>
+                      <a16:colId xmlns:a16="http://schemas.microsoft.com/office/drawing/2014/main" xmlns="" val="20007"/>
                     </a:ext>
                   </a:extLst>
                 </a:gridCol>
@@ -16271,7 +16271,7 @@
                 </a:tc>
                 <a:extLst>
                   <a:ext uri="{0D108BD9-81ED-4DB2-BD59-A6C34878D82A}">
-                    <a16:rowId xmlns="" xmlns:a16="http://schemas.microsoft.com/office/drawing/2014/main" val="10000"/>
+                    <a16:rowId xmlns:a16="http://schemas.microsoft.com/office/drawing/2014/main" xmlns="" val="10000"/>
                   </a:ext>
                 </a:extLst>
               </a:tr>
@@ -16536,42 +16536,42 @@
                 <a:gridCol w="1589541">
                   <a:extLst>
                     <a:ext uri="{9D8B030D-6E8A-4147-A177-3AD203B41FA5}">
-                      <a16:colId xmlns="" xmlns:a16="http://schemas.microsoft.com/office/drawing/2014/main" val="20000"/>
+                      <a16:colId xmlns:a16="http://schemas.microsoft.com/office/drawing/2014/main" xmlns="" val="20000"/>
                     </a:ext>
                   </a:extLst>
                 </a:gridCol>
                 <a:gridCol w="1589541">
                   <a:extLst>
                     <a:ext uri="{9D8B030D-6E8A-4147-A177-3AD203B41FA5}">
-                      <a16:colId xmlns="" xmlns:a16="http://schemas.microsoft.com/office/drawing/2014/main" val="20001"/>
+                      <a16:colId xmlns:a16="http://schemas.microsoft.com/office/drawing/2014/main" xmlns="" val="20001"/>
                     </a:ext>
                   </a:extLst>
                 </a:gridCol>
                 <a:gridCol w="1589541">
                   <a:extLst>
                     <a:ext uri="{9D8B030D-6E8A-4147-A177-3AD203B41FA5}">
-                      <a16:colId xmlns="" xmlns:a16="http://schemas.microsoft.com/office/drawing/2014/main" val="20003"/>
+                      <a16:colId xmlns:a16="http://schemas.microsoft.com/office/drawing/2014/main" xmlns="" val="20003"/>
                     </a:ext>
                   </a:extLst>
                 </a:gridCol>
                 <a:gridCol w="1677487">
                   <a:extLst>
                     <a:ext uri="{9D8B030D-6E8A-4147-A177-3AD203B41FA5}">
-                      <a16:colId xmlns="" xmlns:a16="http://schemas.microsoft.com/office/drawing/2014/main" val="20004"/>
+                      <a16:colId xmlns:a16="http://schemas.microsoft.com/office/drawing/2014/main" xmlns="" val="20004"/>
                     </a:ext>
                   </a:extLst>
                 </a:gridCol>
                 <a:gridCol w="1501594">
                   <a:extLst>
                     <a:ext uri="{9D8B030D-6E8A-4147-A177-3AD203B41FA5}">
-                      <a16:colId xmlns="" xmlns:a16="http://schemas.microsoft.com/office/drawing/2014/main" val="20005"/>
+                      <a16:colId xmlns:a16="http://schemas.microsoft.com/office/drawing/2014/main" xmlns="" val="20005"/>
                     </a:ext>
                   </a:extLst>
                 </a:gridCol>
                 <a:gridCol w="1924180">
                   <a:extLst>
                     <a:ext uri="{9D8B030D-6E8A-4147-A177-3AD203B41FA5}">
-                      <a16:colId xmlns="" xmlns:a16="http://schemas.microsoft.com/office/drawing/2014/main" val="20007"/>
+                      <a16:colId xmlns:a16="http://schemas.microsoft.com/office/drawing/2014/main" xmlns="" val="20007"/>
                     </a:ext>
                   </a:extLst>
                 </a:gridCol>
@@ -16929,7 +16929,7 @@
                 </a:tc>
                 <a:extLst>
                   <a:ext uri="{0D108BD9-81ED-4DB2-BD59-A6C34878D82A}">
-                    <a16:rowId xmlns="" xmlns:a16="http://schemas.microsoft.com/office/drawing/2014/main" val="10000"/>
+                    <a16:rowId xmlns:a16="http://schemas.microsoft.com/office/drawing/2014/main" xmlns="" val="10000"/>
                   </a:ext>
                 </a:extLst>
               </a:tr>
@@ -19320,42 +19320,42 @@
                 <a:gridCol w="1589541">
                   <a:extLst>
                     <a:ext uri="{9D8B030D-6E8A-4147-A177-3AD203B41FA5}">
-                      <a16:colId xmlns="" xmlns:a16="http://schemas.microsoft.com/office/drawing/2014/main" val="20000"/>
+                      <a16:colId xmlns:a16="http://schemas.microsoft.com/office/drawing/2014/main" xmlns="" val="20000"/>
                     </a:ext>
                   </a:extLst>
                 </a:gridCol>
                 <a:gridCol w="1589541">
                   <a:extLst>
                     <a:ext uri="{9D8B030D-6E8A-4147-A177-3AD203B41FA5}">
-                      <a16:colId xmlns="" xmlns:a16="http://schemas.microsoft.com/office/drawing/2014/main" val="20001"/>
+                      <a16:colId xmlns:a16="http://schemas.microsoft.com/office/drawing/2014/main" xmlns="" val="20001"/>
                     </a:ext>
                   </a:extLst>
                 </a:gridCol>
                 <a:gridCol w="1589541">
                   <a:extLst>
                     <a:ext uri="{9D8B030D-6E8A-4147-A177-3AD203B41FA5}">
-                      <a16:colId xmlns="" xmlns:a16="http://schemas.microsoft.com/office/drawing/2014/main" val="20003"/>
+                      <a16:colId xmlns:a16="http://schemas.microsoft.com/office/drawing/2014/main" xmlns="" val="20003"/>
                     </a:ext>
                   </a:extLst>
                 </a:gridCol>
                 <a:gridCol w="1677487">
                   <a:extLst>
                     <a:ext uri="{9D8B030D-6E8A-4147-A177-3AD203B41FA5}">
-                      <a16:colId xmlns="" xmlns:a16="http://schemas.microsoft.com/office/drawing/2014/main" val="20004"/>
+                      <a16:colId xmlns:a16="http://schemas.microsoft.com/office/drawing/2014/main" xmlns="" val="20004"/>
                     </a:ext>
                   </a:extLst>
                 </a:gridCol>
                 <a:gridCol w="1501594">
                   <a:extLst>
                     <a:ext uri="{9D8B030D-6E8A-4147-A177-3AD203B41FA5}">
-                      <a16:colId xmlns="" xmlns:a16="http://schemas.microsoft.com/office/drawing/2014/main" val="20005"/>
+                      <a16:colId xmlns:a16="http://schemas.microsoft.com/office/drawing/2014/main" xmlns="" val="20005"/>
                     </a:ext>
                   </a:extLst>
                 </a:gridCol>
                 <a:gridCol w="1924180">
                   <a:extLst>
                     <a:ext uri="{9D8B030D-6E8A-4147-A177-3AD203B41FA5}">
-                      <a16:colId xmlns="" xmlns:a16="http://schemas.microsoft.com/office/drawing/2014/main" val="20007"/>
+                      <a16:colId xmlns:a16="http://schemas.microsoft.com/office/drawing/2014/main" xmlns="" val="20007"/>
                     </a:ext>
                   </a:extLst>
                 </a:gridCol>
@@ -19713,7 +19713,7 @@
                 </a:tc>
                 <a:extLst>
                   <a:ext uri="{0D108BD9-81ED-4DB2-BD59-A6C34878D82A}">
-                    <a16:rowId xmlns="" xmlns:a16="http://schemas.microsoft.com/office/drawing/2014/main" val="10000"/>
+                    <a16:rowId xmlns:a16="http://schemas.microsoft.com/office/drawing/2014/main" xmlns="" val="10000"/>
                   </a:ext>
                 </a:extLst>
               </a:tr>
@@ -21333,42 +21333,42 @@
                 <a:gridCol w="1589541">
                   <a:extLst>
                     <a:ext uri="{9D8B030D-6E8A-4147-A177-3AD203B41FA5}">
-                      <a16:colId xmlns="" xmlns:a16="http://schemas.microsoft.com/office/drawing/2014/main" val="20000"/>
+                      <a16:colId xmlns:a16="http://schemas.microsoft.com/office/drawing/2014/main" xmlns="" val="20000"/>
                     </a:ext>
                   </a:extLst>
                 </a:gridCol>
                 <a:gridCol w="1589541">
                   <a:extLst>
                     <a:ext uri="{9D8B030D-6E8A-4147-A177-3AD203B41FA5}">
-                      <a16:colId xmlns="" xmlns:a16="http://schemas.microsoft.com/office/drawing/2014/main" val="20001"/>
+                      <a16:colId xmlns:a16="http://schemas.microsoft.com/office/drawing/2014/main" xmlns="" val="20001"/>
                     </a:ext>
                   </a:extLst>
                 </a:gridCol>
                 <a:gridCol w="1589541">
                   <a:extLst>
                     <a:ext uri="{9D8B030D-6E8A-4147-A177-3AD203B41FA5}">
-                      <a16:colId xmlns="" xmlns:a16="http://schemas.microsoft.com/office/drawing/2014/main" val="20003"/>
+                      <a16:colId xmlns:a16="http://schemas.microsoft.com/office/drawing/2014/main" xmlns="" val="20003"/>
                     </a:ext>
                   </a:extLst>
                 </a:gridCol>
                 <a:gridCol w="1677487">
                   <a:extLst>
                     <a:ext uri="{9D8B030D-6E8A-4147-A177-3AD203B41FA5}">
-                      <a16:colId xmlns="" xmlns:a16="http://schemas.microsoft.com/office/drawing/2014/main" val="20004"/>
+                      <a16:colId xmlns:a16="http://schemas.microsoft.com/office/drawing/2014/main" xmlns="" val="20004"/>
                     </a:ext>
                   </a:extLst>
                 </a:gridCol>
                 <a:gridCol w="1501594">
                   <a:extLst>
                     <a:ext uri="{9D8B030D-6E8A-4147-A177-3AD203B41FA5}">
-                      <a16:colId xmlns="" xmlns:a16="http://schemas.microsoft.com/office/drawing/2014/main" val="20005"/>
+                      <a16:colId xmlns:a16="http://schemas.microsoft.com/office/drawing/2014/main" xmlns="" val="20005"/>
                     </a:ext>
                   </a:extLst>
                 </a:gridCol>
                 <a:gridCol w="1924180">
                   <a:extLst>
                     <a:ext uri="{9D8B030D-6E8A-4147-A177-3AD203B41FA5}">
-                      <a16:colId xmlns="" xmlns:a16="http://schemas.microsoft.com/office/drawing/2014/main" val="20007"/>
+                      <a16:colId xmlns:a16="http://schemas.microsoft.com/office/drawing/2014/main" xmlns="" val="20007"/>
                     </a:ext>
                   </a:extLst>
                 </a:gridCol>
@@ -21726,7 +21726,7 @@
                 </a:tc>
                 <a:extLst>
                   <a:ext uri="{0D108BD9-81ED-4DB2-BD59-A6C34878D82A}">
-                    <a16:rowId xmlns="" xmlns:a16="http://schemas.microsoft.com/office/drawing/2014/main" val="10000"/>
+                    <a16:rowId xmlns:a16="http://schemas.microsoft.com/office/drawing/2014/main" xmlns="" val="10000"/>
                   </a:ext>
                 </a:extLst>
               </a:tr>
@@ -23912,42 +23912,42 @@
                 <a:gridCol w="1589541">
                   <a:extLst>
                     <a:ext uri="{9D8B030D-6E8A-4147-A177-3AD203B41FA5}">
-                      <a16:colId xmlns="" xmlns:a16="http://schemas.microsoft.com/office/drawing/2014/main" val="20000"/>
+                      <a16:colId xmlns:a16="http://schemas.microsoft.com/office/drawing/2014/main" xmlns="" val="20000"/>
                     </a:ext>
                   </a:extLst>
                 </a:gridCol>
                 <a:gridCol w="1589541">
                   <a:extLst>
                     <a:ext uri="{9D8B030D-6E8A-4147-A177-3AD203B41FA5}">
-                      <a16:colId xmlns="" xmlns:a16="http://schemas.microsoft.com/office/drawing/2014/main" val="20001"/>
+                      <a16:colId xmlns:a16="http://schemas.microsoft.com/office/drawing/2014/main" xmlns="" val="20001"/>
                     </a:ext>
                   </a:extLst>
                 </a:gridCol>
                 <a:gridCol w="1589541">
                   <a:extLst>
                     <a:ext uri="{9D8B030D-6E8A-4147-A177-3AD203B41FA5}">
-                      <a16:colId xmlns="" xmlns:a16="http://schemas.microsoft.com/office/drawing/2014/main" val="20003"/>
+                      <a16:colId xmlns:a16="http://schemas.microsoft.com/office/drawing/2014/main" xmlns="" val="20003"/>
                     </a:ext>
                   </a:extLst>
                 </a:gridCol>
                 <a:gridCol w="1677487">
                   <a:extLst>
                     <a:ext uri="{9D8B030D-6E8A-4147-A177-3AD203B41FA5}">
-                      <a16:colId xmlns="" xmlns:a16="http://schemas.microsoft.com/office/drawing/2014/main" val="20004"/>
+                      <a16:colId xmlns:a16="http://schemas.microsoft.com/office/drawing/2014/main" xmlns="" val="20004"/>
                     </a:ext>
                   </a:extLst>
                 </a:gridCol>
                 <a:gridCol w="1501594">
                   <a:extLst>
                     <a:ext uri="{9D8B030D-6E8A-4147-A177-3AD203B41FA5}">
-                      <a16:colId xmlns="" xmlns:a16="http://schemas.microsoft.com/office/drawing/2014/main" val="20005"/>
+                      <a16:colId xmlns:a16="http://schemas.microsoft.com/office/drawing/2014/main" xmlns="" val="20005"/>
                     </a:ext>
                   </a:extLst>
                 </a:gridCol>
                 <a:gridCol w="1924180">
                   <a:extLst>
                     <a:ext uri="{9D8B030D-6E8A-4147-A177-3AD203B41FA5}">
-                      <a16:colId xmlns="" xmlns:a16="http://schemas.microsoft.com/office/drawing/2014/main" val="20007"/>
+                      <a16:colId xmlns:a16="http://schemas.microsoft.com/office/drawing/2014/main" xmlns="" val="20007"/>
                     </a:ext>
                   </a:extLst>
                 </a:gridCol>
@@ -24305,7 +24305,7 @@
                 </a:tc>
                 <a:extLst>
                   <a:ext uri="{0D108BD9-81ED-4DB2-BD59-A6C34878D82A}">
-                    <a16:rowId xmlns="" xmlns:a16="http://schemas.microsoft.com/office/drawing/2014/main" val="10000"/>
+                    <a16:rowId xmlns:a16="http://schemas.microsoft.com/office/drawing/2014/main" xmlns="" val="10000"/>
                   </a:ext>
                 </a:extLst>
               </a:tr>
@@ -25212,42 +25212,42 @@
                 <a:gridCol w="1589541">
                   <a:extLst>
                     <a:ext uri="{9D8B030D-6E8A-4147-A177-3AD203B41FA5}">
-                      <a16:colId xmlns="" xmlns:a16="http://schemas.microsoft.com/office/drawing/2014/main" val="20000"/>
+                      <a16:colId xmlns:a16="http://schemas.microsoft.com/office/drawing/2014/main" xmlns="" val="20000"/>
                     </a:ext>
                   </a:extLst>
                 </a:gridCol>
                 <a:gridCol w="1589541">
                   <a:extLst>
                     <a:ext uri="{9D8B030D-6E8A-4147-A177-3AD203B41FA5}">
-                      <a16:colId xmlns="" xmlns:a16="http://schemas.microsoft.com/office/drawing/2014/main" val="20001"/>
+                      <a16:colId xmlns:a16="http://schemas.microsoft.com/office/drawing/2014/main" xmlns="" val="20001"/>
                     </a:ext>
                   </a:extLst>
                 </a:gridCol>
                 <a:gridCol w="1589541">
                   <a:extLst>
                     <a:ext uri="{9D8B030D-6E8A-4147-A177-3AD203B41FA5}">
-                      <a16:colId xmlns="" xmlns:a16="http://schemas.microsoft.com/office/drawing/2014/main" val="20003"/>
+                      <a16:colId xmlns:a16="http://schemas.microsoft.com/office/drawing/2014/main" xmlns="" val="20003"/>
                     </a:ext>
                   </a:extLst>
                 </a:gridCol>
                 <a:gridCol w="1677487">
                   <a:extLst>
                     <a:ext uri="{9D8B030D-6E8A-4147-A177-3AD203B41FA5}">
-                      <a16:colId xmlns="" xmlns:a16="http://schemas.microsoft.com/office/drawing/2014/main" val="20004"/>
+                      <a16:colId xmlns:a16="http://schemas.microsoft.com/office/drawing/2014/main" xmlns="" val="20004"/>
                     </a:ext>
                   </a:extLst>
                 </a:gridCol>
                 <a:gridCol w="1501594">
                   <a:extLst>
                     <a:ext uri="{9D8B030D-6E8A-4147-A177-3AD203B41FA5}">
-                      <a16:colId xmlns="" xmlns:a16="http://schemas.microsoft.com/office/drawing/2014/main" val="20005"/>
+                      <a16:colId xmlns:a16="http://schemas.microsoft.com/office/drawing/2014/main" xmlns="" val="20005"/>
                     </a:ext>
                   </a:extLst>
                 </a:gridCol>
                 <a:gridCol w="1924180">
                   <a:extLst>
                     <a:ext uri="{9D8B030D-6E8A-4147-A177-3AD203B41FA5}">
-                      <a16:colId xmlns="" xmlns:a16="http://schemas.microsoft.com/office/drawing/2014/main" val="20007"/>
+                      <a16:colId xmlns:a16="http://schemas.microsoft.com/office/drawing/2014/main" xmlns="" val="20007"/>
                     </a:ext>
                   </a:extLst>
                 </a:gridCol>
@@ -25605,7 +25605,7 @@
                 </a:tc>
                 <a:extLst>
                   <a:ext uri="{0D108BD9-81ED-4DB2-BD59-A6C34878D82A}">
-                    <a16:rowId xmlns="" xmlns:a16="http://schemas.microsoft.com/office/drawing/2014/main" val="10000"/>
+                    <a16:rowId xmlns:a16="http://schemas.microsoft.com/office/drawing/2014/main" xmlns="" val="10000"/>
                   </a:ext>
                 </a:extLst>
               </a:tr>
@@ -26457,42 +26457,42 @@
                 <a:gridCol w="1589541">
                   <a:extLst>
                     <a:ext uri="{9D8B030D-6E8A-4147-A177-3AD203B41FA5}">
-                      <a16:colId xmlns="" xmlns:a16="http://schemas.microsoft.com/office/drawing/2014/main" val="20000"/>
+                      <a16:colId xmlns:a16="http://schemas.microsoft.com/office/drawing/2014/main" xmlns="" val="20000"/>
                     </a:ext>
                   </a:extLst>
                 </a:gridCol>
                 <a:gridCol w="1589541">
                   <a:extLst>
                     <a:ext uri="{9D8B030D-6E8A-4147-A177-3AD203B41FA5}">
-                      <a16:colId xmlns="" xmlns:a16="http://schemas.microsoft.com/office/drawing/2014/main" val="20001"/>
+                      <a16:colId xmlns:a16="http://schemas.microsoft.com/office/drawing/2014/main" xmlns="" val="20001"/>
                     </a:ext>
                   </a:extLst>
                 </a:gridCol>
                 <a:gridCol w="1589541">
                   <a:extLst>
                     <a:ext uri="{9D8B030D-6E8A-4147-A177-3AD203B41FA5}">
-                      <a16:colId xmlns="" xmlns:a16="http://schemas.microsoft.com/office/drawing/2014/main" val="20003"/>
+                      <a16:colId xmlns:a16="http://schemas.microsoft.com/office/drawing/2014/main" xmlns="" val="20003"/>
                     </a:ext>
                   </a:extLst>
                 </a:gridCol>
                 <a:gridCol w="1677487">
                   <a:extLst>
                     <a:ext uri="{9D8B030D-6E8A-4147-A177-3AD203B41FA5}">
-                      <a16:colId xmlns="" xmlns:a16="http://schemas.microsoft.com/office/drawing/2014/main" val="20004"/>
+                      <a16:colId xmlns:a16="http://schemas.microsoft.com/office/drawing/2014/main" xmlns="" val="20004"/>
                     </a:ext>
                   </a:extLst>
                 </a:gridCol>
                 <a:gridCol w="1501594">
                   <a:extLst>
                     <a:ext uri="{9D8B030D-6E8A-4147-A177-3AD203B41FA5}">
-                      <a16:colId xmlns="" xmlns:a16="http://schemas.microsoft.com/office/drawing/2014/main" val="20005"/>
+                      <a16:colId xmlns:a16="http://schemas.microsoft.com/office/drawing/2014/main" xmlns="" val="20005"/>
                     </a:ext>
                   </a:extLst>
                 </a:gridCol>
                 <a:gridCol w="1924180">
                   <a:extLst>
                     <a:ext uri="{9D8B030D-6E8A-4147-A177-3AD203B41FA5}">
-                      <a16:colId xmlns="" xmlns:a16="http://schemas.microsoft.com/office/drawing/2014/main" val="20007"/>
+                      <a16:colId xmlns:a16="http://schemas.microsoft.com/office/drawing/2014/main" xmlns="" val="20007"/>
                     </a:ext>
                   </a:extLst>
                 </a:gridCol>
@@ -26850,7 +26850,7 @@
                 </a:tc>
                 <a:extLst>
                   <a:ext uri="{0D108BD9-81ED-4DB2-BD59-A6C34878D82A}">
-                    <a16:rowId xmlns="" xmlns:a16="http://schemas.microsoft.com/office/drawing/2014/main" val="10000"/>
+                    <a16:rowId xmlns:a16="http://schemas.microsoft.com/office/drawing/2014/main" xmlns="" val="10000"/>
                   </a:ext>
                 </a:extLst>
               </a:tr>
@@ -28552,42 +28552,42 @@
                 <a:gridCol w="1589541">
                   <a:extLst>
                     <a:ext uri="{9D8B030D-6E8A-4147-A177-3AD203B41FA5}">
-                      <a16:colId xmlns="" xmlns:a16="http://schemas.microsoft.com/office/drawing/2014/main" val="20000"/>
+                      <a16:colId xmlns:a16="http://schemas.microsoft.com/office/drawing/2014/main" xmlns="" val="20000"/>
                     </a:ext>
                   </a:extLst>
                 </a:gridCol>
                 <a:gridCol w="1589541">
                   <a:extLst>
                     <a:ext uri="{9D8B030D-6E8A-4147-A177-3AD203B41FA5}">
-                      <a16:colId xmlns="" xmlns:a16="http://schemas.microsoft.com/office/drawing/2014/main" val="20001"/>
+                      <a16:colId xmlns:a16="http://schemas.microsoft.com/office/drawing/2014/main" xmlns="" val="20001"/>
                     </a:ext>
                   </a:extLst>
                 </a:gridCol>
                 <a:gridCol w="1589541">
                   <a:extLst>
                     <a:ext uri="{9D8B030D-6E8A-4147-A177-3AD203B41FA5}">
-                      <a16:colId xmlns="" xmlns:a16="http://schemas.microsoft.com/office/drawing/2014/main" val="20003"/>
+                      <a16:colId xmlns:a16="http://schemas.microsoft.com/office/drawing/2014/main" xmlns="" val="20003"/>
                     </a:ext>
                   </a:extLst>
                 </a:gridCol>
                 <a:gridCol w="1677487">
                   <a:extLst>
                     <a:ext uri="{9D8B030D-6E8A-4147-A177-3AD203B41FA5}">
-                      <a16:colId xmlns="" xmlns:a16="http://schemas.microsoft.com/office/drawing/2014/main" val="20004"/>
+                      <a16:colId xmlns:a16="http://schemas.microsoft.com/office/drawing/2014/main" xmlns="" val="20004"/>
                     </a:ext>
                   </a:extLst>
                 </a:gridCol>
                 <a:gridCol w="1501594">
                   <a:extLst>
                     <a:ext uri="{9D8B030D-6E8A-4147-A177-3AD203B41FA5}">
-                      <a16:colId xmlns="" xmlns:a16="http://schemas.microsoft.com/office/drawing/2014/main" val="20005"/>
+                      <a16:colId xmlns:a16="http://schemas.microsoft.com/office/drawing/2014/main" xmlns="" val="20005"/>
                     </a:ext>
                   </a:extLst>
                 </a:gridCol>
                 <a:gridCol w="1924180">
                   <a:extLst>
                     <a:ext uri="{9D8B030D-6E8A-4147-A177-3AD203B41FA5}">
-                      <a16:colId xmlns="" xmlns:a16="http://schemas.microsoft.com/office/drawing/2014/main" val="20007"/>
+                      <a16:colId xmlns:a16="http://schemas.microsoft.com/office/drawing/2014/main" xmlns="" val="20007"/>
                     </a:ext>
                   </a:extLst>
                 </a:gridCol>
@@ -28945,7 +28945,7 @@
                 </a:tc>
                 <a:extLst>
                   <a:ext uri="{0D108BD9-81ED-4DB2-BD59-A6C34878D82A}">
-                    <a16:rowId xmlns="" xmlns:a16="http://schemas.microsoft.com/office/drawing/2014/main" val="10000"/>
+                    <a16:rowId xmlns:a16="http://schemas.microsoft.com/office/drawing/2014/main" xmlns="" val="10000"/>
                   </a:ext>
                 </a:extLst>
               </a:tr>
@@ -30648,42 +30648,42 @@
                 <a:gridCol w="1589541">
                   <a:extLst>
                     <a:ext uri="{9D8B030D-6E8A-4147-A177-3AD203B41FA5}">
-                      <a16:colId xmlns="" xmlns:a16="http://schemas.microsoft.com/office/drawing/2014/main" val="20000"/>
+                      <a16:colId xmlns:a16="http://schemas.microsoft.com/office/drawing/2014/main" xmlns="" val="20000"/>
                     </a:ext>
                   </a:extLst>
                 </a:gridCol>
                 <a:gridCol w="1589541">
                   <a:extLst>
                     <a:ext uri="{9D8B030D-6E8A-4147-A177-3AD203B41FA5}">
-                      <a16:colId xmlns="" xmlns:a16="http://schemas.microsoft.com/office/drawing/2014/main" val="20001"/>
+                      <a16:colId xmlns:a16="http://schemas.microsoft.com/office/drawing/2014/main" xmlns="" val="20001"/>
                     </a:ext>
                   </a:extLst>
                 </a:gridCol>
                 <a:gridCol w="1589541">
                   <a:extLst>
                     <a:ext uri="{9D8B030D-6E8A-4147-A177-3AD203B41FA5}">
-                      <a16:colId xmlns="" xmlns:a16="http://schemas.microsoft.com/office/drawing/2014/main" val="20003"/>
+                      <a16:colId xmlns:a16="http://schemas.microsoft.com/office/drawing/2014/main" xmlns="" val="20003"/>
                     </a:ext>
                   </a:extLst>
                 </a:gridCol>
                 <a:gridCol w="1677487">
                   <a:extLst>
                     <a:ext uri="{9D8B030D-6E8A-4147-A177-3AD203B41FA5}">
-                      <a16:colId xmlns="" xmlns:a16="http://schemas.microsoft.com/office/drawing/2014/main" val="20004"/>
+                      <a16:colId xmlns:a16="http://schemas.microsoft.com/office/drawing/2014/main" xmlns="" val="20004"/>
                     </a:ext>
                   </a:extLst>
                 </a:gridCol>
                 <a:gridCol w="1501594">
                   <a:extLst>
                     <a:ext uri="{9D8B030D-6E8A-4147-A177-3AD203B41FA5}">
-                      <a16:colId xmlns="" xmlns:a16="http://schemas.microsoft.com/office/drawing/2014/main" val="20005"/>
+                      <a16:colId xmlns:a16="http://schemas.microsoft.com/office/drawing/2014/main" xmlns="" val="20005"/>
                     </a:ext>
                   </a:extLst>
                 </a:gridCol>
                 <a:gridCol w="1924180">
                   <a:extLst>
                     <a:ext uri="{9D8B030D-6E8A-4147-A177-3AD203B41FA5}">
-                      <a16:colId xmlns="" xmlns:a16="http://schemas.microsoft.com/office/drawing/2014/main" val="20007"/>
+                      <a16:colId xmlns:a16="http://schemas.microsoft.com/office/drawing/2014/main" xmlns="" val="20007"/>
                     </a:ext>
                   </a:extLst>
                 </a:gridCol>
@@ -31041,7 +31041,7 @@
                 </a:tc>
                 <a:extLst>
                   <a:ext uri="{0D108BD9-81ED-4DB2-BD59-A6C34878D82A}">
-                    <a16:rowId xmlns="" xmlns:a16="http://schemas.microsoft.com/office/drawing/2014/main" val="10000"/>
+                    <a16:rowId xmlns:a16="http://schemas.microsoft.com/office/drawing/2014/main" xmlns="" val="10000"/>
                   </a:ext>
                 </a:extLst>
               </a:tr>
@@ -32482,7 +32482,7 @@
           <p:nvPr>
             <p:extLst>
               <p:ext uri="{D42A27DB-BD31-4B8C-83A1-F6EECF244321}">
-                <p14:modId xmlns:p14="http://schemas.microsoft.com/office/powerpoint/2010/main" val="3603575613"/>
+                <p14:modId xmlns:p14="http://schemas.microsoft.com/office/powerpoint/2010/main" val="863624667"/>
               </p:ext>
             </p:extLst>
           </p:nvPr>
@@ -32501,42 +32501,42 @@
                 <a:gridCol w="1589541">
                   <a:extLst>
                     <a:ext uri="{9D8B030D-6E8A-4147-A177-3AD203B41FA5}">
-                      <a16:colId xmlns="" xmlns:a16="http://schemas.microsoft.com/office/drawing/2014/main" val="20000"/>
+                      <a16:colId xmlns:a16="http://schemas.microsoft.com/office/drawing/2014/main" xmlns="" val="20000"/>
                     </a:ext>
                   </a:extLst>
                 </a:gridCol>
                 <a:gridCol w="1589541">
                   <a:extLst>
                     <a:ext uri="{9D8B030D-6E8A-4147-A177-3AD203B41FA5}">
-                      <a16:colId xmlns="" xmlns:a16="http://schemas.microsoft.com/office/drawing/2014/main" val="20001"/>
+                      <a16:colId xmlns:a16="http://schemas.microsoft.com/office/drawing/2014/main" xmlns="" val="20001"/>
                     </a:ext>
                   </a:extLst>
                 </a:gridCol>
                 <a:gridCol w="1589541">
                   <a:extLst>
                     <a:ext uri="{9D8B030D-6E8A-4147-A177-3AD203B41FA5}">
-                      <a16:colId xmlns="" xmlns:a16="http://schemas.microsoft.com/office/drawing/2014/main" val="20003"/>
+                      <a16:colId xmlns:a16="http://schemas.microsoft.com/office/drawing/2014/main" xmlns="" val="20003"/>
                     </a:ext>
                   </a:extLst>
                 </a:gridCol>
                 <a:gridCol w="1677487">
                   <a:extLst>
                     <a:ext uri="{9D8B030D-6E8A-4147-A177-3AD203B41FA5}">
-                      <a16:colId xmlns="" xmlns:a16="http://schemas.microsoft.com/office/drawing/2014/main" val="20004"/>
+                      <a16:colId xmlns:a16="http://schemas.microsoft.com/office/drawing/2014/main" xmlns="" val="20004"/>
                     </a:ext>
                   </a:extLst>
                 </a:gridCol>
                 <a:gridCol w="1501594">
                   <a:extLst>
                     <a:ext uri="{9D8B030D-6E8A-4147-A177-3AD203B41FA5}">
-                      <a16:colId xmlns="" xmlns:a16="http://schemas.microsoft.com/office/drawing/2014/main" val="20005"/>
+                      <a16:colId xmlns:a16="http://schemas.microsoft.com/office/drawing/2014/main" xmlns="" val="20005"/>
                     </a:ext>
                   </a:extLst>
                 </a:gridCol>
                 <a:gridCol w="1924180">
                   <a:extLst>
                     <a:ext uri="{9D8B030D-6E8A-4147-A177-3AD203B41FA5}">
-                      <a16:colId xmlns="" xmlns:a16="http://schemas.microsoft.com/office/drawing/2014/main" val="20007"/>
+                      <a16:colId xmlns:a16="http://schemas.microsoft.com/office/drawing/2014/main" xmlns="" val="20007"/>
                     </a:ext>
                   </a:extLst>
                 </a:gridCol>
@@ -32894,7 +32894,7 @@
                 </a:tc>
                 <a:extLst>
                   <a:ext uri="{0D108BD9-81ED-4DB2-BD59-A6C34878D82A}">
-                    <a16:rowId xmlns="" xmlns:a16="http://schemas.microsoft.com/office/drawing/2014/main" val="10000"/>
+                    <a16:rowId xmlns:a16="http://schemas.microsoft.com/office/drawing/2014/main" xmlns="" val="10000"/>
                   </a:ext>
                 </a:extLst>
               </a:tr>
@@ -32934,7 +32934,7 @@
             <a:r>
               <a:rPr lang="ko-KR" altLang="en-US" dirty="0" smtClean="0">
                 <a:solidFill>
-                  <a:srgbClr val="FFC000"/>
+                  <a:srgbClr val="FC8089"/>
                 </a:solidFill>
                 <a:latin typeface="맑은 고딕" pitchFamily="50" charset="-127"/>
                 <a:ea typeface="맑은 고딕" pitchFamily="50" charset="-127"/>
@@ -32993,7 +32993,7 @@
             <a:r>
               <a:rPr lang="ko-KR" altLang="en-US" dirty="0" smtClean="0">
                 <a:solidFill>
-                  <a:srgbClr val="FFC000"/>
+                  <a:srgbClr val="FC8089"/>
                 </a:solidFill>
                 <a:latin typeface="맑은 고딕" pitchFamily="50" charset="-127"/>
                 <a:ea typeface="맑은 고딕" pitchFamily="50" charset="-127"/>
@@ -33060,12 +33060,22 @@
             <a:r>
               <a:rPr lang="en-US" altLang="ko-KR" dirty="0" smtClean="0">
                 <a:solidFill>
+                  <a:srgbClr val="FC8089"/>
+                </a:solidFill>
+                <a:latin typeface="맑은 고딕" pitchFamily="50" charset="-127"/>
+                <a:ea typeface="맑은 고딕" pitchFamily="50" charset="-127"/>
+              </a:rPr>
+              <a:t>IOT</a:t>
+            </a:r>
+            <a:r>
+              <a:rPr lang="en-US" altLang="ko-KR" dirty="0" smtClean="0">
+                <a:solidFill>
                   <a:srgbClr val="FFC000"/>
                 </a:solidFill>
                 <a:latin typeface="맑은 고딕" pitchFamily="50" charset="-127"/>
                 <a:ea typeface="맑은 고딕" pitchFamily="50" charset="-127"/>
               </a:rPr>
-              <a:t>IOT </a:t>
+              <a:t> </a:t>
             </a:r>
             <a:r>
               <a:rPr lang="ko-KR" altLang="en-US" dirty="0" smtClean="0">
@@ -34341,42 +34351,42 @@
                 <a:gridCol w="1589541">
                   <a:extLst>
                     <a:ext uri="{9D8B030D-6E8A-4147-A177-3AD203B41FA5}">
-                      <a16:colId xmlns="" xmlns:a16="http://schemas.microsoft.com/office/drawing/2014/main" val="20000"/>
+                      <a16:colId xmlns:a16="http://schemas.microsoft.com/office/drawing/2014/main" xmlns="" val="20000"/>
                     </a:ext>
                   </a:extLst>
                 </a:gridCol>
                 <a:gridCol w="1589541">
                   <a:extLst>
                     <a:ext uri="{9D8B030D-6E8A-4147-A177-3AD203B41FA5}">
-                      <a16:colId xmlns="" xmlns:a16="http://schemas.microsoft.com/office/drawing/2014/main" val="20001"/>
+                      <a16:colId xmlns:a16="http://schemas.microsoft.com/office/drawing/2014/main" xmlns="" val="20001"/>
                     </a:ext>
                   </a:extLst>
                 </a:gridCol>
                 <a:gridCol w="1589541">
                   <a:extLst>
                     <a:ext uri="{9D8B030D-6E8A-4147-A177-3AD203B41FA5}">
-                      <a16:colId xmlns="" xmlns:a16="http://schemas.microsoft.com/office/drawing/2014/main" val="20003"/>
+                      <a16:colId xmlns:a16="http://schemas.microsoft.com/office/drawing/2014/main" xmlns="" val="20003"/>
                     </a:ext>
                   </a:extLst>
                 </a:gridCol>
                 <a:gridCol w="1677487">
                   <a:extLst>
                     <a:ext uri="{9D8B030D-6E8A-4147-A177-3AD203B41FA5}">
-                      <a16:colId xmlns="" xmlns:a16="http://schemas.microsoft.com/office/drawing/2014/main" val="20004"/>
+                      <a16:colId xmlns:a16="http://schemas.microsoft.com/office/drawing/2014/main" xmlns="" val="20004"/>
                     </a:ext>
                   </a:extLst>
                 </a:gridCol>
                 <a:gridCol w="1501594">
                   <a:extLst>
                     <a:ext uri="{9D8B030D-6E8A-4147-A177-3AD203B41FA5}">
-                      <a16:colId xmlns="" xmlns:a16="http://schemas.microsoft.com/office/drawing/2014/main" val="20005"/>
+                      <a16:colId xmlns:a16="http://schemas.microsoft.com/office/drawing/2014/main" xmlns="" val="20005"/>
                     </a:ext>
                   </a:extLst>
                 </a:gridCol>
                 <a:gridCol w="1924180">
                   <a:extLst>
                     <a:ext uri="{9D8B030D-6E8A-4147-A177-3AD203B41FA5}">
-                      <a16:colId xmlns="" xmlns:a16="http://schemas.microsoft.com/office/drawing/2014/main" val="20007"/>
+                      <a16:colId xmlns:a16="http://schemas.microsoft.com/office/drawing/2014/main" xmlns="" val="20007"/>
                     </a:ext>
                   </a:extLst>
                 </a:gridCol>
@@ -34734,7 +34744,7 @@
                 </a:tc>
                 <a:extLst>
                   <a:ext uri="{0D108BD9-81ED-4DB2-BD59-A6C34878D82A}">
-                    <a16:rowId xmlns="" xmlns:a16="http://schemas.microsoft.com/office/drawing/2014/main" val="10000"/>
+                    <a16:rowId xmlns:a16="http://schemas.microsoft.com/office/drawing/2014/main" xmlns="" val="10000"/>
                   </a:ext>
                 </a:extLst>
               </a:tr>
@@ -36238,12 +36248,18 @@
         </p:nvSpPr>
         <p:spPr>
           <a:xfrm>
-            <a:off x="3305115" y="3573016"/>
-            <a:ext cx="1368152" cy="677683"/>
+            <a:off x="3534629" y="3861048"/>
+            <a:ext cx="1037371" cy="389651"/>
           </a:xfrm>
           <a:prstGeom prst="rightArrow">
             <a:avLst/>
           </a:prstGeom>
+          <a:noFill/>
+          <a:ln>
+            <a:solidFill>
+              <a:srgbClr val="0070C0"/>
+            </a:solidFill>
+          </a:ln>
         </p:spPr>
         <p:style>
           <a:lnRef idx="2">
@@ -36340,42 +36356,42 @@
                 <a:gridCol w="1589541">
                   <a:extLst>
                     <a:ext uri="{9D8B030D-6E8A-4147-A177-3AD203B41FA5}">
-                      <a16:colId xmlns="" xmlns:a16="http://schemas.microsoft.com/office/drawing/2014/main" val="20000"/>
+                      <a16:colId xmlns:a16="http://schemas.microsoft.com/office/drawing/2014/main" xmlns="" val="20000"/>
                     </a:ext>
                   </a:extLst>
                 </a:gridCol>
                 <a:gridCol w="1589541">
                   <a:extLst>
                     <a:ext uri="{9D8B030D-6E8A-4147-A177-3AD203B41FA5}">
-                      <a16:colId xmlns="" xmlns:a16="http://schemas.microsoft.com/office/drawing/2014/main" val="20001"/>
+                      <a16:colId xmlns:a16="http://schemas.microsoft.com/office/drawing/2014/main" xmlns="" val="20001"/>
                     </a:ext>
                   </a:extLst>
                 </a:gridCol>
                 <a:gridCol w="1589541">
                   <a:extLst>
                     <a:ext uri="{9D8B030D-6E8A-4147-A177-3AD203B41FA5}">
-                      <a16:colId xmlns="" xmlns:a16="http://schemas.microsoft.com/office/drawing/2014/main" val="20003"/>
+                      <a16:colId xmlns:a16="http://schemas.microsoft.com/office/drawing/2014/main" xmlns="" val="20003"/>
                     </a:ext>
                   </a:extLst>
                 </a:gridCol>
                 <a:gridCol w="1677487">
                   <a:extLst>
                     <a:ext uri="{9D8B030D-6E8A-4147-A177-3AD203B41FA5}">
-                      <a16:colId xmlns="" xmlns:a16="http://schemas.microsoft.com/office/drawing/2014/main" val="20004"/>
+                      <a16:colId xmlns:a16="http://schemas.microsoft.com/office/drawing/2014/main" xmlns="" val="20004"/>
                     </a:ext>
                   </a:extLst>
                 </a:gridCol>
                 <a:gridCol w="1501594">
                   <a:extLst>
                     <a:ext uri="{9D8B030D-6E8A-4147-A177-3AD203B41FA5}">
-                      <a16:colId xmlns="" xmlns:a16="http://schemas.microsoft.com/office/drawing/2014/main" val="20005"/>
+                      <a16:colId xmlns:a16="http://schemas.microsoft.com/office/drawing/2014/main" xmlns="" val="20005"/>
                     </a:ext>
                   </a:extLst>
                 </a:gridCol>
                 <a:gridCol w="1924180">
                   <a:extLst>
                     <a:ext uri="{9D8B030D-6E8A-4147-A177-3AD203B41FA5}">
-                      <a16:colId xmlns="" xmlns:a16="http://schemas.microsoft.com/office/drawing/2014/main" val="20007"/>
+                      <a16:colId xmlns:a16="http://schemas.microsoft.com/office/drawing/2014/main" xmlns="" val="20007"/>
                     </a:ext>
                   </a:extLst>
                 </a:gridCol>
@@ -36733,7 +36749,7 @@
                 </a:tc>
                 <a:extLst>
                   <a:ext uri="{0D108BD9-81ED-4DB2-BD59-A6C34878D82A}">
-                    <a16:rowId xmlns="" xmlns:a16="http://schemas.microsoft.com/office/drawing/2014/main" val="10000"/>
+                    <a16:rowId xmlns:a16="http://schemas.microsoft.com/office/drawing/2014/main" xmlns="" val="10000"/>
                   </a:ext>
                 </a:extLst>
               </a:tr>
@@ -37239,42 +37255,42 @@
                 <a:gridCol w="1589541">
                   <a:extLst>
                     <a:ext uri="{9D8B030D-6E8A-4147-A177-3AD203B41FA5}">
-                      <a16:colId xmlns="" xmlns:a16="http://schemas.microsoft.com/office/drawing/2014/main" val="20000"/>
+                      <a16:colId xmlns:a16="http://schemas.microsoft.com/office/drawing/2014/main" xmlns="" val="20000"/>
                     </a:ext>
                   </a:extLst>
                 </a:gridCol>
                 <a:gridCol w="1589541">
                   <a:extLst>
                     <a:ext uri="{9D8B030D-6E8A-4147-A177-3AD203B41FA5}">
-                      <a16:colId xmlns="" xmlns:a16="http://schemas.microsoft.com/office/drawing/2014/main" val="20001"/>
+                      <a16:colId xmlns:a16="http://schemas.microsoft.com/office/drawing/2014/main" xmlns="" val="20001"/>
                     </a:ext>
                   </a:extLst>
                 </a:gridCol>
                 <a:gridCol w="1589541">
                   <a:extLst>
                     <a:ext uri="{9D8B030D-6E8A-4147-A177-3AD203B41FA5}">
-                      <a16:colId xmlns="" xmlns:a16="http://schemas.microsoft.com/office/drawing/2014/main" val="20003"/>
+                      <a16:colId xmlns:a16="http://schemas.microsoft.com/office/drawing/2014/main" xmlns="" val="20003"/>
                     </a:ext>
                   </a:extLst>
                 </a:gridCol>
                 <a:gridCol w="1677487">
                   <a:extLst>
                     <a:ext uri="{9D8B030D-6E8A-4147-A177-3AD203B41FA5}">
-                      <a16:colId xmlns="" xmlns:a16="http://schemas.microsoft.com/office/drawing/2014/main" val="20004"/>
+                      <a16:colId xmlns:a16="http://schemas.microsoft.com/office/drawing/2014/main" xmlns="" val="20004"/>
                     </a:ext>
                   </a:extLst>
                 </a:gridCol>
                 <a:gridCol w="1501594">
                   <a:extLst>
                     <a:ext uri="{9D8B030D-6E8A-4147-A177-3AD203B41FA5}">
-                      <a16:colId xmlns="" xmlns:a16="http://schemas.microsoft.com/office/drawing/2014/main" val="20005"/>
+                      <a16:colId xmlns:a16="http://schemas.microsoft.com/office/drawing/2014/main" xmlns="" val="20005"/>
                     </a:ext>
                   </a:extLst>
                 </a:gridCol>
                 <a:gridCol w="1924180">
                   <a:extLst>
                     <a:ext uri="{9D8B030D-6E8A-4147-A177-3AD203B41FA5}">
-                      <a16:colId xmlns="" xmlns:a16="http://schemas.microsoft.com/office/drawing/2014/main" val="20007"/>
+                      <a16:colId xmlns:a16="http://schemas.microsoft.com/office/drawing/2014/main" xmlns="" val="20007"/>
                     </a:ext>
                   </a:extLst>
                 </a:gridCol>
@@ -37632,7 +37648,7 @@
                 </a:tc>
                 <a:extLst>
                   <a:ext uri="{0D108BD9-81ED-4DB2-BD59-A6C34878D82A}">
-                    <a16:rowId xmlns="" xmlns:a16="http://schemas.microsoft.com/office/drawing/2014/main" val="10000"/>
+                    <a16:rowId xmlns:a16="http://schemas.microsoft.com/office/drawing/2014/main" xmlns="" val="10000"/>
                   </a:ext>
                 </a:extLst>
               </a:tr>
@@ -38202,7 +38218,7 @@
             <a:avLst/>
           </a:prstGeom>
           <a:solidFill>
-            <a:srgbClr val="F9FF26"/>
+            <a:srgbClr val="FC8089"/>
           </a:solidFill>
           <a:ln>
             <a:noFill/>
@@ -38230,6 +38246,9 @@
           <a:p>
             <a:pPr algn="ctr"/>
             <a:endParaRPr lang="ko-KR" altLang="en-US">
+              <a:solidFill>
+                <a:srgbClr val="FC8089"/>
+              </a:solidFill>
               <a:latin typeface="맑은 고딕" pitchFamily="50" charset="-127"/>
               <a:ea typeface="맑은 고딕" pitchFamily="50" charset="-127"/>
             </a:endParaRPr>
